--- a/Redaction/Presentation/pres.pptx
+++ b/Redaction/Presentation/pres.pptx
@@ -16,7 +16,7 @@
     <p:sldId id="263" r:id="rId4"/>
     <p:sldId id="264" r:id="rId5"/>
     <p:sldId id="265" r:id="rId6"/>
-    <p:sldId id="266" r:id="rId7"/>
+    <p:sldId id="308" r:id="rId7"/>
     <p:sldId id="267" r:id="rId8"/>
     <p:sldId id="268" r:id="rId9"/>
     <p:sldId id="269" r:id="rId10"/>
@@ -155,7 +155,7 @@
             <p14:sldId id="263"/>
             <p14:sldId id="264"/>
             <p14:sldId id="265"/>
-            <p14:sldId id="266"/>
+            <p14:sldId id="308"/>
             <p14:sldId id="267"/>
             <p14:sldId id="268"/>
           </p14:sldIdLst>
@@ -1037,13 +1037,7 @@
     </dgm:pt>
     <dgm:pt modelId="{1A6F2230-7FF1-784D-8943-FAFBB5BD867E}">
       <dgm:prSet phldrT="[Texte]"/>
-      <dgm:spPr>
-        <a:solidFill>
-          <a:srgbClr val="008000">
-            <a:alpha val="42000"/>
-          </a:srgbClr>
-        </a:solidFill>
-      </dgm:spPr>
+      <dgm:spPr/>
       <dgm:t>
         <a:bodyPr/>
         <a:lstStyle/>
@@ -1057,13 +1051,7 @@
     </dgm:pt>
     <dgm:pt modelId="{5304632D-3534-014E-A773-191A91505663}" type="parTrans" cxnId="{41055DA1-11F4-F44D-8A2D-65078C273C86}">
       <dgm:prSet/>
-      <dgm:spPr>
-        <a:solidFill>
-          <a:srgbClr val="008000">
-            <a:alpha val="42000"/>
-          </a:srgbClr>
-        </a:solidFill>
-      </dgm:spPr>
+      <dgm:spPr/>
       <dgm:t>
         <a:bodyPr/>
         <a:lstStyle/>
@@ -1297,21 +1285,21 @@
     </dgm:pt>
   </dgm:ptLst>
   <dgm:cxnLst>
-    <dgm:cxn modelId="{BD289E23-9AEB-1545-8121-FFED29DF8A76}" type="presOf" srcId="{EBD4001C-B961-5540-8C87-277869C67930}" destId="{D2B7ABDE-DC5D-CC43-A304-27801E8F3934}" srcOrd="1" destOrd="0" presId="urn:microsoft.com/office/officeart/2005/8/layout/radial5"/>
-    <dgm:cxn modelId="{5EF9709A-DAC0-EE4B-8557-4C53B4B56380}" type="presOf" srcId="{7DA216F7-B61A-644F-9E41-4844BDF2E1EB}" destId="{9AF44D55-8614-3B46-93BF-F278C02874B0}" srcOrd="0" destOrd="0" presId="urn:microsoft.com/office/officeart/2005/8/layout/radial5"/>
-    <dgm:cxn modelId="{20D7BF27-E99E-774C-A330-14F0528895CF}" type="presOf" srcId="{EC3D84DF-2E4A-914D-8008-A16D5583089F}" destId="{2D39C667-17DD-D243-BBEF-E694A5E11B6F}" srcOrd="0" destOrd="0" presId="urn:microsoft.com/office/officeart/2005/8/layout/radial5"/>
     <dgm:cxn modelId="{3CF9BB7A-5A06-2847-8A99-D91FA18D9AFA}" type="presOf" srcId="{5304632D-3534-014E-A773-191A91505663}" destId="{28E9526E-7B0C-9143-A850-585B8E0E2207}" srcOrd="0" destOrd="0" presId="urn:microsoft.com/office/officeart/2005/8/layout/radial5"/>
-    <dgm:cxn modelId="{981409B1-430A-F64D-A631-F9C5F731F273}" type="presOf" srcId="{EBD4001C-B961-5540-8C87-277869C67930}" destId="{443AD5A5-74EA-D84C-A21D-7D9663E3D147}" srcOrd="0" destOrd="0" presId="urn:microsoft.com/office/officeart/2005/8/layout/radial5"/>
-    <dgm:cxn modelId="{88714B9B-4491-1648-BFA5-9908FC612FF9}" type="presOf" srcId="{1A6F2230-7FF1-784D-8943-FAFBB5BD867E}" destId="{EFF2F8AC-1F1B-6D4D-8C29-AE41441F26F7}" srcOrd="0" destOrd="0" presId="urn:microsoft.com/office/officeart/2005/8/layout/radial5"/>
-    <dgm:cxn modelId="{1F426276-401F-6548-A04B-6E549D314F44}" srcId="{EC3D84DF-2E4A-914D-8008-A16D5583089F}" destId="{B7BB0103-7E47-DD47-A685-FB155C9A07EE}" srcOrd="0" destOrd="0" parTransId="{187E3820-FDBD-A14B-8D53-13DEEA190D85}" sibTransId="{07DE391C-36DC-2347-ACDE-6F70ECD1194A}"/>
-    <dgm:cxn modelId="{DA6D3E26-D7CA-AD40-9EAA-FB53CCDC295A}" srcId="{B7BB0103-7E47-DD47-A685-FB155C9A07EE}" destId="{7DA216F7-B61A-644F-9E41-4844BDF2E1EB}" srcOrd="1" destOrd="0" parTransId="{EE98EBD2-B01C-AC47-87D6-306A993857F7}" sibTransId="{40828377-F63C-7147-AD5C-8E259A94515F}"/>
     <dgm:cxn modelId="{D1A37C89-99F7-8646-9954-2A9040E91DE6}" type="presOf" srcId="{B7BB0103-7E47-DD47-A685-FB155C9A07EE}" destId="{5DD8E76F-190F-AE4D-8F4D-4BB2AADB5179}" srcOrd="0" destOrd="0" presId="urn:microsoft.com/office/officeart/2005/8/layout/radial5"/>
     <dgm:cxn modelId="{182F8A36-DF71-514D-A4DB-02C0E52C9E27}" srcId="{B7BB0103-7E47-DD47-A685-FB155C9A07EE}" destId="{80CDC2A9-E114-4E4E-97DA-E5A6E9106C0D}" srcOrd="2" destOrd="0" parTransId="{EBD4001C-B961-5540-8C87-277869C67930}" sibTransId="{23331D01-66FE-2F4E-9D58-79CD274B6161}"/>
-    <dgm:cxn modelId="{06BD377A-1813-9A43-8E47-E01E784BE70D}" type="presOf" srcId="{80CDC2A9-E114-4E4E-97DA-E5A6E9106C0D}" destId="{E6336081-3369-9448-A37D-3542AC02AA41}" srcOrd="0" destOrd="0" presId="urn:microsoft.com/office/officeart/2005/8/layout/radial5"/>
+    <dgm:cxn modelId="{1F426276-401F-6548-A04B-6E549D314F44}" srcId="{EC3D84DF-2E4A-914D-8008-A16D5583089F}" destId="{B7BB0103-7E47-DD47-A685-FB155C9A07EE}" srcOrd="0" destOrd="0" parTransId="{187E3820-FDBD-A14B-8D53-13DEEA190D85}" sibTransId="{07DE391C-36DC-2347-ACDE-6F70ECD1194A}"/>
+    <dgm:cxn modelId="{5EF9709A-DAC0-EE4B-8557-4C53B4B56380}" type="presOf" srcId="{7DA216F7-B61A-644F-9E41-4844BDF2E1EB}" destId="{9AF44D55-8614-3B46-93BF-F278C02874B0}" srcOrd="0" destOrd="0" presId="urn:microsoft.com/office/officeart/2005/8/layout/radial5"/>
+    <dgm:cxn modelId="{B42444B2-648E-4449-96AD-FC3B788CF0E4}" type="presOf" srcId="{EE98EBD2-B01C-AC47-87D6-306A993857F7}" destId="{54DC7B13-44EC-FF49-A46D-55A02B76FE87}" srcOrd="0" destOrd="0" presId="urn:microsoft.com/office/officeart/2005/8/layout/radial5"/>
+    <dgm:cxn modelId="{88714B9B-4491-1648-BFA5-9908FC612FF9}" type="presOf" srcId="{1A6F2230-7FF1-784D-8943-FAFBB5BD867E}" destId="{EFF2F8AC-1F1B-6D4D-8C29-AE41441F26F7}" srcOrd="0" destOrd="0" presId="urn:microsoft.com/office/officeart/2005/8/layout/radial5"/>
+    <dgm:cxn modelId="{981409B1-430A-F64D-A631-F9C5F731F273}" type="presOf" srcId="{EBD4001C-B961-5540-8C87-277869C67930}" destId="{443AD5A5-74EA-D84C-A21D-7D9663E3D147}" srcOrd="0" destOrd="0" presId="urn:microsoft.com/office/officeart/2005/8/layout/radial5"/>
     <dgm:cxn modelId="{41055DA1-11F4-F44D-8A2D-65078C273C86}" srcId="{B7BB0103-7E47-DD47-A685-FB155C9A07EE}" destId="{1A6F2230-7FF1-784D-8943-FAFBB5BD867E}" srcOrd="0" destOrd="0" parTransId="{5304632D-3534-014E-A773-191A91505663}" sibTransId="{18929EFA-1674-8D49-BFC2-4A2E5D4308B5}"/>
     <dgm:cxn modelId="{21A54FB8-9CA2-2343-945D-5B2902E5F5E8}" type="presOf" srcId="{5304632D-3534-014E-A773-191A91505663}" destId="{F6EB97ED-B6B4-4241-B774-3B7059FCFB8A}" srcOrd="1" destOrd="0" presId="urn:microsoft.com/office/officeart/2005/8/layout/radial5"/>
-    <dgm:cxn modelId="{B42444B2-648E-4449-96AD-FC3B788CF0E4}" type="presOf" srcId="{EE98EBD2-B01C-AC47-87D6-306A993857F7}" destId="{54DC7B13-44EC-FF49-A46D-55A02B76FE87}" srcOrd="0" destOrd="0" presId="urn:microsoft.com/office/officeart/2005/8/layout/radial5"/>
     <dgm:cxn modelId="{7ED21C30-811C-3644-A272-51AA029DED4E}" type="presOf" srcId="{EE98EBD2-B01C-AC47-87D6-306A993857F7}" destId="{F9C9631B-0A4E-8840-BB52-87B441B80EB5}" srcOrd="1" destOrd="0" presId="urn:microsoft.com/office/officeart/2005/8/layout/radial5"/>
+    <dgm:cxn modelId="{BD289E23-9AEB-1545-8121-FFED29DF8A76}" type="presOf" srcId="{EBD4001C-B961-5540-8C87-277869C67930}" destId="{D2B7ABDE-DC5D-CC43-A304-27801E8F3934}" srcOrd="1" destOrd="0" presId="urn:microsoft.com/office/officeart/2005/8/layout/radial5"/>
+    <dgm:cxn modelId="{06BD377A-1813-9A43-8E47-E01E784BE70D}" type="presOf" srcId="{80CDC2A9-E114-4E4E-97DA-E5A6E9106C0D}" destId="{E6336081-3369-9448-A37D-3542AC02AA41}" srcOrd="0" destOrd="0" presId="urn:microsoft.com/office/officeart/2005/8/layout/radial5"/>
+    <dgm:cxn modelId="{20D7BF27-E99E-774C-A330-14F0528895CF}" type="presOf" srcId="{EC3D84DF-2E4A-914D-8008-A16D5583089F}" destId="{2D39C667-17DD-D243-BBEF-E694A5E11B6F}" srcOrd="0" destOrd="0" presId="urn:microsoft.com/office/officeart/2005/8/layout/radial5"/>
+    <dgm:cxn modelId="{DA6D3E26-D7CA-AD40-9EAA-FB53CCDC295A}" srcId="{B7BB0103-7E47-DD47-A685-FB155C9A07EE}" destId="{7DA216F7-B61A-644F-9E41-4844BDF2E1EB}" srcOrd="1" destOrd="0" parTransId="{EE98EBD2-B01C-AC47-87D6-306A993857F7}" sibTransId="{40828377-F63C-7147-AD5C-8E259A94515F}"/>
     <dgm:cxn modelId="{D454D5EA-D415-0940-841D-9AF66E1C32C1}" type="presParOf" srcId="{2D39C667-17DD-D243-BBEF-E694A5E11B6F}" destId="{5DD8E76F-190F-AE4D-8F4D-4BB2AADB5179}" srcOrd="0" destOrd="0" presId="urn:microsoft.com/office/officeart/2005/8/layout/radial5"/>
     <dgm:cxn modelId="{758DD4F6-D5C5-1B47-AEAA-8A9B5ED271C1}" type="presParOf" srcId="{2D39C667-17DD-D243-BBEF-E694A5E11B6F}" destId="{28E9526E-7B0C-9143-A850-585B8E0E2207}" srcOrd="1" destOrd="0" presId="urn:microsoft.com/office/officeart/2005/8/layout/radial5"/>
     <dgm:cxn modelId="{0E9F40F2-2A10-F442-B672-458B50589287}" type="presParOf" srcId="{28E9526E-7B0C-9143-A850-585B8E0E2207}" destId="{F6EB97ED-B6B4-4241-B774-3B7059FCFB8A}" srcOrd="0" destOrd="0" presId="urn:microsoft.com/office/officeart/2005/8/layout/radial5"/>
@@ -1348,8 +1336,8 @@
       </dsp:nvSpPr>
       <dsp:spPr>
         <a:xfrm>
-          <a:off x="3360353" y="2113591"/>
-          <a:ext cx="1508893" cy="1508893"/>
+          <a:off x="3256565" y="2114429"/>
+          <a:ext cx="1507850" cy="1507850"/>
         </a:xfrm>
         <a:prstGeom prst="ellipse">
           <a:avLst/>
@@ -1429,8 +1417,8 @@
         </a:p>
       </dsp:txBody>
       <dsp:txXfrm>
-        <a:off x="3581325" y="2334563"/>
-        <a:ext cx="1066949" cy="1066949"/>
+        <a:off x="3477385" y="2335249"/>
+        <a:ext cx="1066210" cy="1066210"/>
       </dsp:txXfrm>
     </dsp:sp>
     <dsp:sp modelId="{28E9526E-7B0C-9143-A850-585B8E0E2207}">
@@ -1440,8 +1428,8 @@
       </dsp:nvSpPr>
       <dsp:spPr>
         <a:xfrm rot="16200000">
-          <a:off x="3955212" y="1565004"/>
-          <a:ext cx="319174" cy="513023"/>
+          <a:off x="3850291" y="1564900"/>
+          <a:ext cx="320398" cy="512669"/>
         </a:xfrm>
         <a:prstGeom prst="rightArrow">
           <a:avLst>
@@ -1450,9 +1438,12 @@
           </a:avLst>
         </a:prstGeom>
         <a:solidFill>
-          <a:srgbClr val="008000">
-            <a:alpha val="42000"/>
-          </a:srgbClr>
+          <a:schemeClr val="accent3">
+            <a:hueOff val="0"/>
+            <a:satOff val="0"/>
+            <a:lumOff val="0"/>
+            <a:alphaOff val="0"/>
+          </a:schemeClr>
         </a:solidFill>
         <a:ln>
           <a:noFill/>
@@ -1502,8 +1493,8 @@
         </a:p>
       </dsp:txBody>
       <dsp:txXfrm>
-        <a:off x="4003088" y="1715485"/>
-        <a:ext cx="223422" cy="307813"/>
+        <a:off x="3898351" y="1715494"/>
+        <a:ext cx="224279" cy="307601"/>
       </dsp:txXfrm>
     </dsp:sp>
     <dsp:sp modelId="{EFF2F8AC-1F1B-6D4D-8C29-AE41441F26F7}">
@@ -1513,16 +1504,19 @@
       </dsp:nvSpPr>
       <dsp:spPr>
         <a:xfrm>
-          <a:off x="3360353" y="2481"/>
-          <a:ext cx="1508893" cy="1508893"/>
+          <a:off x="3256565" y="2054"/>
+          <a:ext cx="1507850" cy="1507850"/>
         </a:xfrm>
         <a:prstGeom prst="ellipse">
           <a:avLst/>
         </a:prstGeom>
         <a:solidFill>
-          <a:srgbClr val="008000">
-            <a:alpha val="42000"/>
-          </a:srgbClr>
+          <a:schemeClr val="accent3">
+            <a:hueOff val="0"/>
+            <a:satOff val="0"/>
+            <a:lumOff val="0"/>
+            <a:alphaOff val="0"/>
+          </a:schemeClr>
         </a:solidFill>
         <a:ln>
           <a:noFill/>
@@ -1574,8 +1568,8 @@
         </a:p>
       </dsp:txBody>
       <dsp:txXfrm>
-        <a:off x="3581325" y="223453"/>
-        <a:ext cx="1066949" cy="1066949"/>
+        <a:off x="3477385" y="222874"/>
+        <a:ext cx="1066210" cy="1066210"/>
       </dsp:txXfrm>
     </dsp:sp>
     <dsp:sp modelId="{54DC7B13-44EC-FF49-A46D-55A02B76FE87}">
@@ -1585,8 +1579,8 @@
       </dsp:nvSpPr>
       <dsp:spPr>
         <a:xfrm rot="1800000">
-          <a:off x="4861527" y="3134787"/>
-          <a:ext cx="319174" cy="513023"/>
+          <a:off x="4757124" y="3135580"/>
+          <a:ext cx="320398" cy="512669"/>
         </a:xfrm>
         <a:prstGeom prst="rightArrow">
           <a:avLst>
@@ -1596,9 +1590,9 @@
         </a:prstGeom>
         <a:solidFill>
           <a:schemeClr val="accent3">
-            <a:hueOff val="-8413220"/>
-            <a:satOff val="-4326"/>
-            <a:lumOff val="-1863"/>
+            <a:hueOff val="-8193842"/>
+            <a:satOff val="-17832"/>
+            <a:lumOff val="2939"/>
             <a:alphaOff val="0"/>
           </a:schemeClr>
         </a:solidFill>
@@ -1650,8 +1644,8 @@
         </a:p>
       </dsp:txBody>
       <dsp:txXfrm>
-        <a:off x="4867941" y="3213454"/>
-        <a:ext cx="223422" cy="307813"/>
+        <a:off x="4763563" y="3214084"/>
+        <a:ext cx="224279" cy="307601"/>
       </dsp:txXfrm>
     </dsp:sp>
     <dsp:sp modelId="{9AF44D55-8614-3B46-93BF-F278C02874B0}">
@@ -1661,17 +1655,17 @@
       </dsp:nvSpPr>
       <dsp:spPr>
         <a:xfrm>
-          <a:off x="5188627" y="3169146"/>
-          <a:ext cx="1508893" cy="1508893"/>
+          <a:off x="5085936" y="3170617"/>
+          <a:ext cx="1507850" cy="1507850"/>
         </a:xfrm>
         <a:prstGeom prst="ellipse">
           <a:avLst/>
         </a:prstGeom>
         <a:solidFill>
           <a:schemeClr val="accent3">
-            <a:hueOff val="-8413220"/>
-            <a:satOff val="-4326"/>
-            <a:lumOff val="-1863"/>
+            <a:hueOff val="-8193842"/>
+            <a:satOff val="-17832"/>
+            <a:lumOff val="2939"/>
             <a:alphaOff val="0"/>
           </a:schemeClr>
         </a:solidFill>
@@ -1725,8 +1719,8 @@
         </a:p>
       </dsp:txBody>
       <dsp:txXfrm>
-        <a:off x="5409599" y="3390118"/>
-        <a:ext cx="1066949" cy="1066949"/>
+        <a:off x="5306756" y="3391437"/>
+        <a:ext cx="1066210" cy="1066210"/>
       </dsp:txXfrm>
     </dsp:sp>
     <dsp:sp modelId="{443AD5A5-74EA-D84C-A21D-7D9663E3D147}">
@@ -1736,8 +1730,8 @@
       </dsp:nvSpPr>
       <dsp:spPr>
         <a:xfrm rot="9000000">
-          <a:off x="3048898" y="3134787"/>
-          <a:ext cx="319174" cy="513023"/>
+          <a:off x="2943459" y="3135580"/>
+          <a:ext cx="320398" cy="512669"/>
         </a:xfrm>
         <a:prstGeom prst="rightArrow">
           <a:avLst>
@@ -1747,9 +1741,9 @@
         </a:prstGeom>
         <a:solidFill>
           <a:schemeClr val="accent3">
-            <a:hueOff val="-16826440"/>
-            <a:satOff val="-8652"/>
-            <a:lumOff val="-3725"/>
+            <a:hueOff val="-16387683"/>
+            <a:satOff val="-35664"/>
+            <a:lumOff val="5879"/>
             <a:alphaOff val="0"/>
           </a:schemeClr>
         </a:solidFill>
@@ -1801,8 +1795,8 @@
         </a:p>
       </dsp:txBody>
       <dsp:txXfrm rot="10800000">
-        <a:off x="3138236" y="3213454"/>
-        <a:ext cx="223422" cy="307813"/>
+        <a:off x="3033139" y="3214084"/>
+        <a:ext cx="224279" cy="307601"/>
       </dsp:txXfrm>
     </dsp:sp>
     <dsp:sp modelId="{E6336081-3369-9448-A37D-3542AC02AA41}">
@@ -1812,17 +1806,17 @@
       </dsp:nvSpPr>
       <dsp:spPr>
         <a:xfrm>
-          <a:off x="1532078" y="3169146"/>
-          <a:ext cx="1508893" cy="1508893"/>
+          <a:off x="1427194" y="3170617"/>
+          <a:ext cx="1507850" cy="1507850"/>
         </a:xfrm>
         <a:prstGeom prst="ellipse">
           <a:avLst/>
         </a:prstGeom>
         <a:solidFill>
           <a:schemeClr val="accent3">
-            <a:hueOff val="-16826440"/>
-            <a:satOff val="-8652"/>
-            <a:lumOff val="-3725"/>
+            <a:hueOff val="-16387683"/>
+            <a:satOff val="-35664"/>
+            <a:lumOff val="5879"/>
             <a:alphaOff val="0"/>
           </a:schemeClr>
         </a:solidFill>
@@ -1876,8 +1870,8 @@
         </a:p>
       </dsp:txBody>
       <dsp:txXfrm>
-        <a:off x="1753050" y="3390118"/>
-        <a:ext cx="1066949" cy="1066949"/>
+        <a:off x="1648014" y="3391437"/>
+        <a:ext cx="1066210" cy="1066210"/>
       </dsp:txXfrm>
     </dsp:sp>
   </dsp:spTree>
@@ -3783,7 +3777,11 @@
           <a:bodyPr anchor="b"/>
           <a:lstStyle>
             <a:lvl1pPr algn="ctr">
-              <a:defRPr/>
+              <a:defRPr>
+                <a:solidFill>
+                  <a:schemeClr val="tx2"/>
+                </a:solidFill>
+              </a:defRPr>
             </a:lvl1pPr>
             <a:extLst/>
           </a:lstStyle>
@@ -4046,6 +4044,13 @@
   <p:clrMapOvr>
     <a:masterClrMapping/>
   </p:clrMapOvr>
+  <p:timing>
+    <p:tnLst>
+      <p:par>
+        <p:cTn xmlns:p14="http://schemas.microsoft.com/office/powerpoint/2010/main" id="1" dur="indefinite" restart="never" nodeType="tmRoot"/>
+      </p:par>
+    </p:tnLst>
+  </p:timing>
 </p:sldLayout>
 </file>
 
@@ -4873,6 +4878,13 @@
         <p:txBody>
           <a:bodyPr/>
           <a:lstStyle>
+            <a:lvl1pPr>
+              <a:defRPr>
+                <a:solidFill>
+                  <a:schemeClr val="tx2"/>
+                </a:solidFill>
+              </a:defRPr>
+            </a:lvl1pPr>
             <a:extLst/>
           </a:lstStyle>
           <a:p>
@@ -4896,8 +4908,40 @@
         </p:nvSpPr>
         <p:spPr/>
         <p:txBody>
-          <a:bodyPr/>
+          <a:bodyPr>
+            <a:normAutofit/>
+          </a:bodyPr>
           <a:lstStyle>
+            <a:lvl1pPr>
+              <a:lnSpc>
+                <a:spcPct val="140000"/>
+              </a:lnSpc>
+              <a:defRPr sz="2800"/>
+            </a:lvl1pPr>
+            <a:lvl2pPr>
+              <a:lnSpc>
+                <a:spcPct val="140000"/>
+              </a:lnSpc>
+              <a:defRPr sz="2400"/>
+            </a:lvl2pPr>
+            <a:lvl3pPr>
+              <a:lnSpc>
+                <a:spcPct val="140000"/>
+              </a:lnSpc>
+              <a:defRPr sz="2000"/>
+            </a:lvl3pPr>
+            <a:lvl4pPr>
+              <a:lnSpc>
+                <a:spcPct val="140000"/>
+              </a:lnSpc>
+              <a:defRPr sz="1800"/>
+            </a:lvl4pPr>
+            <a:lvl5pPr>
+              <a:lnSpc>
+                <a:spcPct val="140000"/>
+              </a:lnSpc>
+              <a:defRPr sz="1800"/>
+            </a:lvl5pPr>
             <a:extLst/>
           </a:lstStyle>
           <a:p>
@@ -5019,6 +5063,13 @@
   <p:clrMapOvr>
     <a:masterClrMapping/>
   </p:clrMapOvr>
+  <p:timing>
+    <p:tnLst>
+      <p:par>
+        <p:cTn xmlns:p14="http://schemas.microsoft.com/office/powerpoint/2010/main" id="1" dur="indefinite" restart="never" nodeType="tmRoot"/>
+      </p:par>
+    </p:tnLst>
+  </p:timing>
 </p:sldLayout>
 </file>
 
@@ -5053,6 +5104,13 @@
         <p:txBody>
           <a:bodyPr/>
           <a:lstStyle>
+            <a:lvl1pPr>
+              <a:defRPr>
+                <a:solidFill>
+                  <a:schemeClr val="tx2"/>
+                </a:solidFill>
+              </a:defRPr>
+            </a:lvl1pPr>
             <a:extLst/>
           </a:lstStyle>
           <a:p>
@@ -5076,8 +5134,25 @@
         </p:nvSpPr>
         <p:spPr/>
         <p:txBody>
-          <a:bodyPr/>
+          <a:bodyPr>
+            <a:normAutofit/>
+          </a:bodyPr>
           <a:lstStyle>
+            <a:lvl1pPr>
+              <a:defRPr sz="2800"/>
+            </a:lvl1pPr>
+            <a:lvl2pPr>
+              <a:defRPr sz="2400"/>
+            </a:lvl2pPr>
+            <a:lvl3pPr>
+              <a:defRPr sz="2000"/>
+            </a:lvl3pPr>
+            <a:lvl4pPr>
+              <a:defRPr sz="1800"/>
+            </a:lvl4pPr>
+            <a:lvl5pPr>
+              <a:defRPr sz="1800"/>
+            </a:lvl5pPr>
             <a:extLst/>
           </a:lstStyle>
           <a:p>
@@ -5202,12 +5277,12 @@
         <p:spPr>
           <a:xfrm>
             <a:off x="0" y="0"/>
-            <a:ext cx="9144000" cy="274638"/>
+            <a:ext cx="9144000" cy="260648"/>
           </a:xfrm>
         </p:spPr>
         <p:txBody>
-          <a:bodyPr anchor="ctr" anchorCtr="0">
-            <a:noAutofit/>
+          <a:bodyPr wrap="square" anchor="ctr" anchorCtr="0">
+            <a:normAutofit/>
           </a:bodyPr>
           <a:lstStyle>
             <a:lvl1pPr marL="0" indent="0" algn="r">
@@ -5232,15 +5307,15 @@
         </p:nvCxnSpPr>
         <p:spPr>
           <a:xfrm>
-            <a:off x="0" y="274639"/>
-            <a:ext cx="9144000" cy="0"/>
+            <a:off x="1016000" y="260648"/>
+            <a:ext cx="8128000" cy="13991"/>
           </a:xfrm>
           <a:prstGeom prst="line">
             <a:avLst/>
           </a:prstGeom>
           <a:ln>
             <a:solidFill>
-              <a:schemeClr val="tx1">
+              <a:schemeClr val="tx2">
                 <a:alpha val="70000"/>
               </a:schemeClr>
             </a:solidFill>
@@ -5266,11 +5341,18 @@
   <p:clrMapOvr>
     <a:masterClrMapping/>
   </p:clrMapOvr>
+  <p:timing>
+    <p:tnLst>
+      <p:par>
+        <p:cTn xmlns:p14="http://schemas.microsoft.com/office/powerpoint/2010/main" id="1" dur="indefinite" restart="never" nodeType="tmRoot"/>
+      </p:par>
+    </p:tnLst>
+  </p:timing>
 </p:sldLayout>
 </file>
 
 <file path=ppt/slideLayouts/slideLayout4.xml><?xml version="1.0" encoding="utf-8"?>
-<p:sldLayout xmlns:a="http://schemas.openxmlformats.org/drawingml/2006/main" xmlns:r="http://schemas.openxmlformats.org/officeDocument/2006/relationships" xmlns:p="http://schemas.openxmlformats.org/presentationml/2006/main" type="secHead" preserve="1">
+<p:sldLayout xmlns:a="http://schemas.openxmlformats.org/drawingml/2006/main" xmlns:r="http://schemas.openxmlformats.org/officeDocument/2006/relationships" xmlns:p="http://schemas.openxmlformats.org/presentationml/2006/main" preserve="1" userDrawn="1">
   <p:cSld name="En-tête de section">
     <p:spTree>
       <p:nvGrpSpPr>
@@ -5368,93 +5450,6 @@
               <a:t>Cliquez et modifiez le titre</a:t>
             </a:r>
             <a:endParaRPr kumimoji="0" lang="en-US"/>
-          </a:p>
-        </p:txBody>
-      </p:sp>
-      <p:sp>
-        <p:nvSpPr>
-          <p:cNvPr id="3" name="Espace réservé du texte 2"/>
-          <p:cNvSpPr>
-            <a:spLocks noGrp="1"/>
-          </p:cNvSpPr>
-          <p:nvPr>
-            <p:ph type="body" idx="1"/>
-          </p:nvPr>
-        </p:nvSpPr>
-        <p:spPr>
-          <a:xfrm>
-            <a:off x="2578392" y="1066800"/>
-            <a:ext cx="6400800" cy="1509712"/>
-          </a:xfrm>
-        </p:spPr>
-        <p:txBody>
-          <a:bodyPr anchor="b"/>
-          <a:lstStyle>
-            <a:lvl1pPr marL="18288" indent="0">
-              <a:lnSpc>
-                <a:spcPts val="2300"/>
-              </a:lnSpc>
-              <a:spcBef>
-                <a:spcPts val="0"/>
-              </a:spcBef>
-              <a:buNone/>
-              <a:defRPr sz="2000">
-                <a:solidFill>
-                  <a:schemeClr val="tx2">
-                    <a:shade val="30000"/>
-                    <a:satMod val="150000"/>
-                  </a:schemeClr>
-                </a:solidFill>
-              </a:defRPr>
-            </a:lvl1pPr>
-            <a:lvl2pPr>
-              <a:buNone/>
-              <a:defRPr sz="1800">
-                <a:solidFill>
-                  <a:schemeClr val="tx1">
-                    <a:tint val="75000"/>
-                  </a:schemeClr>
-                </a:solidFill>
-              </a:defRPr>
-            </a:lvl2pPr>
-            <a:lvl3pPr>
-              <a:buNone/>
-              <a:defRPr sz="1600">
-                <a:solidFill>
-                  <a:schemeClr val="tx1">
-                    <a:tint val="75000"/>
-                  </a:schemeClr>
-                </a:solidFill>
-              </a:defRPr>
-            </a:lvl3pPr>
-            <a:lvl4pPr>
-              <a:buNone/>
-              <a:defRPr sz="1400">
-                <a:solidFill>
-                  <a:schemeClr val="tx1">
-                    <a:tint val="75000"/>
-                  </a:schemeClr>
-                </a:solidFill>
-              </a:defRPr>
-            </a:lvl4pPr>
-            <a:lvl5pPr>
-              <a:buNone/>
-              <a:defRPr sz="1400">
-                <a:solidFill>
-                  <a:schemeClr val="tx1">
-                    <a:tint val="75000"/>
-                  </a:schemeClr>
-                </a:solidFill>
-              </a:defRPr>
-            </a:lvl5pPr>
-            <a:extLst/>
-          </a:lstStyle>
-          <a:p>
-            <a:pPr lvl="0" eaLnBrk="1" latinLnBrk="0" hangingPunct="1"/>
-            <a:r>
-              <a:rPr kumimoji="0" lang="fr-FR"/>
-              <a:t>Cliquez pour modifier les styles du texte du masque</a:t>
-            </a:r>
           </a:p>
         </p:txBody>
       </p:sp>
@@ -5589,6 +5584,13 @@
   <p:clrMapOvr>
     <a:masterClrMapping/>
   </p:clrMapOvr>
+  <p:timing>
+    <p:tnLst>
+      <p:par>
+        <p:cTn xmlns:p14="http://schemas.microsoft.com/office/powerpoint/2010/main" id="1" dur="indefinite" restart="never" nodeType="tmRoot"/>
+      </p:par>
+    </p:tnLst>
+  </p:timing>
 </p:sldLayout>
 </file>
 
@@ -5862,6 +5864,13 @@
   <p:clrMapOvr>
     <a:masterClrMapping/>
   </p:clrMapOvr>
+  <p:timing>
+    <p:tnLst>
+      <p:par>
+        <p:cTn xmlns:p14="http://schemas.microsoft.com/office/powerpoint/2010/main" id="1" dur="indefinite" restart="never" nodeType="tmRoot"/>
+      </p:par>
+    </p:tnLst>
+  </p:timing>
 </p:sldLayout>
 </file>
 
@@ -7529,6 +7538,13 @@
     <p:sldLayoutId id="2147483672" r:id="rId11"/>
     <p:sldLayoutId id="2147483673" r:id="rId12"/>
   </p:sldLayoutIdLst>
+  <p:timing>
+    <p:tnLst>
+      <p:par>
+        <p:cTn xmlns:p14="http://schemas.microsoft.com/office/powerpoint/2010/main" id="1" dur="indefinite" restart="never" nodeType="tmRoot"/>
+      </p:par>
+    </p:tnLst>
+  </p:timing>
   <p:hf hdr="0" ftr="0" dt="0"/>
   <p:txStyles>
     <p:titleStyle>
@@ -7560,32 +7576,10 @@
     <p:bodyStyle>
       <a:lvl1pPr marL="365760" indent="-283464" algn="l" rtl="0" eaLnBrk="1" latinLnBrk="0" hangingPunct="1">
         <a:lnSpc>
-          <a:spcPct val="100000"/>
+          <a:spcPct val="140000"/>
         </a:lnSpc>
         <a:spcBef>
           <a:spcPts val="600"/>
-        </a:spcBef>
-        <a:buClr>
-          <a:schemeClr val="tx2"/>
-        </a:buClr>
-        <a:buSzPct val="110000"/>
-        <a:buFont typeface="Arial"/>
-        <a:buChar char="•"/>
-        <a:defRPr kumimoji="0" sz="3200" kern="1200">
-          <a:solidFill>
-            <a:schemeClr val="tx1"/>
-          </a:solidFill>
-          <a:latin typeface="+mn-lt"/>
-          <a:ea typeface="+mn-ea"/>
-          <a:cs typeface="+mn-cs"/>
-        </a:defRPr>
-      </a:lvl1pPr>
-      <a:lvl2pPr marL="640080" indent="-237744" algn="l" rtl="0" eaLnBrk="1" latinLnBrk="0" hangingPunct="1">
-        <a:lnSpc>
-          <a:spcPct val="100000"/>
-        </a:lnSpc>
-        <a:spcBef>
-          <a:spcPts val="550"/>
         </a:spcBef>
         <a:buClr>
           <a:schemeClr val="tx2"/>
@@ -7601,13 +7595,13 @@
           <a:ea typeface="+mn-ea"/>
           <a:cs typeface="+mn-cs"/>
         </a:defRPr>
-      </a:lvl2pPr>
-      <a:lvl3pPr marL="886968" indent="-228600" algn="l" rtl="0" eaLnBrk="1" latinLnBrk="0" hangingPunct="1">
+      </a:lvl1pPr>
+      <a:lvl2pPr marL="640080" indent="-237744" algn="l" rtl="0" eaLnBrk="1" latinLnBrk="0" hangingPunct="1">
         <a:lnSpc>
-          <a:spcPct val="100000"/>
+          <a:spcPct val="140000"/>
         </a:lnSpc>
         <a:spcBef>
-          <a:spcPct val="20000"/>
+          <a:spcPts val="550"/>
         </a:spcBef>
         <a:buClr>
           <a:schemeClr val="tx2"/>
@@ -7623,10 +7617,10 @@
           <a:ea typeface="+mn-ea"/>
           <a:cs typeface="+mn-cs"/>
         </a:defRPr>
-      </a:lvl3pPr>
-      <a:lvl4pPr marL="1097280" indent="-173736" algn="l" rtl="0" eaLnBrk="1" latinLnBrk="0" hangingPunct="1">
+      </a:lvl2pPr>
+      <a:lvl3pPr marL="886968" indent="-228600" algn="l" rtl="0" eaLnBrk="1" latinLnBrk="0" hangingPunct="1">
         <a:lnSpc>
-          <a:spcPct val="100000"/>
+          <a:spcPct val="140000"/>
         </a:lnSpc>
         <a:spcBef>
           <a:spcPct val="20000"/>
@@ -7645,10 +7639,10 @@
           <a:ea typeface="+mn-ea"/>
           <a:cs typeface="+mn-cs"/>
         </a:defRPr>
-      </a:lvl4pPr>
-      <a:lvl5pPr marL="1298448" indent="-182880" algn="l" rtl="0" eaLnBrk="1" latinLnBrk="0" hangingPunct="1">
+      </a:lvl3pPr>
+      <a:lvl4pPr marL="1097280" indent="-173736" algn="l" rtl="0" eaLnBrk="1" latinLnBrk="0" hangingPunct="1">
         <a:lnSpc>
-          <a:spcPct val="100000"/>
+          <a:spcPct val="140000"/>
         </a:lnSpc>
         <a:spcBef>
           <a:spcPct val="20000"/>
@@ -7659,7 +7653,29 @@
         <a:buSzPct val="110000"/>
         <a:buFont typeface="Arial"/>
         <a:buChar char="•"/>
-        <a:defRPr kumimoji="0" sz="2000" kern="1200">
+        <a:defRPr kumimoji="0" sz="1800" kern="1200">
+          <a:solidFill>
+            <a:schemeClr val="tx1"/>
+          </a:solidFill>
+          <a:latin typeface="+mn-lt"/>
+          <a:ea typeface="+mn-ea"/>
+          <a:cs typeface="+mn-cs"/>
+        </a:defRPr>
+      </a:lvl4pPr>
+      <a:lvl5pPr marL="1298448" indent="-182880" algn="l" rtl="0" eaLnBrk="1" latinLnBrk="0" hangingPunct="1">
+        <a:lnSpc>
+          <a:spcPct val="140000"/>
+        </a:lnSpc>
+        <a:spcBef>
+          <a:spcPct val="20000"/>
+        </a:spcBef>
+        <a:buClr>
+          <a:schemeClr val="tx2"/>
+        </a:buClr>
+        <a:buSzPct val="110000"/>
+        <a:buFont typeface="Arial"/>
+        <a:buChar char="•"/>
+        <a:defRPr kumimoji="0" sz="1800" kern="1200">
           <a:solidFill>
             <a:schemeClr val="tx1"/>
           </a:solidFill>
@@ -7881,7 +7897,7 @@
         <p:spPr>
           <a:xfrm>
             <a:off x="1168399" y="1957080"/>
-            <a:ext cx="7704667" cy="1472184"/>
+            <a:ext cx="7704667" cy="1802120"/>
           </a:xfrm>
         </p:spPr>
         <p:txBody>
@@ -7895,7 +7911,6 @@
               <a:rPr lang="fr-FR"/>
               <a:t>Analyse et conception d’algorithmes économes en énergie dans les réseaux de capteurs</a:t>
             </a:r>
-            <a:endParaRPr lang="fr-FR"/>
           </a:p>
         </p:txBody>
       </p:sp>
@@ -7911,67 +7926,79 @@
         </p:nvSpPr>
         <p:spPr>
           <a:xfrm>
-            <a:off x="1134533" y="4051396"/>
+            <a:off x="1134533" y="4237663"/>
             <a:ext cx="3539067" cy="2254153"/>
           </a:xfrm>
         </p:spPr>
         <p:txBody>
           <a:bodyPr>
-            <a:normAutofit lnSpcReduction="10000"/>
+            <a:normAutofit/>
           </a:bodyPr>
           <a:lstStyle/>
           <a:p>
             <a:pPr>
               <a:lnSpc>
-                <a:spcPct val="130000"/>
+                <a:spcPct val="120000"/>
               </a:lnSpc>
             </a:pPr>
             <a:r>
-              <a:rPr lang="fr-FR" sz="2400"/>
+              <a:rPr lang="fr-FR" sz="2000"/>
               <a:t>Réalisé par</a:t>
             </a:r>
           </a:p>
           <a:p>
             <a:pPr marL="484632" indent="-457200">
+              <a:lnSpc>
+                <a:spcPct val="120000"/>
+              </a:lnSpc>
               <a:buSzPct val="160000"/>
               <a:buFont typeface="Arial"/>
               <a:buChar char="•"/>
             </a:pPr>
             <a:r>
-              <a:rPr lang="fr-FR" sz="2400"/>
+              <a:rPr lang="fr-FR" sz="2000"/>
               <a:t>Chloé Desdouits</a:t>
             </a:r>
           </a:p>
           <a:p>
             <a:pPr marL="484632" indent="-457200">
+              <a:lnSpc>
+                <a:spcPct val="120000"/>
+              </a:lnSpc>
               <a:buSzPct val="160000"/>
               <a:buFont typeface="Arial"/>
               <a:buChar char="•"/>
             </a:pPr>
             <a:r>
-              <a:rPr lang="fr-FR" sz="2400"/>
+              <a:rPr lang="fr-FR" sz="2000"/>
               <a:t>Zahir Kali</a:t>
             </a:r>
           </a:p>
           <a:p>
             <a:pPr marL="484632" indent="-457200">
+              <a:lnSpc>
+                <a:spcPct val="120000"/>
+              </a:lnSpc>
               <a:buSzPct val="160000"/>
               <a:buFont typeface="Arial"/>
               <a:buChar char="•"/>
             </a:pPr>
             <a:r>
-              <a:rPr lang="fr-FR" sz="2400"/>
+              <a:rPr lang="fr-FR" sz="2000"/>
               <a:t>Rabah Laouadi</a:t>
             </a:r>
           </a:p>
           <a:p>
             <a:pPr marL="484632" indent="-457200">
+              <a:lnSpc>
+                <a:spcPct val="120000"/>
+              </a:lnSpc>
               <a:buSzPct val="160000"/>
               <a:buFont typeface="Arial"/>
               <a:buChar char="•"/>
             </a:pPr>
             <a:r>
-              <a:rPr lang="fr-FR" sz="2400"/>
+              <a:rPr lang="fr-FR" sz="2000"/>
               <a:t>Samuel Rouquie</a:t>
             </a:r>
           </a:p>
@@ -7990,7 +8017,7 @@
         <p:spPr/>
         <p:txBody>
           <a:bodyPr>
-            <a:normAutofit/>
+            <a:normAutofit lnSpcReduction="10000"/>
           </a:bodyPr>
           <a:lstStyle/>
           <a:p>
@@ -8020,7 +8047,7 @@
         <p:spPr/>
         <p:txBody>
           <a:bodyPr>
-            <a:normAutofit/>
+            <a:normAutofit lnSpcReduction="10000"/>
           </a:bodyPr>
           <a:lstStyle/>
           <a:p>
@@ -8049,7 +8076,12 @@
             <p:ph type="body" sz="quarter" idx="15"/>
           </p:nvPr>
         </p:nvSpPr>
-        <p:spPr/>
+        <p:spPr>
+          <a:xfrm>
+            <a:off x="4899025" y="4237567"/>
+            <a:ext cx="3940175" cy="1752600"/>
+          </a:xfrm>
+        </p:spPr>
         <p:txBody>
           <a:bodyPr>
             <a:normAutofit/>
@@ -8058,24 +8090,32 @@
           <a:p>
             <a:pPr algn="r">
               <a:lnSpc>
-                <a:spcPct val="120000"/>
+                <a:spcPct val="100000"/>
               </a:lnSpc>
             </a:pPr>
             <a:r>
-              <a:rPr lang="fr-FR" sz="2400"/>
+              <a:rPr lang="fr-FR" sz="2000"/>
               <a:t>Encadrante</a:t>
             </a:r>
           </a:p>
           <a:p>
-            <a:pPr algn="r"/>
-            <a:r>
-              <a:rPr lang="fr-FR" sz="2400"/>
+            <a:pPr algn="r">
+              <a:lnSpc>
+                <a:spcPct val="100000"/>
+              </a:lnSpc>
+            </a:pPr>
+            <a:r>
+              <a:rPr lang="fr-FR" sz="2000"/>
               <a:t>Anne-Élisabeth Baert</a:t>
             </a:r>
           </a:p>
           <a:p>
-            <a:pPr algn="r"/>
-            <a:endParaRPr lang="fr-FR" sz="2400"/>
+            <a:pPr algn="r">
+              <a:lnSpc>
+                <a:spcPct val="100000"/>
+              </a:lnSpc>
+            </a:pPr>
+            <a:endParaRPr lang="fr-FR" sz="2000"/>
           </a:p>
         </p:txBody>
       </p:sp>
@@ -8258,7 +8298,7 @@
         <p:spPr/>
         <p:txBody>
           <a:bodyPr>
-            <a:normAutofit fontScale="92500" lnSpcReduction="10000"/>
+            <a:normAutofit fontScale="62500" lnSpcReduction="20000"/>
           </a:bodyPr>
           <a:lstStyle/>
           <a:p>
@@ -8316,788 +8356,13 @@
       </p:grpSpPr>
       <p:sp>
         <p:nvSpPr>
-          <p:cNvPr id="2" name="Titre 1"/>
-          <p:cNvSpPr>
-            <a:spLocks noGrp="1"/>
-          </p:cNvSpPr>
-          <p:nvPr>
-            <p:ph type="title"/>
-          </p:nvPr>
-        </p:nvSpPr>
-        <p:spPr/>
-        <p:txBody>
-          <a:bodyPr/>
-          <a:lstStyle/>
-          <a:p>
-            <a:r>
-              <a:rPr lang="fr-FR"/>
-              <a:t>Modélisation d’un réseau</a:t>
-            </a:r>
-          </a:p>
-        </p:txBody>
-      </p:sp>
-      <p:sp>
-        <p:nvSpPr>
-          <p:cNvPr id="3" name="Espace réservé du contenu 2"/>
-          <p:cNvSpPr>
-            <a:spLocks noGrp="1"/>
-          </p:cNvSpPr>
-          <p:nvPr>
-            <p:ph idx="1"/>
-          </p:nvPr>
-        </p:nvSpPr>
-        <p:spPr/>
-        <p:txBody>
-          <a:bodyPr>
-            <a:normAutofit/>
-          </a:bodyPr>
-          <a:lstStyle/>
-          <a:p>
-            <a:pPr>
-              <a:lnSpc>
-                <a:spcPct val="120000"/>
-              </a:lnSpc>
-            </a:pPr>
-            <a:r>
-              <a:rPr lang="fr-FR"/>
-              <a:t>Graphe G = (V, E, </a:t>
-            </a:r>
-            <a:r>
-              <a:rPr lang="el-GR"/>
-              <a:t>γ</a:t>
-            </a:r>
-            <a:r>
-              <a:rPr lang="fr-FR"/>
-              <a:t>)</a:t>
-            </a:r>
-          </a:p>
-          <a:p>
-            <a:pPr lvl="1">
-              <a:lnSpc>
-                <a:spcPct val="120000"/>
-              </a:lnSpc>
-            </a:pPr>
-            <a:r>
-              <a:rPr lang="fr-FR"/>
-              <a:t>V : l’ensemble des capteurs (nœuds)</a:t>
-            </a:r>
-          </a:p>
-          <a:p>
-            <a:pPr lvl="1">
-              <a:lnSpc>
-                <a:spcPct val="120000"/>
-              </a:lnSpc>
-            </a:pPr>
-            <a:r>
-              <a:rPr lang="el-GR"/>
-              <a:t>γ</a:t>
-            </a:r>
-            <a:r>
-              <a:rPr lang="fr-FR"/>
-              <a:t> rayon d’émission maximum</a:t>
-            </a:r>
-          </a:p>
-          <a:p>
-            <a:pPr lvl="1">
-              <a:lnSpc>
-                <a:spcPct val="120000"/>
-              </a:lnSpc>
-            </a:pPr>
-            <a:r>
-              <a:rPr lang="fr-FR"/>
-              <a:t>E </a:t>
-            </a:r>
-            <a:r>
-              <a:rPr lang="el-GR"/>
-              <a:t>=</a:t>
-            </a:r>
-            <a:r>
-              <a:rPr lang="fr-FR"/>
-              <a:t> </a:t>
-            </a:r>
-            <a:r>
-              <a:rPr lang="el-GR"/>
-              <a:t>{(u,v)∈V</a:t>
-            </a:r>
-            <a:r>
-              <a:rPr lang="el-GR" baseline="30000"/>
-              <a:t>2</a:t>
-            </a:r>
-            <a:r>
-              <a:rPr lang="el-GR"/>
-              <a:t> |d(u,v)≤γ} </a:t>
-            </a:r>
-            <a:endParaRPr lang="fr-FR"/>
-          </a:p>
-          <a:p>
-            <a:pPr>
-              <a:lnSpc>
-                <a:spcPct val="120000"/>
-              </a:lnSpc>
-            </a:pPr>
-            <a:r>
-              <a:rPr lang="fr-FR"/>
-              <a:t>Connexité initiale</a:t>
-            </a:r>
-          </a:p>
-          <a:p>
-            <a:pPr>
-              <a:lnSpc>
-                <a:spcPct val="120000"/>
-              </a:lnSpc>
-            </a:pPr>
-            <a:r>
-              <a:rPr lang="fr-FR"/>
-              <a:t>Pas d’ajout de capteur</a:t>
-            </a:r>
-          </a:p>
-          <a:p>
-            <a:pPr>
-              <a:lnSpc>
-                <a:spcPct val="120000"/>
-              </a:lnSpc>
-            </a:pPr>
-            <a:r>
-              <a:rPr lang="fr-FR"/>
-              <a:t>N</a:t>
-            </a:r>
-            <a:r>
-              <a:rPr lang="fr-FR" baseline="-25000"/>
-              <a:t>k</a:t>
-            </a:r>
-            <a:r>
-              <a:rPr lang="fr-FR"/>
-              <a:t>(u) = {v ∈ V | (u, v) ∈ E}</a:t>
-            </a:r>
-          </a:p>
-        </p:txBody>
-      </p:sp>
-      <p:sp>
-        <p:nvSpPr>
-          <p:cNvPr id="4" name="Espace réservé du numéro de diapositive 3"/>
-          <p:cNvSpPr>
-            <a:spLocks noGrp="1"/>
-          </p:cNvSpPr>
-          <p:nvPr>
-            <p:ph type="sldNum" sz="quarter" idx="12"/>
-          </p:nvPr>
-        </p:nvSpPr>
-        <p:spPr/>
-        <p:txBody>
-          <a:bodyPr/>
-          <a:lstStyle/>
-          <a:p>
-            <a:fld id="{632DADDA-56E0-0F4D-8444-EEC8234C8BEB}" type="slidenum">
-              <a:rPr lang="fr-FR"/>
-              <a:t>11</a:t>
-            </a:fld>
-            <a:endParaRPr lang="fr-FR"/>
-          </a:p>
-        </p:txBody>
-      </p:sp>
-      <p:sp>
-        <p:nvSpPr>
-          <p:cNvPr id="5" name="Espace réservé du texte 4"/>
-          <p:cNvSpPr>
-            <a:spLocks noGrp="1"/>
-          </p:cNvSpPr>
-          <p:nvPr>
-            <p:ph type="body" sz="quarter" idx="13"/>
-          </p:nvPr>
-        </p:nvSpPr>
-        <p:spPr/>
-        <p:txBody>
-          <a:bodyPr>
-            <a:normAutofit fontScale="92500" lnSpcReduction="10000"/>
-          </a:bodyPr>
-          <a:lstStyle/>
-          <a:p>
-            <a:r>
-              <a:rPr lang="fr-FR"/>
-              <a:t>état de l’art</a:t>
-            </a:r>
-          </a:p>
-        </p:txBody>
-      </p:sp>
-      <p:sp>
-        <p:nvSpPr>
-          <p:cNvPr id="7" name="Ellipse 6"/>
-          <p:cNvSpPr/>
-          <p:nvPr/>
-        </p:nvSpPr>
-        <p:spPr>
-          <a:xfrm>
-            <a:off x="6271198" y="3714064"/>
-            <a:ext cx="428293" cy="407558"/>
-          </a:xfrm>
-          <a:prstGeom prst="ellipse">
-            <a:avLst/>
-          </a:prstGeom>
-        </p:spPr>
-        <p:style>
-          <a:lnRef idx="1">
-            <a:schemeClr val="dk1"/>
-          </a:lnRef>
-          <a:fillRef idx="3">
-            <a:schemeClr val="dk1"/>
-          </a:fillRef>
-          <a:effectRef idx="2">
-            <a:schemeClr val="dk1"/>
-          </a:effectRef>
-          <a:fontRef idx="minor">
-            <a:schemeClr val="lt1"/>
-          </a:fontRef>
-        </p:style>
-        <p:txBody>
-          <a:bodyPr rtlCol="0" anchor="ctr">
-            <a:normAutofit fontScale="85000" lnSpcReduction="20000"/>
-          </a:bodyPr>
-          <a:lstStyle/>
-          <a:p>
-            <a:pPr algn="ctr"/>
-            <a:r>
-              <a:rPr lang="fr-FR"/>
-              <a:t>A</a:t>
-            </a:r>
-          </a:p>
-        </p:txBody>
-      </p:sp>
-      <p:sp>
-        <p:nvSpPr>
-          <p:cNvPr id="8" name="Ellipse 7"/>
-          <p:cNvSpPr/>
-          <p:nvPr/>
-        </p:nvSpPr>
-        <p:spPr>
-          <a:xfrm>
-            <a:off x="6734701" y="3211511"/>
-            <a:ext cx="428293" cy="407558"/>
-          </a:xfrm>
-          <a:prstGeom prst="ellipse">
-            <a:avLst/>
-          </a:prstGeom>
-        </p:spPr>
-        <p:style>
-          <a:lnRef idx="1">
-            <a:schemeClr val="dk1"/>
-          </a:lnRef>
-          <a:fillRef idx="3">
-            <a:schemeClr val="dk1"/>
-          </a:fillRef>
-          <a:effectRef idx="2">
-            <a:schemeClr val="dk1"/>
-          </a:effectRef>
-          <a:fontRef idx="minor">
-            <a:schemeClr val="lt1"/>
-          </a:fontRef>
-        </p:style>
-        <p:txBody>
-          <a:bodyPr rtlCol="0" anchor="ctr">
-            <a:normAutofit fontScale="85000" lnSpcReduction="20000"/>
-          </a:bodyPr>
-          <a:lstStyle/>
-          <a:p>
-            <a:pPr algn="ctr"/>
-            <a:r>
-              <a:rPr lang="fr-FR"/>
-              <a:t>B</a:t>
-            </a:r>
-          </a:p>
-        </p:txBody>
-      </p:sp>
-      <p:sp>
-        <p:nvSpPr>
-          <p:cNvPr id="9" name="Ellipse 8"/>
-          <p:cNvSpPr/>
-          <p:nvPr/>
-        </p:nvSpPr>
-        <p:spPr>
-          <a:xfrm>
-            <a:off x="5523813" y="2970586"/>
-            <a:ext cx="428293" cy="407558"/>
-          </a:xfrm>
-          <a:prstGeom prst="ellipse">
-            <a:avLst/>
-          </a:prstGeom>
-        </p:spPr>
-        <p:style>
-          <a:lnRef idx="1">
-            <a:schemeClr val="dk1"/>
-          </a:lnRef>
-          <a:fillRef idx="3">
-            <a:schemeClr val="dk1"/>
-          </a:fillRef>
-          <a:effectRef idx="2">
-            <a:schemeClr val="dk1"/>
-          </a:effectRef>
-          <a:fontRef idx="minor">
-            <a:schemeClr val="lt1"/>
-          </a:fontRef>
-        </p:style>
-        <p:txBody>
-          <a:bodyPr rtlCol="0" anchor="ctr">
-            <a:normAutofit fontScale="85000" lnSpcReduction="20000"/>
-          </a:bodyPr>
-          <a:lstStyle/>
-          <a:p>
-            <a:pPr algn="ctr"/>
-            <a:r>
-              <a:rPr lang="fr-FR"/>
-              <a:t>C</a:t>
-            </a:r>
-          </a:p>
-        </p:txBody>
-      </p:sp>
-      <p:sp>
-        <p:nvSpPr>
-          <p:cNvPr id="10" name="Ellipse 9"/>
-          <p:cNvSpPr/>
-          <p:nvPr/>
-        </p:nvSpPr>
-        <p:spPr>
-          <a:xfrm>
-            <a:off x="5845833" y="5050862"/>
-            <a:ext cx="428293" cy="407558"/>
-          </a:xfrm>
-          <a:prstGeom prst="ellipse">
-            <a:avLst/>
-          </a:prstGeom>
-        </p:spPr>
-        <p:style>
-          <a:lnRef idx="1">
-            <a:schemeClr val="dk1"/>
-          </a:lnRef>
-          <a:fillRef idx="3">
-            <a:schemeClr val="dk1"/>
-          </a:fillRef>
-          <a:effectRef idx="2">
-            <a:schemeClr val="dk1"/>
-          </a:effectRef>
-          <a:fontRef idx="minor">
-            <a:schemeClr val="lt1"/>
-          </a:fontRef>
-        </p:style>
-        <p:txBody>
-          <a:bodyPr rtlCol="0" anchor="ctr">
-            <a:normAutofit fontScale="85000" lnSpcReduction="20000"/>
-          </a:bodyPr>
-          <a:lstStyle/>
-          <a:p>
-            <a:pPr algn="ctr"/>
-            <a:r>
-              <a:rPr lang="fr-FR"/>
-              <a:t>D</a:t>
-            </a:r>
-          </a:p>
-        </p:txBody>
-      </p:sp>
-      <p:sp>
-        <p:nvSpPr>
-          <p:cNvPr id="11" name="Ellipse 10"/>
-          <p:cNvSpPr/>
-          <p:nvPr/>
-        </p:nvSpPr>
-        <p:spPr>
-          <a:xfrm>
-            <a:off x="6586392" y="4479673"/>
-            <a:ext cx="428293" cy="407558"/>
-          </a:xfrm>
-          <a:prstGeom prst="ellipse">
-            <a:avLst/>
-          </a:prstGeom>
-        </p:spPr>
-        <p:style>
-          <a:lnRef idx="1">
-            <a:schemeClr val="dk1"/>
-          </a:lnRef>
-          <a:fillRef idx="3">
-            <a:schemeClr val="dk1"/>
-          </a:fillRef>
-          <a:effectRef idx="2">
-            <a:schemeClr val="dk1"/>
-          </a:effectRef>
-          <a:fontRef idx="minor">
-            <a:schemeClr val="lt1"/>
-          </a:fontRef>
-        </p:style>
-        <p:txBody>
-          <a:bodyPr rtlCol="0" anchor="ctr">
-            <a:normAutofit fontScale="85000" lnSpcReduction="20000"/>
-          </a:bodyPr>
-          <a:lstStyle/>
-          <a:p>
-            <a:pPr algn="ctr"/>
-            <a:r>
-              <a:rPr lang="fr-FR"/>
-              <a:t>E</a:t>
-            </a:r>
-          </a:p>
-        </p:txBody>
-      </p:sp>
-      <p:sp>
-        <p:nvSpPr>
-          <p:cNvPr id="12" name="Ellipse 11"/>
-          <p:cNvSpPr/>
-          <p:nvPr/>
-        </p:nvSpPr>
-        <p:spPr>
-          <a:xfrm>
-            <a:off x="7675898" y="4774353"/>
-            <a:ext cx="428293" cy="407558"/>
-          </a:xfrm>
-          <a:prstGeom prst="ellipse">
-            <a:avLst/>
-          </a:prstGeom>
-        </p:spPr>
-        <p:style>
-          <a:lnRef idx="1">
-            <a:schemeClr val="dk1"/>
-          </a:lnRef>
-          <a:fillRef idx="3">
-            <a:schemeClr val="dk1"/>
-          </a:fillRef>
-          <a:effectRef idx="2">
-            <a:schemeClr val="dk1"/>
-          </a:effectRef>
-          <a:fontRef idx="minor">
-            <a:schemeClr val="lt1"/>
-          </a:fontRef>
-        </p:style>
-        <p:txBody>
-          <a:bodyPr rtlCol="0" anchor="ctr">
-            <a:normAutofit fontScale="85000" lnSpcReduction="20000"/>
-          </a:bodyPr>
-          <a:lstStyle/>
-          <a:p>
-            <a:pPr algn="ctr"/>
-            <a:r>
-              <a:rPr lang="fr-FR"/>
-              <a:t>F</a:t>
-            </a:r>
-          </a:p>
-        </p:txBody>
-      </p:sp>
-      <p:cxnSp>
-        <p:nvCxnSpPr>
-          <p:cNvPr id="13" name="Connecteur droit 12"/>
-          <p:cNvCxnSpPr>
-            <a:stCxn id="9" idx="5"/>
-            <a:endCxn id="7" idx="1"/>
-          </p:cNvCxnSpPr>
-          <p:nvPr/>
-        </p:nvCxnSpPr>
-        <p:spPr>
-          <a:xfrm>
-            <a:off x="5889384" y="3318459"/>
-            <a:ext cx="444536" cy="455290"/>
-          </a:xfrm>
-          <a:prstGeom prst="line">
-            <a:avLst/>
-          </a:prstGeom>
-          <a:ln>
-            <a:solidFill>
-              <a:srgbClr val="800A07"/>
-            </a:solidFill>
-          </a:ln>
-        </p:spPr>
-        <p:style>
-          <a:lnRef idx="2">
-            <a:schemeClr val="accent1"/>
-          </a:lnRef>
-          <a:fillRef idx="0">
-            <a:schemeClr val="accent1"/>
-          </a:fillRef>
-          <a:effectRef idx="1">
-            <a:schemeClr val="accent1"/>
-          </a:effectRef>
-          <a:fontRef idx="minor">
-            <a:schemeClr val="tx1"/>
-          </a:fontRef>
-        </p:style>
-      </p:cxnSp>
-      <p:cxnSp>
-        <p:nvCxnSpPr>
-          <p:cNvPr id="14" name="Connecteur droit 13"/>
-          <p:cNvCxnSpPr>
-            <a:stCxn id="7" idx="7"/>
-            <a:endCxn id="8" idx="3"/>
-          </p:cNvCxnSpPr>
-          <p:nvPr/>
-        </p:nvCxnSpPr>
-        <p:spPr>
-          <a:xfrm flipV="1">
-            <a:off x="6636769" y="3559384"/>
-            <a:ext cx="160654" cy="214365"/>
-          </a:xfrm>
-          <a:prstGeom prst="line">
-            <a:avLst/>
-          </a:prstGeom>
-        </p:spPr>
-        <p:style>
-          <a:lnRef idx="2">
-            <a:schemeClr val="accent1"/>
-          </a:lnRef>
-          <a:fillRef idx="0">
-            <a:schemeClr val="accent1"/>
-          </a:fillRef>
-          <a:effectRef idx="1">
-            <a:schemeClr val="accent1"/>
-          </a:effectRef>
-          <a:fontRef idx="minor">
-            <a:schemeClr val="tx1"/>
-          </a:fontRef>
-        </p:style>
-      </p:cxnSp>
-      <p:cxnSp>
-        <p:nvCxnSpPr>
-          <p:cNvPr id="15" name="Connecteur droit 14"/>
-          <p:cNvCxnSpPr>
-            <a:stCxn id="7" idx="5"/>
-            <a:endCxn id="11" idx="0"/>
-          </p:cNvCxnSpPr>
-          <p:nvPr/>
-        </p:nvCxnSpPr>
-        <p:spPr>
-          <a:xfrm>
-            <a:off x="6636769" y="4061937"/>
-            <a:ext cx="163770" cy="417736"/>
-          </a:xfrm>
-          <a:prstGeom prst="line">
-            <a:avLst/>
-          </a:prstGeom>
-        </p:spPr>
-        <p:style>
-          <a:lnRef idx="2">
-            <a:schemeClr val="accent1"/>
-          </a:lnRef>
-          <a:fillRef idx="0">
-            <a:schemeClr val="accent1"/>
-          </a:fillRef>
-          <a:effectRef idx="1">
-            <a:schemeClr val="accent1"/>
-          </a:effectRef>
-          <a:fontRef idx="minor">
-            <a:schemeClr val="tx1"/>
-          </a:fontRef>
-        </p:style>
-      </p:cxnSp>
-      <p:cxnSp>
-        <p:nvCxnSpPr>
-          <p:cNvPr id="16" name="Connecteur droit 15"/>
-          <p:cNvCxnSpPr>
-            <a:stCxn id="7" idx="3"/>
-            <a:endCxn id="10" idx="0"/>
-          </p:cNvCxnSpPr>
-          <p:nvPr/>
-        </p:nvCxnSpPr>
-        <p:spPr>
-          <a:xfrm flipH="1">
-            <a:off x="6059980" y="4061937"/>
-            <a:ext cx="273940" cy="988925"/>
-          </a:xfrm>
-          <a:prstGeom prst="line">
-            <a:avLst/>
-          </a:prstGeom>
-        </p:spPr>
-        <p:style>
-          <a:lnRef idx="2">
-            <a:schemeClr val="accent1"/>
-          </a:lnRef>
-          <a:fillRef idx="0">
-            <a:schemeClr val="accent1"/>
-          </a:fillRef>
-          <a:effectRef idx="1">
-            <a:schemeClr val="accent1"/>
-          </a:effectRef>
-          <a:fontRef idx="minor">
-            <a:schemeClr val="tx1"/>
-          </a:fontRef>
-        </p:style>
-      </p:cxnSp>
-      <p:cxnSp>
-        <p:nvCxnSpPr>
-          <p:cNvPr id="17" name="Connecteur droit 16"/>
-          <p:cNvCxnSpPr>
-            <a:stCxn id="10" idx="7"/>
-            <a:endCxn id="11" idx="3"/>
-          </p:cNvCxnSpPr>
-          <p:nvPr/>
-        </p:nvCxnSpPr>
-        <p:spPr>
-          <a:xfrm flipV="1">
-            <a:off x="6211404" y="4827546"/>
-            <a:ext cx="437710" cy="283001"/>
-          </a:xfrm>
-          <a:prstGeom prst="line">
-            <a:avLst/>
-          </a:prstGeom>
-        </p:spPr>
-        <p:style>
-          <a:lnRef idx="2">
-            <a:schemeClr val="accent1"/>
-          </a:lnRef>
-          <a:fillRef idx="0">
-            <a:schemeClr val="accent1"/>
-          </a:fillRef>
-          <a:effectRef idx="1">
-            <a:schemeClr val="accent1"/>
-          </a:effectRef>
-          <a:fontRef idx="minor">
-            <a:schemeClr val="tx1"/>
-          </a:fontRef>
-        </p:style>
-      </p:cxnSp>
-      <p:cxnSp>
-        <p:nvCxnSpPr>
-          <p:cNvPr id="18" name="Connecteur droit 17"/>
-          <p:cNvCxnSpPr>
-            <a:stCxn id="11" idx="6"/>
-            <a:endCxn id="12" idx="2"/>
-          </p:cNvCxnSpPr>
-          <p:nvPr/>
-        </p:nvCxnSpPr>
-        <p:spPr>
-          <a:xfrm>
-            <a:off x="7014685" y="4683452"/>
-            <a:ext cx="661213" cy="294680"/>
-          </a:xfrm>
-          <a:prstGeom prst="line">
-            <a:avLst/>
-          </a:prstGeom>
-        </p:spPr>
-        <p:style>
-          <a:lnRef idx="2">
-            <a:schemeClr val="accent1"/>
-          </a:lnRef>
-          <a:fillRef idx="0">
-            <a:schemeClr val="accent1"/>
-          </a:fillRef>
-          <a:effectRef idx="1">
-            <a:schemeClr val="accent1"/>
-          </a:effectRef>
-          <a:fontRef idx="minor">
-            <a:schemeClr val="tx1"/>
-          </a:fontRef>
-        </p:style>
-      </p:cxnSp>
-      <p:cxnSp>
-        <p:nvCxnSpPr>
-          <p:cNvPr id="19" name="Connecteur droit 18"/>
-          <p:cNvCxnSpPr>
-            <a:stCxn id="8" idx="2"/>
-            <a:endCxn id="9" idx="6"/>
-          </p:cNvCxnSpPr>
-          <p:nvPr/>
-        </p:nvCxnSpPr>
-        <p:spPr>
-          <a:xfrm flipH="1" flipV="1">
-            <a:off x="5952106" y="3174365"/>
-            <a:ext cx="782595" cy="240925"/>
-          </a:xfrm>
-          <a:prstGeom prst="line">
-            <a:avLst/>
-          </a:prstGeom>
-        </p:spPr>
-        <p:style>
-          <a:lnRef idx="2">
-            <a:schemeClr val="accent1"/>
-          </a:lnRef>
-          <a:fillRef idx="0">
-            <a:schemeClr val="accent1"/>
-          </a:fillRef>
-          <a:effectRef idx="1">
-            <a:schemeClr val="accent1"/>
-          </a:effectRef>
-          <a:fontRef idx="minor">
-            <a:schemeClr val="tx1"/>
-          </a:fontRef>
-        </p:style>
-      </p:cxnSp>
-      <p:sp>
-        <p:nvSpPr>
-          <p:cNvPr id="20" name="Ellipse 19"/>
-          <p:cNvSpPr/>
-          <p:nvPr/>
-        </p:nvSpPr>
-        <p:spPr>
-          <a:xfrm>
-            <a:off x="8367226" y="5458420"/>
-            <a:ext cx="428293" cy="407558"/>
-          </a:xfrm>
-          <a:prstGeom prst="ellipse">
-            <a:avLst/>
-          </a:prstGeom>
-        </p:spPr>
-        <p:style>
-          <a:lnRef idx="1">
-            <a:schemeClr val="dk1"/>
-          </a:lnRef>
-          <a:fillRef idx="3">
-            <a:schemeClr val="dk1"/>
-          </a:fillRef>
-          <a:effectRef idx="2">
-            <a:schemeClr val="dk1"/>
-          </a:effectRef>
-          <a:fontRef idx="minor">
-            <a:schemeClr val="lt1"/>
-          </a:fontRef>
-        </p:style>
-        <p:txBody>
-          <a:bodyPr rtlCol="0" anchor="ctr">
-            <a:normAutofit fontScale="85000" lnSpcReduction="20000"/>
-          </a:bodyPr>
-          <a:lstStyle/>
-          <a:p>
-            <a:pPr algn="ctr"/>
-            <a:r>
-              <a:rPr lang="fr-FR"/>
-              <a:t>G</a:t>
-            </a:r>
-          </a:p>
-        </p:txBody>
-      </p:sp>
-      <p:cxnSp>
-        <p:nvCxnSpPr>
-          <p:cNvPr id="21" name="Connecteur droit 20"/>
-          <p:cNvCxnSpPr>
-            <a:stCxn id="12" idx="5"/>
-            <a:endCxn id="20" idx="1"/>
-          </p:cNvCxnSpPr>
-          <p:nvPr/>
-        </p:nvCxnSpPr>
-        <p:spPr>
-          <a:xfrm>
-            <a:off x="8041469" y="5122226"/>
-            <a:ext cx="388479" cy="395879"/>
-          </a:xfrm>
-          <a:prstGeom prst="line">
-            <a:avLst/>
-          </a:prstGeom>
-        </p:spPr>
-        <p:style>
-          <a:lnRef idx="2">
-            <a:schemeClr val="accent1"/>
-          </a:lnRef>
-          <a:fillRef idx="0">
-            <a:schemeClr val="accent1"/>
-          </a:fillRef>
-          <a:effectRef idx="1">
-            <a:schemeClr val="accent1"/>
-          </a:effectRef>
-          <a:fontRef idx="minor">
-            <a:schemeClr val="tx1"/>
-          </a:fontRef>
-        </p:style>
-      </p:cxnSp>
-      <p:sp>
-        <p:nvSpPr>
           <p:cNvPr id="22" name="Ellipse 21"/>
           <p:cNvSpPr/>
           <p:nvPr/>
         </p:nvSpPr>
         <p:spPr>
           <a:xfrm>
-            <a:off x="5004048" y="2492896"/>
+            <a:off x="5286272" y="1937128"/>
             <a:ext cx="2880321" cy="2880321"/>
           </a:xfrm>
           <a:prstGeom prst="ellipse">
@@ -9131,6 +8396,12 @@
             <a:tileRect/>
           </a:gradFill>
           <a:ln>
+            <a:solidFill>
+              <a:schemeClr val="tx2">
+                <a:lumMod val="90000"/>
+                <a:lumOff val="10000"/>
+              </a:schemeClr>
+            </a:solidFill>
             <a:prstDash val="dash"/>
           </a:ln>
         </p:spPr>
@@ -9154,6 +8425,946 @@
           <a:p>
             <a:pPr algn="ctr"/>
             <a:endParaRPr lang="fr-FR"/>
+          </a:p>
+        </p:txBody>
+      </p:sp>
+      <p:sp>
+        <p:nvSpPr>
+          <p:cNvPr id="2" name="Titre 1"/>
+          <p:cNvSpPr>
+            <a:spLocks noGrp="1"/>
+          </p:cNvSpPr>
+          <p:nvPr>
+            <p:ph type="title"/>
+          </p:nvPr>
+        </p:nvSpPr>
+        <p:spPr/>
+        <p:txBody>
+          <a:bodyPr/>
+          <a:lstStyle/>
+          <a:p>
+            <a:r>
+              <a:rPr lang="fr-FR"/>
+              <a:t>Modélisation d’un réseau</a:t>
+            </a:r>
+          </a:p>
+        </p:txBody>
+      </p:sp>
+      <p:sp>
+        <p:nvSpPr>
+          <p:cNvPr id="3" name="Espace réservé du contenu 2"/>
+          <p:cNvSpPr>
+            <a:spLocks noGrp="1"/>
+          </p:cNvSpPr>
+          <p:nvPr>
+            <p:ph idx="1"/>
+          </p:nvPr>
+        </p:nvSpPr>
+        <p:spPr>
+          <a:xfrm>
+            <a:off x="1435608" y="1447800"/>
+            <a:ext cx="7708392" cy="4857750"/>
+          </a:xfrm>
+        </p:spPr>
+        <p:txBody>
+          <a:bodyPr>
+            <a:normAutofit/>
+          </a:bodyPr>
+          <a:lstStyle/>
+          <a:p>
+            <a:pPr>
+              <a:lnSpc>
+                <a:spcPct val="120000"/>
+              </a:lnSpc>
+            </a:pPr>
+            <a:r>
+              <a:rPr lang="fr-FR"/>
+              <a:t>Connexité initiale du réseau</a:t>
+            </a:r>
+          </a:p>
+          <a:p>
+            <a:pPr>
+              <a:lnSpc>
+                <a:spcPct val="120000"/>
+              </a:lnSpc>
+            </a:pPr>
+            <a:r>
+              <a:rPr lang="fr-FR"/>
+              <a:t>Pas d’ajout de capteur</a:t>
+            </a:r>
+            <a:endParaRPr lang="fr-FR"/>
+          </a:p>
+          <a:p>
+            <a:pPr>
+              <a:lnSpc>
+                <a:spcPct val="120000"/>
+              </a:lnSpc>
+            </a:pPr>
+            <a:r>
+              <a:rPr lang="fr-FR"/>
+              <a:t>Graphe G = (V, E, </a:t>
+            </a:r>
+            <a:r>
+              <a:rPr lang="el-GR"/>
+              <a:t>γ</a:t>
+            </a:r>
+            <a:r>
+              <a:rPr lang="fr-FR"/>
+              <a:t>)</a:t>
+            </a:r>
+          </a:p>
+          <a:p>
+            <a:pPr lvl="1">
+              <a:lnSpc>
+                <a:spcPct val="120000"/>
+              </a:lnSpc>
+            </a:pPr>
+            <a:r>
+              <a:rPr lang="fr-FR"/>
+              <a:t>V : l’ensemble des capteurs (nœuds)</a:t>
+            </a:r>
+          </a:p>
+          <a:p>
+            <a:pPr lvl="1">
+              <a:lnSpc>
+                <a:spcPct val="120000"/>
+              </a:lnSpc>
+            </a:pPr>
+            <a:r>
+              <a:rPr lang="el-GR"/>
+              <a:t>γ</a:t>
+            </a:r>
+            <a:r>
+              <a:rPr lang="fr-FR"/>
+              <a:t> rayon d’émission maximum</a:t>
+            </a:r>
+          </a:p>
+          <a:p>
+            <a:pPr lvl="1">
+              <a:lnSpc>
+                <a:spcPct val="120000"/>
+              </a:lnSpc>
+            </a:pPr>
+            <a:r>
+              <a:rPr lang="fr-FR"/>
+              <a:t>E </a:t>
+            </a:r>
+            <a:r>
+              <a:rPr lang="el-GR"/>
+              <a:t>=</a:t>
+            </a:r>
+            <a:r>
+              <a:rPr lang="fr-FR"/>
+              <a:t> </a:t>
+            </a:r>
+            <a:r>
+              <a:rPr lang="el-GR"/>
+              <a:t>{(u,v)∈V</a:t>
+            </a:r>
+            <a:r>
+              <a:rPr lang="el-GR" baseline="30000"/>
+              <a:t>2</a:t>
+            </a:r>
+            <a:r>
+              <a:rPr lang="el-GR"/>
+              <a:t> |d(u,v)≤γ} </a:t>
+            </a:r>
+            <a:endParaRPr lang="fr-FR"/>
+          </a:p>
+          <a:p>
+            <a:pPr>
+              <a:lnSpc>
+                <a:spcPct val="120000"/>
+              </a:lnSpc>
+            </a:pPr>
+            <a:endParaRPr lang="fr-FR"/>
+          </a:p>
+          <a:p>
+            <a:pPr marL="82296" indent="0">
+              <a:lnSpc>
+                <a:spcPct val="120000"/>
+              </a:lnSpc>
+              <a:buNone/>
+            </a:pPr>
+            <a:r>
+              <a:rPr lang="fr-FR" sz="2400"/>
+              <a:t>N</a:t>
+            </a:r>
+            <a:r>
+              <a:rPr lang="fr-FR" sz="2400" baseline="-25000"/>
+              <a:t>k</a:t>
+            </a:r>
+            <a:r>
+              <a:rPr lang="fr-FR" sz="2400"/>
+              <a:t>(u</a:t>
+            </a:r>
+            <a:r>
+              <a:rPr lang="fr-FR" sz="2400" baseline="-25000"/>
+              <a:t>0</a:t>
+            </a:r>
+            <a:r>
+              <a:rPr lang="fr-FR" sz="2400"/>
+              <a:t>) = {u</a:t>
+            </a:r>
+            <a:r>
+              <a:rPr lang="fr-FR" sz="2400" baseline="-25000"/>
+              <a:t>i</a:t>
+            </a:r>
+            <a:r>
+              <a:rPr lang="fr-FR" sz="2400"/>
+              <a:t>∈V |</a:t>
+            </a:r>
+            <a:r>
+              <a:rPr lang="fr-FR" sz="2400"/>
+              <a:t>∃c=</a:t>
+            </a:r>
+            <a:r>
+              <a:rPr lang="fr-FR" sz="2400"/>
+              <a:t>(u</a:t>
+            </a:r>
+            <a:r>
+              <a:rPr lang="fr-FR" sz="2400" baseline="-25000"/>
+              <a:t>0</a:t>
+            </a:r>
+            <a:r>
+              <a:rPr lang="fr-FR" sz="2400"/>
+              <a:t>,…,u</a:t>
+            </a:r>
+            <a:r>
+              <a:rPr lang="fr-FR" sz="2400" baseline="-25000"/>
+              <a:t>k</a:t>
+            </a:r>
+            <a:r>
+              <a:rPr lang="fr-FR" sz="2400"/>
+              <a:t>), (u</a:t>
+            </a:r>
+            <a:r>
+              <a:rPr lang="fr-FR" sz="2400" baseline="-25000"/>
+              <a:t>i-1</a:t>
+            </a:r>
+            <a:r>
+              <a:rPr lang="fr-FR" sz="2400"/>
+              <a:t>,u</a:t>
+            </a:r>
+            <a:r>
+              <a:rPr lang="fr-FR" sz="2400" baseline="-25000"/>
+              <a:t>i</a:t>
+            </a:r>
+            <a:r>
+              <a:rPr lang="fr-FR" sz="2400"/>
+              <a:t>) ∈E,∀</a:t>
+            </a:r>
+            <a:r>
+              <a:rPr lang="fr-FR" sz="2400"/>
+              <a:t>i</a:t>
+            </a:r>
+            <a:r>
+              <a:rPr lang="fr-FR" sz="2400"/>
+              <a:t>∈</a:t>
+            </a:r>
+            <a:r>
+              <a:rPr lang="fr-FR" sz="2400"/>
+              <a:t>{1,…,k}}</a:t>
+            </a:r>
+          </a:p>
+        </p:txBody>
+      </p:sp>
+      <p:sp>
+        <p:nvSpPr>
+          <p:cNvPr id="4" name="Espace réservé du numéro de diapositive 3"/>
+          <p:cNvSpPr>
+            <a:spLocks noGrp="1"/>
+          </p:cNvSpPr>
+          <p:nvPr>
+            <p:ph type="sldNum" sz="quarter" idx="12"/>
+          </p:nvPr>
+        </p:nvSpPr>
+        <p:spPr/>
+        <p:txBody>
+          <a:bodyPr/>
+          <a:lstStyle/>
+          <a:p>
+            <a:fld id="{632DADDA-56E0-0F4D-8444-EEC8234C8BEB}" type="slidenum">
+              <a:rPr lang="fr-FR"/>
+              <a:t>11</a:t>
+            </a:fld>
+            <a:endParaRPr lang="fr-FR"/>
+          </a:p>
+        </p:txBody>
+      </p:sp>
+      <p:sp>
+        <p:nvSpPr>
+          <p:cNvPr id="5" name="Espace réservé du texte 4"/>
+          <p:cNvSpPr>
+            <a:spLocks noGrp="1"/>
+          </p:cNvSpPr>
+          <p:nvPr>
+            <p:ph type="body" sz="quarter" idx="13"/>
+          </p:nvPr>
+        </p:nvSpPr>
+        <p:spPr/>
+        <p:txBody>
+          <a:bodyPr>
+            <a:normAutofit fontScale="62500" lnSpcReduction="20000"/>
+          </a:bodyPr>
+          <a:lstStyle/>
+          <a:p>
+            <a:r>
+              <a:rPr lang="fr-FR"/>
+              <a:t>état de l’art</a:t>
+            </a:r>
+          </a:p>
+        </p:txBody>
+      </p:sp>
+      <p:sp>
+        <p:nvSpPr>
+          <p:cNvPr id="7" name="Ellipse 6"/>
+          <p:cNvSpPr/>
+          <p:nvPr/>
+        </p:nvSpPr>
+        <p:spPr>
+          <a:xfrm>
+            <a:off x="6553422" y="3158296"/>
+            <a:ext cx="428293" cy="407558"/>
+          </a:xfrm>
+          <a:prstGeom prst="ellipse">
+            <a:avLst/>
+          </a:prstGeom>
+        </p:spPr>
+        <p:style>
+          <a:lnRef idx="1">
+            <a:schemeClr val="accent1"/>
+          </a:lnRef>
+          <a:fillRef idx="2">
+            <a:schemeClr val="accent1"/>
+          </a:fillRef>
+          <a:effectRef idx="1">
+            <a:schemeClr val="accent1"/>
+          </a:effectRef>
+          <a:fontRef idx="minor">
+            <a:schemeClr val="dk1"/>
+          </a:fontRef>
+        </p:style>
+        <p:txBody>
+          <a:bodyPr rtlCol="0" anchor="ctr">
+            <a:normAutofit fontScale="85000" lnSpcReduction="20000"/>
+          </a:bodyPr>
+          <a:lstStyle/>
+          <a:p>
+            <a:pPr algn="ctr"/>
+            <a:r>
+              <a:rPr lang="fr-FR"/>
+              <a:t>A</a:t>
+            </a:r>
+          </a:p>
+        </p:txBody>
+      </p:sp>
+      <p:sp>
+        <p:nvSpPr>
+          <p:cNvPr id="8" name="Ellipse 7"/>
+          <p:cNvSpPr/>
+          <p:nvPr/>
+        </p:nvSpPr>
+        <p:spPr>
+          <a:xfrm>
+            <a:off x="7016925" y="2655743"/>
+            <a:ext cx="428293" cy="407558"/>
+          </a:xfrm>
+          <a:prstGeom prst="ellipse">
+            <a:avLst/>
+          </a:prstGeom>
+        </p:spPr>
+        <p:style>
+          <a:lnRef idx="1">
+            <a:schemeClr val="accent1"/>
+          </a:lnRef>
+          <a:fillRef idx="2">
+            <a:schemeClr val="accent1"/>
+          </a:fillRef>
+          <a:effectRef idx="1">
+            <a:schemeClr val="accent1"/>
+          </a:effectRef>
+          <a:fontRef idx="minor">
+            <a:schemeClr val="dk1"/>
+          </a:fontRef>
+        </p:style>
+        <p:txBody>
+          <a:bodyPr rtlCol="0" anchor="ctr">
+            <a:normAutofit fontScale="85000" lnSpcReduction="20000"/>
+          </a:bodyPr>
+          <a:lstStyle/>
+          <a:p>
+            <a:pPr algn="ctr"/>
+            <a:r>
+              <a:rPr lang="fr-FR"/>
+              <a:t>B</a:t>
+            </a:r>
+          </a:p>
+        </p:txBody>
+      </p:sp>
+      <p:sp>
+        <p:nvSpPr>
+          <p:cNvPr id="9" name="Ellipse 8"/>
+          <p:cNvSpPr/>
+          <p:nvPr/>
+        </p:nvSpPr>
+        <p:spPr>
+          <a:xfrm>
+            <a:off x="5806037" y="2414818"/>
+            <a:ext cx="428293" cy="407558"/>
+          </a:xfrm>
+          <a:prstGeom prst="ellipse">
+            <a:avLst/>
+          </a:prstGeom>
+        </p:spPr>
+        <p:style>
+          <a:lnRef idx="1">
+            <a:schemeClr val="accent1"/>
+          </a:lnRef>
+          <a:fillRef idx="2">
+            <a:schemeClr val="accent1"/>
+          </a:fillRef>
+          <a:effectRef idx="1">
+            <a:schemeClr val="accent1"/>
+          </a:effectRef>
+          <a:fontRef idx="minor">
+            <a:schemeClr val="dk1"/>
+          </a:fontRef>
+        </p:style>
+        <p:txBody>
+          <a:bodyPr rtlCol="0" anchor="ctr">
+            <a:normAutofit fontScale="85000" lnSpcReduction="20000"/>
+          </a:bodyPr>
+          <a:lstStyle/>
+          <a:p>
+            <a:pPr algn="ctr"/>
+            <a:r>
+              <a:rPr lang="fr-FR"/>
+              <a:t>C</a:t>
+            </a:r>
+          </a:p>
+        </p:txBody>
+      </p:sp>
+      <p:sp>
+        <p:nvSpPr>
+          <p:cNvPr id="10" name="Ellipse 9"/>
+          <p:cNvSpPr/>
+          <p:nvPr/>
+        </p:nvSpPr>
+        <p:spPr>
+          <a:xfrm>
+            <a:off x="6128057" y="4495094"/>
+            <a:ext cx="428293" cy="407558"/>
+          </a:xfrm>
+          <a:prstGeom prst="ellipse">
+            <a:avLst/>
+          </a:prstGeom>
+        </p:spPr>
+        <p:style>
+          <a:lnRef idx="1">
+            <a:schemeClr val="accent1"/>
+          </a:lnRef>
+          <a:fillRef idx="2">
+            <a:schemeClr val="accent1"/>
+          </a:fillRef>
+          <a:effectRef idx="1">
+            <a:schemeClr val="accent1"/>
+          </a:effectRef>
+          <a:fontRef idx="minor">
+            <a:schemeClr val="dk1"/>
+          </a:fontRef>
+        </p:style>
+        <p:txBody>
+          <a:bodyPr rtlCol="0" anchor="ctr">
+            <a:normAutofit fontScale="85000" lnSpcReduction="20000"/>
+          </a:bodyPr>
+          <a:lstStyle/>
+          <a:p>
+            <a:pPr algn="ctr"/>
+            <a:r>
+              <a:rPr lang="fr-FR"/>
+              <a:t>D</a:t>
+            </a:r>
+          </a:p>
+        </p:txBody>
+      </p:sp>
+      <p:sp>
+        <p:nvSpPr>
+          <p:cNvPr id="11" name="Ellipse 10"/>
+          <p:cNvSpPr/>
+          <p:nvPr/>
+        </p:nvSpPr>
+        <p:spPr>
+          <a:xfrm>
+            <a:off x="6868616" y="3923905"/>
+            <a:ext cx="428293" cy="407558"/>
+          </a:xfrm>
+          <a:prstGeom prst="ellipse">
+            <a:avLst/>
+          </a:prstGeom>
+        </p:spPr>
+        <p:style>
+          <a:lnRef idx="1">
+            <a:schemeClr val="accent1"/>
+          </a:lnRef>
+          <a:fillRef idx="2">
+            <a:schemeClr val="accent1"/>
+          </a:fillRef>
+          <a:effectRef idx="1">
+            <a:schemeClr val="accent1"/>
+          </a:effectRef>
+          <a:fontRef idx="minor">
+            <a:schemeClr val="dk1"/>
+          </a:fontRef>
+        </p:style>
+        <p:txBody>
+          <a:bodyPr rtlCol="0" anchor="ctr">
+            <a:normAutofit fontScale="85000" lnSpcReduction="20000"/>
+          </a:bodyPr>
+          <a:lstStyle/>
+          <a:p>
+            <a:pPr algn="ctr"/>
+            <a:r>
+              <a:rPr lang="fr-FR"/>
+              <a:t>E</a:t>
+            </a:r>
+          </a:p>
+        </p:txBody>
+      </p:sp>
+      <p:sp>
+        <p:nvSpPr>
+          <p:cNvPr id="12" name="Ellipse 11"/>
+          <p:cNvSpPr/>
+          <p:nvPr/>
+        </p:nvSpPr>
+        <p:spPr>
+          <a:xfrm>
+            <a:off x="7958122" y="4218585"/>
+            <a:ext cx="428293" cy="407558"/>
+          </a:xfrm>
+          <a:prstGeom prst="ellipse">
+            <a:avLst/>
+          </a:prstGeom>
+        </p:spPr>
+        <p:style>
+          <a:lnRef idx="1">
+            <a:schemeClr val="accent1"/>
+          </a:lnRef>
+          <a:fillRef idx="2">
+            <a:schemeClr val="accent1"/>
+          </a:fillRef>
+          <a:effectRef idx="1">
+            <a:schemeClr val="accent1"/>
+          </a:effectRef>
+          <a:fontRef idx="minor">
+            <a:schemeClr val="dk1"/>
+          </a:fontRef>
+        </p:style>
+        <p:txBody>
+          <a:bodyPr rtlCol="0" anchor="ctr">
+            <a:normAutofit fontScale="85000" lnSpcReduction="20000"/>
+          </a:bodyPr>
+          <a:lstStyle/>
+          <a:p>
+            <a:pPr algn="ctr"/>
+            <a:r>
+              <a:rPr lang="fr-FR"/>
+              <a:t>F</a:t>
+            </a:r>
+          </a:p>
+        </p:txBody>
+      </p:sp>
+      <p:cxnSp>
+        <p:nvCxnSpPr>
+          <p:cNvPr id="13" name="Connecteur droit 12"/>
+          <p:cNvCxnSpPr>
+            <a:stCxn id="9" idx="5"/>
+            <a:endCxn id="7" idx="1"/>
+          </p:cNvCxnSpPr>
+          <p:nvPr/>
+        </p:nvCxnSpPr>
+        <p:spPr>
+          <a:xfrm>
+            <a:off x="6171608" y="2762691"/>
+            <a:ext cx="444536" cy="455290"/>
+          </a:xfrm>
+          <a:prstGeom prst="line">
+            <a:avLst/>
+          </a:prstGeom>
+          <a:ln/>
+        </p:spPr>
+        <p:style>
+          <a:lnRef idx="2">
+            <a:schemeClr val="accent1"/>
+          </a:lnRef>
+          <a:fillRef idx="0">
+            <a:schemeClr val="accent1"/>
+          </a:fillRef>
+          <a:effectRef idx="1">
+            <a:schemeClr val="accent1"/>
+          </a:effectRef>
+          <a:fontRef idx="minor">
+            <a:schemeClr val="tx1"/>
+          </a:fontRef>
+        </p:style>
+      </p:cxnSp>
+      <p:cxnSp>
+        <p:nvCxnSpPr>
+          <p:cNvPr id="14" name="Connecteur droit 13"/>
+          <p:cNvCxnSpPr>
+            <a:stCxn id="7" idx="7"/>
+            <a:endCxn id="8" idx="3"/>
+          </p:cNvCxnSpPr>
+          <p:nvPr/>
+        </p:nvCxnSpPr>
+        <p:spPr>
+          <a:xfrm flipV="1">
+            <a:off x="6918993" y="3003616"/>
+            <a:ext cx="160654" cy="214365"/>
+          </a:xfrm>
+          <a:prstGeom prst="line">
+            <a:avLst/>
+          </a:prstGeom>
+        </p:spPr>
+        <p:style>
+          <a:lnRef idx="2">
+            <a:schemeClr val="accent1"/>
+          </a:lnRef>
+          <a:fillRef idx="0">
+            <a:schemeClr val="accent1"/>
+          </a:fillRef>
+          <a:effectRef idx="1">
+            <a:schemeClr val="accent1"/>
+          </a:effectRef>
+          <a:fontRef idx="minor">
+            <a:schemeClr val="tx1"/>
+          </a:fontRef>
+        </p:style>
+      </p:cxnSp>
+      <p:cxnSp>
+        <p:nvCxnSpPr>
+          <p:cNvPr id="15" name="Connecteur droit 14"/>
+          <p:cNvCxnSpPr>
+            <a:stCxn id="7" idx="5"/>
+            <a:endCxn id="11" idx="0"/>
+          </p:cNvCxnSpPr>
+          <p:nvPr/>
+        </p:nvCxnSpPr>
+        <p:spPr>
+          <a:xfrm>
+            <a:off x="6918993" y="3506169"/>
+            <a:ext cx="163770" cy="417736"/>
+          </a:xfrm>
+          <a:prstGeom prst="line">
+            <a:avLst/>
+          </a:prstGeom>
+        </p:spPr>
+        <p:style>
+          <a:lnRef idx="2">
+            <a:schemeClr val="accent1"/>
+          </a:lnRef>
+          <a:fillRef idx="0">
+            <a:schemeClr val="accent1"/>
+          </a:fillRef>
+          <a:effectRef idx="1">
+            <a:schemeClr val="accent1"/>
+          </a:effectRef>
+          <a:fontRef idx="minor">
+            <a:schemeClr val="tx1"/>
+          </a:fontRef>
+        </p:style>
+      </p:cxnSp>
+      <p:cxnSp>
+        <p:nvCxnSpPr>
+          <p:cNvPr id="16" name="Connecteur droit 15"/>
+          <p:cNvCxnSpPr>
+            <a:stCxn id="7" idx="3"/>
+            <a:endCxn id="10" idx="0"/>
+          </p:cNvCxnSpPr>
+          <p:nvPr/>
+        </p:nvCxnSpPr>
+        <p:spPr>
+          <a:xfrm flipH="1">
+            <a:off x="6342204" y="3506169"/>
+            <a:ext cx="273940" cy="988925"/>
+          </a:xfrm>
+          <a:prstGeom prst="line">
+            <a:avLst/>
+          </a:prstGeom>
+        </p:spPr>
+        <p:style>
+          <a:lnRef idx="2">
+            <a:schemeClr val="accent1"/>
+          </a:lnRef>
+          <a:fillRef idx="0">
+            <a:schemeClr val="accent1"/>
+          </a:fillRef>
+          <a:effectRef idx="1">
+            <a:schemeClr val="accent1"/>
+          </a:effectRef>
+          <a:fontRef idx="minor">
+            <a:schemeClr val="tx1"/>
+          </a:fontRef>
+        </p:style>
+      </p:cxnSp>
+      <p:cxnSp>
+        <p:nvCxnSpPr>
+          <p:cNvPr id="17" name="Connecteur droit 16"/>
+          <p:cNvCxnSpPr>
+            <a:stCxn id="10" idx="7"/>
+            <a:endCxn id="11" idx="3"/>
+          </p:cNvCxnSpPr>
+          <p:nvPr/>
+        </p:nvCxnSpPr>
+        <p:spPr>
+          <a:xfrm flipV="1">
+            <a:off x="6493628" y="4271778"/>
+            <a:ext cx="437710" cy="283001"/>
+          </a:xfrm>
+          <a:prstGeom prst="line">
+            <a:avLst/>
+          </a:prstGeom>
+        </p:spPr>
+        <p:style>
+          <a:lnRef idx="2">
+            <a:schemeClr val="accent1"/>
+          </a:lnRef>
+          <a:fillRef idx="0">
+            <a:schemeClr val="accent1"/>
+          </a:fillRef>
+          <a:effectRef idx="1">
+            <a:schemeClr val="accent1"/>
+          </a:effectRef>
+          <a:fontRef idx="minor">
+            <a:schemeClr val="tx1"/>
+          </a:fontRef>
+        </p:style>
+      </p:cxnSp>
+      <p:cxnSp>
+        <p:nvCxnSpPr>
+          <p:cNvPr id="18" name="Connecteur droit 17"/>
+          <p:cNvCxnSpPr>
+            <a:stCxn id="11" idx="6"/>
+            <a:endCxn id="12" idx="2"/>
+          </p:cNvCxnSpPr>
+          <p:nvPr/>
+        </p:nvCxnSpPr>
+        <p:spPr>
+          <a:xfrm>
+            <a:off x="7296909" y="4127684"/>
+            <a:ext cx="661213" cy="294680"/>
+          </a:xfrm>
+          <a:prstGeom prst="line">
+            <a:avLst/>
+          </a:prstGeom>
+        </p:spPr>
+        <p:style>
+          <a:lnRef idx="2">
+            <a:schemeClr val="accent1"/>
+          </a:lnRef>
+          <a:fillRef idx="0">
+            <a:schemeClr val="accent1"/>
+          </a:fillRef>
+          <a:effectRef idx="1">
+            <a:schemeClr val="accent1"/>
+          </a:effectRef>
+          <a:fontRef idx="minor">
+            <a:schemeClr val="tx1"/>
+          </a:fontRef>
+        </p:style>
+      </p:cxnSp>
+      <p:cxnSp>
+        <p:nvCxnSpPr>
+          <p:cNvPr id="19" name="Connecteur droit 18"/>
+          <p:cNvCxnSpPr>
+            <a:stCxn id="8" idx="2"/>
+            <a:endCxn id="9" idx="6"/>
+          </p:cNvCxnSpPr>
+          <p:nvPr/>
+        </p:nvCxnSpPr>
+        <p:spPr>
+          <a:xfrm flipH="1" flipV="1">
+            <a:off x="6234330" y="2618597"/>
+            <a:ext cx="782595" cy="240925"/>
+          </a:xfrm>
+          <a:prstGeom prst="line">
+            <a:avLst/>
+          </a:prstGeom>
+        </p:spPr>
+        <p:style>
+          <a:lnRef idx="2">
+            <a:schemeClr val="accent1"/>
+          </a:lnRef>
+          <a:fillRef idx="0">
+            <a:schemeClr val="accent1"/>
+          </a:fillRef>
+          <a:effectRef idx="1">
+            <a:schemeClr val="accent1"/>
+          </a:effectRef>
+          <a:fontRef idx="minor">
+            <a:schemeClr val="tx1"/>
+          </a:fontRef>
+        </p:style>
+      </p:cxnSp>
+      <p:sp>
+        <p:nvSpPr>
+          <p:cNvPr id="20" name="Ellipse 19"/>
+          <p:cNvSpPr/>
+          <p:nvPr/>
+        </p:nvSpPr>
+        <p:spPr>
+          <a:xfrm>
+            <a:off x="8649450" y="4902652"/>
+            <a:ext cx="428293" cy="407558"/>
+          </a:xfrm>
+          <a:prstGeom prst="ellipse">
+            <a:avLst/>
+          </a:prstGeom>
+        </p:spPr>
+        <p:style>
+          <a:lnRef idx="1">
+            <a:schemeClr val="accent1"/>
+          </a:lnRef>
+          <a:fillRef idx="2">
+            <a:schemeClr val="accent1"/>
+          </a:fillRef>
+          <a:effectRef idx="1">
+            <a:schemeClr val="accent1"/>
+          </a:effectRef>
+          <a:fontRef idx="minor">
+            <a:schemeClr val="dk1"/>
+          </a:fontRef>
+        </p:style>
+        <p:txBody>
+          <a:bodyPr rtlCol="0" anchor="ctr">
+            <a:normAutofit fontScale="85000" lnSpcReduction="20000"/>
+          </a:bodyPr>
+          <a:lstStyle/>
+          <a:p>
+            <a:pPr algn="ctr"/>
+            <a:r>
+              <a:rPr lang="fr-FR"/>
+              <a:t>G</a:t>
+            </a:r>
+          </a:p>
+        </p:txBody>
+      </p:sp>
+      <p:cxnSp>
+        <p:nvCxnSpPr>
+          <p:cNvPr id="21" name="Connecteur droit 20"/>
+          <p:cNvCxnSpPr>
+            <a:stCxn id="12" idx="5"/>
+            <a:endCxn id="20" idx="1"/>
+          </p:cNvCxnSpPr>
+          <p:nvPr/>
+        </p:nvCxnSpPr>
+        <p:spPr>
+          <a:xfrm>
+            <a:off x="8323693" y="4566458"/>
+            <a:ext cx="388479" cy="395879"/>
+          </a:xfrm>
+          <a:prstGeom prst="line">
+            <a:avLst/>
+          </a:prstGeom>
+        </p:spPr>
+        <p:style>
+          <a:lnRef idx="2">
+            <a:schemeClr val="accent1"/>
+          </a:lnRef>
+          <a:fillRef idx="0">
+            <a:schemeClr val="accent1"/>
+          </a:fillRef>
+          <a:effectRef idx="1">
+            <a:schemeClr val="accent1"/>
+          </a:effectRef>
+          <a:fontRef idx="minor">
+            <a:schemeClr val="tx1"/>
+          </a:fontRef>
+        </p:style>
+      </p:cxnSp>
+      <p:cxnSp>
+        <p:nvCxnSpPr>
+          <p:cNvPr id="23" name="Connecteur droit avec flèche 22"/>
+          <p:cNvCxnSpPr>
+            <a:stCxn id="22" idx="6"/>
+            <a:endCxn id="7" idx="6"/>
+          </p:cNvCxnSpPr>
+          <p:nvPr/>
+        </p:nvCxnSpPr>
+        <p:spPr>
+          <a:xfrm flipH="1" flipV="1">
+            <a:off x="6981715" y="3362075"/>
+            <a:ext cx="1184878" cy="15214"/>
+          </a:xfrm>
+          <a:prstGeom prst="straightConnector1">
+            <a:avLst/>
+          </a:prstGeom>
+          <a:ln>
+            <a:solidFill>
+              <a:schemeClr val="tx2">
+                <a:lumMod val="90000"/>
+                <a:lumOff val="10000"/>
+              </a:schemeClr>
+            </a:solidFill>
+            <a:headEnd type="arrow"/>
+            <a:tailEnd type="arrow"/>
+          </a:ln>
+        </p:spPr>
+        <p:style>
+          <a:lnRef idx="2">
+            <a:schemeClr val="accent3"/>
+          </a:lnRef>
+          <a:fillRef idx="0">
+            <a:schemeClr val="accent3"/>
+          </a:fillRef>
+          <a:effectRef idx="1">
+            <a:schemeClr val="accent3"/>
+          </a:effectRef>
+          <a:fontRef idx="minor">
+            <a:schemeClr val="tx1"/>
+          </a:fontRef>
+        </p:style>
+      </p:cxnSp>
+      <p:sp>
+        <p:nvSpPr>
+          <p:cNvPr id="26" name="Rectangle 25"/>
+          <p:cNvSpPr/>
+          <p:nvPr/>
+        </p:nvSpPr>
+        <p:spPr>
+          <a:xfrm>
+            <a:off x="7472972" y="3336892"/>
+            <a:ext cx="287258" cy="338554"/>
+          </a:xfrm>
+          <a:prstGeom prst="rect">
+            <a:avLst/>
+          </a:prstGeom>
+        </p:spPr>
+        <p:txBody>
+          <a:bodyPr wrap="none">
+            <a:spAutoFit/>
+          </a:bodyPr>
+          <a:lstStyle/>
+          <a:p>
+            <a:r>
+              <a:rPr lang="el-GR" sz="1600">
+                <a:solidFill>
+                  <a:schemeClr val="tx2">
+                    <a:lumMod val="90000"/>
+                    <a:lumOff val="10000"/>
+                  </a:schemeClr>
+                </a:solidFill>
+              </a:rPr>
+              <a:t>γ</a:t>
+            </a:r>
+            <a:endParaRPr lang="fr-FR" sz="1600">
+              <a:solidFill>
+                <a:schemeClr val="tx2">
+                  <a:lumMod val="90000"/>
+                  <a:lumOff val="10000"/>
+                </a:schemeClr>
+              </a:solidFill>
+            </a:endParaRPr>
           </a:p>
         </p:txBody>
       </p:sp>
@@ -9229,33 +9440,15 @@
                                   </p:childTnLst>
                                 </p:cTn>
                               </p:par>
-                            </p:childTnLst>
-                          </p:cTn>
-                        </p:par>
-                      </p:childTnLst>
-                    </p:cTn>
-                  </p:par>
-                  <p:par>
-                    <p:cTn id="7" fill="hold">
-                      <p:stCondLst>
-                        <p:cond delay="indefinite"/>
-                      </p:stCondLst>
-                      <p:childTnLst>
-                        <p:par>
-                          <p:cTn id="8" fill="hold">
-                            <p:stCondLst>
-                              <p:cond delay="0"/>
-                            </p:stCondLst>
-                            <p:childTnLst>
                               <p:par>
-                                <p:cTn id="9" presetID="1" presetClass="entr" presetSubtype="0" fill="hold" grpId="0" nodeType="clickEffect">
+                                <p:cTn id="7" presetID="1" presetClass="entr" presetSubtype="0" fill="hold" grpId="0" nodeType="withEffect">
                                   <p:stCondLst>
                                     <p:cond delay="0"/>
                                   </p:stCondLst>
                                   <p:childTnLst>
                                     <p:set>
                                       <p:cBhvr>
-                                        <p:cTn id="10" dur="1" fill="hold">
+                                        <p:cTn id="8" dur="1" fill="hold">
                                           <p:stCondLst>
                                             <p:cond delay="0"/>
                                           </p:stCondLst>
@@ -9279,20 +9472,24 @@
                                 </p:cTn>
                               </p:par>
                               <p:par>
-                                <p:cTn id="11" presetID="1" presetClass="entr" presetSubtype="0" fill="hold" grpId="0" nodeType="withEffect">
+                                <p:cTn id="9" presetID="1" presetClass="entr" presetSubtype="0" fill="hold" grpId="0" nodeType="withEffect">
                                   <p:stCondLst>
                                     <p:cond delay="0"/>
                                   </p:stCondLst>
                                   <p:childTnLst>
                                     <p:set>
                                       <p:cBhvr>
-                                        <p:cTn id="12" dur="1" fill="hold">
+                                        <p:cTn id="10" dur="1" fill="hold">
                                           <p:stCondLst>
                                             <p:cond delay="0"/>
                                           </p:stCondLst>
                                         </p:cTn>
                                         <p:tgtEl>
-                                          <p:spTgt spid="7"/>
+                                          <p:spTgt spid="3">
+                                            <p:txEl>
+                                              <p:pRg st="2" end="2"/>
+                                            </p:txEl>
+                                          </p:spTgt>
                                         </p:tgtEl>
                                         <p:attrNameLst>
                                           <p:attrName>style.visibility</p:attrName>
@@ -9305,8 +9502,26 @@
                                   </p:childTnLst>
                                 </p:cTn>
                               </p:par>
+                            </p:childTnLst>
+                          </p:cTn>
+                        </p:par>
+                      </p:childTnLst>
+                    </p:cTn>
+                  </p:par>
+                  <p:par>
+                    <p:cTn id="11" fill="hold">
+                      <p:stCondLst>
+                        <p:cond delay="indefinite"/>
+                      </p:stCondLst>
+                      <p:childTnLst>
+                        <p:par>
+                          <p:cTn id="12" fill="hold">
+                            <p:stCondLst>
+                              <p:cond delay="0"/>
+                            </p:stCondLst>
+                            <p:childTnLst>
                               <p:par>
-                                <p:cTn id="13" presetID="1" presetClass="entr" presetSubtype="0" fill="hold" grpId="0" nodeType="withEffect">
+                                <p:cTn id="13" presetID="1" presetClass="entr" presetSubtype="0" fill="hold" grpId="0" nodeType="clickEffect">
                                   <p:stCondLst>
                                     <p:cond delay="0"/>
                                   </p:stCondLst>
@@ -9319,7 +9534,11 @@
                                           </p:stCondLst>
                                         </p:cTn>
                                         <p:tgtEl>
-                                          <p:spTgt spid="9"/>
+                                          <p:spTgt spid="3">
+                                            <p:txEl>
+                                              <p:pRg st="3" end="3"/>
+                                            </p:txEl>
+                                          </p:spTgt>
                                         </p:tgtEl>
                                         <p:attrNameLst>
                                           <p:attrName>style.visibility</p:attrName>
@@ -9346,7 +9565,7 @@
                                           </p:stCondLst>
                                         </p:cTn>
                                         <p:tgtEl>
-                                          <p:spTgt spid="8"/>
+                                          <p:spTgt spid="7"/>
                                         </p:tgtEl>
                                         <p:attrNameLst>
                                           <p:attrName>style.visibility</p:attrName>
@@ -9373,7 +9592,7 @@
                                           </p:stCondLst>
                                         </p:cTn>
                                         <p:tgtEl>
-                                          <p:spTgt spid="10"/>
+                                          <p:spTgt spid="9"/>
                                         </p:tgtEl>
                                         <p:attrNameLst>
                                           <p:attrName>style.visibility</p:attrName>
@@ -9400,7 +9619,7 @@
                                           </p:stCondLst>
                                         </p:cTn>
                                         <p:tgtEl>
-                                          <p:spTgt spid="11"/>
+                                          <p:spTgt spid="8"/>
                                         </p:tgtEl>
                                         <p:attrNameLst>
                                           <p:attrName>style.visibility</p:attrName>
@@ -9427,7 +9646,7 @@
                                           </p:stCondLst>
                                         </p:cTn>
                                         <p:tgtEl>
-                                          <p:spTgt spid="12"/>
+                                          <p:spTgt spid="10"/>
                                         </p:tgtEl>
                                         <p:attrNameLst>
                                           <p:attrName>style.visibility</p:attrName>
@@ -9454,6 +9673,60 @@
                                           </p:stCondLst>
                                         </p:cTn>
                                         <p:tgtEl>
+                                          <p:spTgt spid="11"/>
+                                        </p:tgtEl>
+                                        <p:attrNameLst>
+                                          <p:attrName>style.visibility</p:attrName>
+                                        </p:attrNameLst>
+                                      </p:cBhvr>
+                                      <p:to>
+                                        <p:strVal val="visible"/>
+                                      </p:to>
+                                    </p:set>
+                                  </p:childTnLst>
+                                </p:cTn>
+                              </p:par>
+                              <p:par>
+                                <p:cTn id="25" presetID="1" presetClass="entr" presetSubtype="0" fill="hold" grpId="0" nodeType="withEffect">
+                                  <p:stCondLst>
+                                    <p:cond delay="0"/>
+                                  </p:stCondLst>
+                                  <p:childTnLst>
+                                    <p:set>
+                                      <p:cBhvr>
+                                        <p:cTn id="26" dur="1" fill="hold">
+                                          <p:stCondLst>
+                                            <p:cond delay="0"/>
+                                          </p:stCondLst>
+                                        </p:cTn>
+                                        <p:tgtEl>
+                                          <p:spTgt spid="12"/>
+                                        </p:tgtEl>
+                                        <p:attrNameLst>
+                                          <p:attrName>style.visibility</p:attrName>
+                                        </p:attrNameLst>
+                                      </p:cBhvr>
+                                      <p:to>
+                                        <p:strVal val="visible"/>
+                                      </p:to>
+                                    </p:set>
+                                  </p:childTnLst>
+                                </p:cTn>
+                              </p:par>
+                              <p:par>
+                                <p:cTn id="27" presetID="1" presetClass="entr" presetSubtype="0" fill="hold" grpId="0" nodeType="withEffect">
+                                  <p:stCondLst>
+                                    <p:cond delay="0"/>
+                                  </p:stCondLst>
+                                  <p:childTnLst>
+                                    <p:set>
+                                      <p:cBhvr>
+                                        <p:cTn id="28" dur="1" fill="hold">
+                                          <p:stCondLst>
+                                            <p:cond delay="0"/>
+                                          </p:stCondLst>
+                                        </p:cTn>
+                                        <p:tgtEl>
                                           <p:spTgt spid="20"/>
                                         </p:tgtEl>
                                         <p:attrNameLst>
@@ -9474,26 +9747,26 @@
                     </p:cTn>
                   </p:par>
                   <p:par>
-                    <p:cTn id="25" fill="hold">
+                    <p:cTn id="29" fill="hold">
                       <p:stCondLst>
                         <p:cond delay="indefinite"/>
                       </p:stCondLst>
                       <p:childTnLst>
                         <p:par>
-                          <p:cTn id="26" fill="hold">
+                          <p:cTn id="30" fill="hold">
                             <p:stCondLst>
                               <p:cond delay="0"/>
                             </p:stCondLst>
                             <p:childTnLst>
                               <p:par>
-                                <p:cTn id="27" presetID="1" presetClass="entr" presetSubtype="0" fill="hold" grpId="0" nodeType="clickEffect">
+                                <p:cTn id="31" presetID="1" presetClass="entr" presetSubtype="0" fill="hold" grpId="0" nodeType="clickEffect">
                                   <p:stCondLst>
                                     <p:cond delay="0"/>
                                   </p:stCondLst>
                                   <p:childTnLst>
                                     <p:set>
                                       <p:cBhvr>
-                                        <p:cTn id="28" dur="1" fill="hold">
+                                        <p:cTn id="32" dur="1" fill="hold">
                                           <p:stCondLst>
                                             <p:cond delay="0"/>
                                           </p:stCondLst>
@@ -9501,7 +9774,7 @@
                                         <p:tgtEl>
                                           <p:spTgt spid="3">
                                             <p:txEl>
-                                              <p:pRg st="2" end="2"/>
+                                              <p:pRg st="4" end="4"/>
                                             </p:txEl>
                                           </p:spTgt>
                                         </p:tgtEl>
@@ -9517,20 +9790,74 @@
                                 </p:cTn>
                               </p:par>
                               <p:par>
-                                <p:cTn id="29" presetID="1" presetClass="entr" presetSubtype="0" fill="hold" grpId="0" nodeType="withEffect">
+                                <p:cTn id="33" presetID="1" presetClass="entr" presetSubtype="0" fill="hold" nodeType="withEffect">
                                   <p:stCondLst>
                                     <p:cond delay="0"/>
                                   </p:stCondLst>
                                   <p:childTnLst>
                                     <p:set>
                                       <p:cBhvr>
-                                        <p:cTn id="30" dur="1" fill="hold">
+                                        <p:cTn id="34" dur="1" fill="hold">
+                                          <p:stCondLst>
+                                            <p:cond delay="0"/>
+                                          </p:stCondLst>
+                                        </p:cTn>
+                                        <p:tgtEl>
+                                          <p:spTgt spid="23"/>
+                                        </p:tgtEl>
+                                        <p:attrNameLst>
+                                          <p:attrName>style.visibility</p:attrName>
+                                        </p:attrNameLst>
+                                      </p:cBhvr>
+                                      <p:to>
+                                        <p:strVal val="visible"/>
+                                      </p:to>
+                                    </p:set>
+                                  </p:childTnLst>
+                                </p:cTn>
+                              </p:par>
+                              <p:par>
+                                <p:cTn id="35" presetID="1" presetClass="entr" presetSubtype="0" fill="hold" grpId="0" nodeType="withEffect">
+                                  <p:stCondLst>
+                                    <p:cond delay="0"/>
+                                  </p:stCondLst>
+                                  <p:childTnLst>
+                                    <p:set>
+                                      <p:cBhvr>
+                                        <p:cTn id="36" dur="1" fill="hold">
                                           <p:stCondLst>
                                             <p:cond delay="0"/>
                                           </p:stCondLst>
                                         </p:cTn>
                                         <p:tgtEl>
                                           <p:spTgt spid="22"/>
+                                        </p:tgtEl>
+                                        <p:attrNameLst>
+                                          <p:attrName>style.visibility</p:attrName>
+                                        </p:attrNameLst>
+                                      </p:cBhvr>
+                                      <p:to>
+                                        <p:strVal val="visible"/>
+                                      </p:to>
+                                    </p:set>
+                                  </p:childTnLst>
+                                </p:cTn>
+                              </p:par>
+                              <p:par>
+                                <p:cTn id="37" presetID="1" presetClass="entr" presetSubtype="0" fill="hold" grpId="0" nodeType="withEffect">
+                                  <p:stCondLst>
+                                    <p:cond delay="0"/>
+                                  </p:stCondLst>
+                                  <p:childTnLst>
+                                    <p:set>
+                                      <p:cBhvr>
+                                        <p:cTn id="38" dur="1" fill="hold">
+                                          <p:stCondLst>
+                                            <p:cond delay="0"/>
+                                          </p:stCondLst>
+                                        </p:cTn>
+                                        <p:tgtEl>
+                                          <p:spTgt spid="26"/>
                                         </p:tgtEl>
                                         <p:attrNameLst>
                                           <p:attrName>style.visibility</p:attrName>
@@ -9550,26 +9877,26 @@
                     </p:cTn>
                   </p:par>
                   <p:par>
-                    <p:cTn id="31" fill="hold">
+                    <p:cTn id="39" fill="hold">
                       <p:stCondLst>
                         <p:cond delay="indefinite"/>
                       </p:stCondLst>
                       <p:childTnLst>
                         <p:par>
-                          <p:cTn id="32" fill="hold">
+                          <p:cTn id="40" fill="hold">
                             <p:stCondLst>
                               <p:cond delay="0"/>
                             </p:stCondLst>
                             <p:childTnLst>
                               <p:par>
-                                <p:cTn id="33" presetID="1" presetClass="entr" presetSubtype="0" fill="hold" grpId="0" nodeType="clickEffect">
+                                <p:cTn id="41" presetID="1" presetClass="entr" presetSubtype="0" fill="hold" grpId="0" nodeType="clickEffect">
                                   <p:stCondLst>
                                     <p:cond delay="0"/>
                                   </p:stCondLst>
                                   <p:childTnLst>
                                     <p:set>
                                       <p:cBhvr>
-                                        <p:cTn id="34" dur="1" fill="hold">
+                                        <p:cTn id="42" dur="1" fill="hold">
                                           <p:stCondLst>
                                             <p:cond delay="0"/>
                                           </p:stCondLst>
@@ -9577,7 +9904,7 @@
                                         <p:tgtEl>
                                           <p:spTgt spid="3">
                                             <p:txEl>
-                                              <p:pRg st="3" end="3"/>
+                                              <p:pRg st="5" end="5"/>
                                             </p:txEl>
                                           </p:spTgt>
                                         </p:tgtEl>
@@ -9593,14 +9920,95 @@
                                 </p:cTn>
                               </p:par>
                               <p:par>
-                                <p:cTn id="35" presetID="1" presetClass="entr" presetSubtype="0" fill="hold" nodeType="withEffect">
+                                <p:cTn id="43" presetID="1" presetClass="exit" presetSubtype="0" fill="hold" grpId="1" nodeType="withEffect">
                                   <p:stCondLst>
                                     <p:cond delay="0"/>
                                   </p:stCondLst>
                                   <p:childTnLst>
                                     <p:set>
                                       <p:cBhvr>
-                                        <p:cTn id="36" dur="1" fill="hold">
+                                        <p:cTn id="44" dur="1" fill="hold">
+                                          <p:stCondLst>
+                                            <p:cond delay="0"/>
+                                          </p:stCondLst>
+                                        </p:cTn>
+                                        <p:tgtEl>
+                                          <p:spTgt spid="26"/>
+                                        </p:tgtEl>
+                                        <p:attrNameLst>
+                                          <p:attrName>style.visibility</p:attrName>
+                                        </p:attrNameLst>
+                                      </p:cBhvr>
+                                      <p:to>
+                                        <p:strVal val="hidden"/>
+                                      </p:to>
+                                    </p:set>
+                                  </p:childTnLst>
+                                </p:cTn>
+                              </p:par>
+                              <p:par>
+                                <p:cTn id="45" presetID="1" presetClass="exit" presetSubtype="0" fill="hold" nodeType="withEffect">
+                                  <p:stCondLst>
+                                    <p:cond delay="0"/>
+                                  </p:stCondLst>
+                                  <p:childTnLst>
+                                    <p:set>
+                                      <p:cBhvr>
+                                        <p:cTn id="46" dur="1" fill="hold">
+                                          <p:stCondLst>
+                                            <p:cond delay="0"/>
+                                          </p:stCondLst>
+                                        </p:cTn>
+                                        <p:tgtEl>
+                                          <p:spTgt spid="23"/>
+                                        </p:tgtEl>
+                                        <p:attrNameLst>
+                                          <p:attrName>style.visibility</p:attrName>
+                                        </p:attrNameLst>
+                                      </p:cBhvr>
+                                      <p:to>
+                                        <p:strVal val="hidden"/>
+                                      </p:to>
+                                    </p:set>
+                                  </p:childTnLst>
+                                </p:cTn>
+                              </p:par>
+                              <p:par>
+                                <p:cTn id="47" presetID="1" presetClass="exit" presetSubtype="0" fill="hold" grpId="1" nodeType="withEffect">
+                                  <p:stCondLst>
+                                    <p:cond delay="0"/>
+                                  </p:stCondLst>
+                                  <p:childTnLst>
+                                    <p:set>
+                                      <p:cBhvr>
+                                        <p:cTn id="48" dur="1" fill="hold">
+                                          <p:stCondLst>
+                                            <p:cond delay="0"/>
+                                          </p:stCondLst>
+                                        </p:cTn>
+                                        <p:tgtEl>
+                                          <p:spTgt spid="22"/>
+                                        </p:tgtEl>
+                                        <p:attrNameLst>
+                                          <p:attrName>style.visibility</p:attrName>
+                                        </p:attrNameLst>
+                                      </p:cBhvr>
+                                      <p:to>
+                                        <p:strVal val="hidden"/>
+                                      </p:to>
+                                    </p:set>
+                                  </p:childTnLst>
+                                </p:cTn>
+                              </p:par>
+                              <p:par>
+                                <p:cTn id="49" presetID="1" presetClass="entr" presetSubtype="0" fill="hold" nodeType="withEffect">
+                                  <p:stCondLst>
+                                    <p:cond delay="0"/>
+                                  </p:stCondLst>
+                                  <p:childTnLst>
+                                    <p:set>
+                                      <p:cBhvr>
+                                        <p:cTn id="50" dur="1" fill="hold">
                                           <p:stCondLst>
                                             <p:cond delay="0"/>
                                           </p:stCondLst>
@@ -9620,14 +10028,14 @@
                                 </p:cTn>
                               </p:par>
                               <p:par>
-                                <p:cTn id="37" presetID="1" presetClass="entr" presetSubtype="0" fill="hold" nodeType="withEffect">
+                                <p:cTn id="51" presetID="1" presetClass="entr" presetSubtype="0" fill="hold" nodeType="withEffect">
                                   <p:stCondLst>
                                     <p:cond delay="0"/>
                                   </p:stCondLst>
                                   <p:childTnLst>
                                     <p:set>
                                       <p:cBhvr>
-                                        <p:cTn id="38" dur="1" fill="hold">
+                                        <p:cTn id="52" dur="1" fill="hold">
                                           <p:stCondLst>
                                             <p:cond delay="0"/>
                                           </p:stCondLst>
@@ -9647,14 +10055,14 @@
                                 </p:cTn>
                               </p:par>
                               <p:par>
-                                <p:cTn id="39" presetID="1" presetClass="entr" presetSubtype="0" fill="hold" nodeType="withEffect">
+                                <p:cTn id="53" presetID="1" presetClass="entr" presetSubtype="0" fill="hold" nodeType="withEffect">
                                   <p:stCondLst>
                                     <p:cond delay="0"/>
                                   </p:stCondLst>
                                   <p:childTnLst>
                                     <p:set>
                                       <p:cBhvr>
-                                        <p:cTn id="40" dur="1" fill="hold">
+                                        <p:cTn id="54" dur="1" fill="hold">
                                           <p:stCondLst>
                                             <p:cond delay="0"/>
                                           </p:stCondLst>
@@ -9674,14 +10082,14 @@
                                 </p:cTn>
                               </p:par>
                               <p:par>
-                                <p:cTn id="41" presetID="1" presetClass="entr" presetSubtype="0" fill="hold" nodeType="withEffect">
+                                <p:cTn id="55" presetID="1" presetClass="entr" presetSubtype="0" fill="hold" nodeType="withEffect">
                                   <p:stCondLst>
                                     <p:cond delay="0"/>
                                   </p:stCondLst>
                                   <p:childTnLst>
                                     <p:set>
                                       <p:cBhvr>
-                                        <p:cTn id="42" dur="1" fill="hold">
+                                        <p:cTn id="56" dur="1" fill="hold">
                                           <p:stCondLst>
                                             <p:cond delay="0"/>
                                           </p:stCondLst>
@@ -9701,14 +10109,14 @@
                                 </p:cTn>
                               </p:par>
                               <p:par>
-                                <p:cTn id="43" presetID="1" presetClass="entr" presetSubtype="0" fill="hold" nodeType="withEffect">
+                                <p:cTn id="57" presetID="1" presetClass="entr" presetSubtype="0" fill="hold" nodeType="withEffect">
                                   <p:stCondLst>
                                     <p:cond delay="0"/>
                                   </p:stCondLst>
                                   <p:childTnLst>
                                     <p:set>
                                       <p:cBhvr>
-                                        <p:cTn id="44" dur="1" fill="hold">
+                                        <p:cTn id="58" dur="1" fill="hold">
                                           <p:stCondLst>
                                             <p:cond delay="0"/>
                                           </p:stCondLst>
@@ -9728,14 +10136,14 @@
                                 </p:cTn>
                               </p:par>
                               <p:par>
-                                <p:cTn id="45" presetID="1" presetClass="entr" presetSubtype="0" fill="hold" nodeType="withEffect">
+                                <p:cTn id="59" presetID="1" presetClass="entr" presetSubtype="0" fill="hold" nodeType="withEffect">
                                   <p:stCondLst>
                                     <p:cond delay="0"/>
                                   </p:stCondLst>
                                   <p:childTnLst>
                                     <p:set>
                                       <p:cBhvr>
-                                        <p:cTn id="46" dur="1" fill="hold">
+                                        <p:cTn id="60" dur="1" fill="hold">
                                           <p:stCondLst>
                                             <p:cond delay="0"/>
                                           </p:stCondLst>
@@ -9755,14 +10163,14 @@
                                 </p:cTn>
                               </p:par>
                               <p:par>
-                                <p:cTn id="47" presetID="1" presetClass="entr" presetSubtype="0" fill="hold" nodeType="withEffect">
+                                <p:cTn id="61" presetID="1" presetClass="entr" presetSubtype="0" fill="hold" nodeType="withEffect">
                                   <p:stCondLst>
                                     <p:cond delay="0"/>
                                   </p:stCondLst>
                                   <p:childTnLst>
                                     <p:set>
                                       <p:cBhvr>
-                                        <p:cTn id="48" dur="1" fill="hold">
+                                        <p:cTn id="62" dur="1" fill="hold">
                                           <p:stCondLst>
                                             <p:cond delay="0"/>
                                           </p:stCondLst>
@@ -9782,14 +10190,14 @@
                                 </p:cTn>
                               </p:par>
                               <p:par>
-                                <p:cTn id="49" presetID="1" presetClass="entr" presetSubtype="0" fill="hold" nodeType="withEffect">
+                                <p:cTn id="63" presetID="1" presetClass="entr" presetSubtype="0" fill="hold" nodeType="withEffect">
                                   <p:stCondLst>
                                     <p:cond delay="0"/>
                                   </p:stCondLst>
                                   <p:childTnLst>
                                     <p:set>
                                       <p:cBhvr>
-                                        <p:cTn id="50" dur="1" fill="hold">
+                                        <p:cTn id="64" dur="1" fill="hold">
                                           <p:stCondLst>
                                             <p:cond delay="0"/>
                                           </p:stCondLst>
@@ -9815,26 +10223,26 @@
                     </p:cTn>
                   </p:par>
                   <p:par>
-                    <p:cTn id="51" fill="hold">
+                    <p:cTn id="65" fill="hold">
                       <p:stCondLst>
                         <p:cond delay="indefinite"/>
                       </p:stCondLst>
                       <p:childTnLst>
                         <p:par>
-                          <p:cTn id="52" fill="hold">
+                          <p:cTn id="66" fill="hold">
                             <p:stCondLst>
                               <p:cond delay="0"/>
                             </p:stCondLst>
                             <p:childTnLst>
                               <p:par>
-                                <p:cTn id="53" presetID="1" presetClass="entr" presetSubtype="0" fill="hold" grpId="0" nodeType="clickEffect">
+                                <p:cTn id="67" presetID="1" presetClass="entr" presetSubtype="0" fill="hold" grpId="0" nodeType="clickEffect">
                                   <p:stCondLst>
                                     <p:cond delay="0"/>
                                   </p:stCondLst>
                                   <p:childTnLst>
                                     <p:set>
                                       <p:cBhvr>
-                                        <p:cTn id="54" dur="1" fill="hold">
+                                        <p:cTn id="68" dur="1" fill="hold">
                                           <p:stCondLst>
                                             <p:cond delay="0"/>
                                           </p:stCondLst>
@@ -9842,105 +10250,7 @@
                                         <p:tgtEl>
                                           <p:spTgt spid="3">
                                             <p:txEl>
-                                              <p:pRg st="4" end="4"/>
-                                            </p:txEl>
-                                          </p:spTgt>
-                                        </p:tgtEl>
-                                        <p:attrNameLst>
-                                          <p:attrName>style.visibility</p:attrName>
-                                        </p:attrNameLst>
-                                      </p:cBhvr>
-                                      <p:to>
-                                        <p:strVal val="visible"/>
-                                      </p:to>
-                                    </p:set>
-                                  </p:childTnLst>
-                                </p:cTn>
-                              </p:par>
-                            </p:childTnLst>
-                          </p:cTn>
-                        </p:par>
-                      </p:childTnLst>
-                    </p:cTn>
-                  </p:par>
-                  <p:par>
-                    <p:cTn id="55" fill="hold">
-                      <p:stCondLst>
-                        <p:cond delay="indefinite"/>
-                      </p:stCondLst>
-                      <p:childTnLst>
-                        <p:par>
-                          <p:cTn id="56" fill="hold">
-                            <p:stCondLst>
-                              <p:cond delay="0"/>
-                            </p:stCondLst>
-                            <p:childTnLst>
-                              <p:par>
-                                <p:cTn id="57" presetID="1" presetClass="entr" presetSubtype="0" fill="hold" grpId="0" nodeType="clickEffect">
-                                  <p:stCondLst>
-                                    <p:cond delay="0"/>
-                                  </p:stCondLst>
-                                  <p:childTnLst>
-                                    <p:set>
-                                      <p:cBhvr>
-                                        <p:cTn id="58" dur="1" fill="hold">
-                                          <p:stCondLst>
-                                            <p:cond delay="0"/>
-                                          </p:stCondLst>
-                                        </p:cTn>
-                                        <p:tgtEl>
-                                          <p:spTgt spid="3">
-                                            <p:txEl>
-                                              <p:pRg st="5" end="5"/>
-                                            </p:txEl>
-                                          </p:spTgt>
-                                        </p:tgtEl>
-                                        <p:attrNameLst>
-                                          <p:attrName>style.visibility</p:attrName>
-                                        </p:attrNameLst>
-                                      </p:cBhvr>
-                                      <p:to>
-                                        <p:strVal val="visible"/>
-                                      </p:to>
-                                    </p:set>
-                                  </p:childTnLst>
-                                </p:cTn>
-                              </p:par>
-                            </p:childTnLst>
-                          </p:cTn>
-                        </p:par>
-                      </p:childTnLst>
-                    </p:cTn>
-                  </p:par>
-                  <p:par>
-                    <p:cTn id="59" fill="hold">
-                      <p:stCondLst>
-                        <p:cond delay="indefinite"/>
-                      </p:stCondLst>
-                      <p:childTnLst>
-                        <p:par>
-                          <p:cTn id="60" fill="hold">
-                            <p:stCondLst>
-                              <p:cond delay="0"/>
-                            </p:stCondLst>
-                            <p:childTnLst>
-                              <p:par>
-                                <p:cTn id="61" presetID="1" presetClass="entr" presetSubtype="0" fill="hold" grpId="0" nodeType="clickEffect">
-                                  <p:stCondLst>
-                                    <p:cond delay="0"/>
-                                  </p:stCondLst>
-                                  <p:childTnLst>
-                                    <p:set>
-                                      <p:cBhvr>
-                                        <p:cTn id="62" dur="1" fill="hold">
-                                          <p:stCondLst>
-                                            <p:cond delay="0"/>
-                                          </p:stCondLst>
-                                        </p:cTn>
-                                        <p:tgtEl>
-                                          <p:spTgt spid="3">
-                                            <p:txEl>
-                                              <p:pRg st="6" end="6"/>
+                                              <p:pRg st="7" end="7"/>
                                             </p:txEl>
                                           </p:spTgt>
                                         </p:tgtEl>
@@ -9983,6 +10293,8 @@
       </p:par>
     </p:tnLst>
     <p:bldLst>
+      <p:bldP spid="22" grpId="0" animBg="1"/>
+      <p:bldP spid="22" grpId="1" animBg="1"/>
       <p:bldP spid="3" grpId="0" build="p"/>
       <p:bldP spid="7" grpId="0" animBg="1"/>
       <p:bldP spid="8" grpId="0" animBg="1"/>
@@ -9991,7 +10303,8 @@
       <p:bldP spid="11" grpId="0" animBg="1"/>
       <p:bldP spid="12" grpId="0" animBg="1"/>
       <p:bldP spid="20" grpId="0" animBg="1"/>
-      <p:bldP spid="22" grpId="0" animBg="1"/>
+      <p:bldP spid="26" grpId="0"/>
+      <p:bldP spid="26" grpId="1"/>
     </p:bldLst>
   </p:timing>
 </p:sld>
@@ -10952,7 +11265,7 @@
         <p:spPr/>
         <p:txBody>
           <a:bodyPr>
-            <a:normAutofit fontScale="92500" lnSpcReduction="10000"/>
+            <a:normAutofit fontScale="62500" lnSpcReduction="20000"/>
           </a:bodyPr>
           <a:lstStyle/>
           <a:p>
@@ -11870,7 +12183,7 @@
         <p:spPr/>
         <p:txBody>
           <a:bodyPr>
-            <a:normAutofit fontScale="92500" lnSpcReduction="10000"/>
+            <a:normAutofit fontScale="62500" lnSpcReduction="20000"/>
           </a:bodyPr>
           <a:lstStyle/>
           <a:p>
@@ -11961,7 +12274,7 @@
         <p:spPr/>
         <p:txBody>
           <a:bodyPr>
-            <a:normAutofit/>
+            <a:normAutofit lnSpcReduction="10000"/>
           </a:bodyPr>
           <a:lstStyle/>
           <a:p>
@@ -12056,7 +12369,7 @@
         <p:spPr/>
         <p:txBody>
           <a:bodyPr>
-            <a:normAutofit fontScale="92500" lnSpcReduction="10000"/>
+            <a:normAutofit fontScale="62500" lnSpcReduction="20000"/>
           </a:bodyPr>
           <a:lstStyle/>
           <a:p>
@@ -12221,7 +12534,7 @@
         <p:spPr/>
         <p:txBody>
           <a:bodyPr>
-            <a:normAutofit fontScale="92500" lnSpcReduction="10000"/>
+            <a:normAutofit fontScale="62500" lnSpcReduction="20000"/>
           </a:bodyPr>
           <a:lstStyle/>
           <a:p>
@@ -13656,7 +13969,7 @@
         <p:spPr/>
         <p:txBody>
           <a:bodyPr>
-            <a:normAutofit fontScale="92500" lnSpcReduction="10000"/>
+            <a:normAutofit fontScale="62500" lnSpcReduction="20000"/>
           </a:bodyPr>
           <a:lstStyle/>
           <a:p>
@@ -14676,7 +14989,7 @@
         <p:spPr/>
         <p:txBody>
           <a:bodyPr>
-            <a:normAutofit/>
+            <a:normAutofit fontScale="92500" lnSpcReduction="10000"/>
           </a:bodyPr>
           <a:lstStyle/>
           <a:p>
@@ -14777,7 +15090,7 @@
         <p:spPr/>
         <p:txBody>
           <a:bodyPr>
-            <a:normAutofit fontScale="47500" lnSpcReduction="20000"/>
+            <a:normAutofit fontScale="62500" lnSpcReduction="20000"/>
           </a:bodyPr>
           <a:lstStyle/>
           <a:p>
@@ -16309,7 +16622,7 @@
         <p:spPr/>
         <p:txBody>
           <a:bodyPr>
-            <a:normAutofit fontScale="47500" lnSpcReduction="20000"/>
+            <a:normAutofit fontScale="62500" lnSpcReduction="20000"/>
           </a:bodyPr>
           <a:lstStyle/>
           <a:p>
@@ -18280,7 +18593,7 @@
         <p:spPr/>
         <p:txBody>
           <a:bodyPr>
-            <a:normAutofit fontScale="47500" lnSpcReduction="20000"/>
+            <a:normAutofit fontScale="62500" lnSpcReduction="20000"/>
           </a:bodyPr>
           <a:lstStyle/>
           <a:p>
@@ -23706,55 +24019,30 @@
           <a:bodyPr/>
           <a:lstStyle/>
           <a:p>
-            <a:pPr>
-              <a:lnSpc>
-                <a:spcPct val="120000"/>
-              </a:lnSpc>
-            </a:pPr>
             <a:r>
               <a:rPr lang="fr-FR"/>
               <a:t>Introduction aux réseaux de capteurs</a:t>
             </a:r>
           </a:p>
           <a:p>
-            <a:pPr>
-              <a:lnSpc>
-                <a:spcPct val="120000"/>
-              </a:lnSpc>
-            </a:pPr>
             <a:r>
               <a:rPr lang="fr-FR"/>
               <a:t>État de l’art</a:t>
             </a:r>
           </a:p>
           <a:p>
-            <a:pPr>
-              <a:lnSpc>
-                <a:spcPct val="120000"/>
-              </a:lnSpc>
-            </a:pPr>
             <a:r>
               <a:rPr lang="fr-FR"/>
               <a:t>Analyse et réflexion</a:t>
             </a:r>
           </a:p>
           <a:p>
-            <a:pPr>
-              <a:lnSpc>
-                <a:spcPct val="120000"/>
-              </a:lnSpc>
-            </a:pPr>
             <a:r>
               <a:rPr lang="fr-FR"/>
               <a:t>Simulations et résultats</a:t>
             </a:r>
           </a:p>
           <a:p>
-            <a:pPr>
-              <a:lnSpc>
-                <a:spcPct val="120000"/>
-              </a:lnSpc>
-            </a:pPr>
             <a:r>
               <a:rPr lang="fr-FR"/>
               <a:t>Conclusion</a:t>
@@ -23936,7 +24224,7 @@
         <p:spPr/>
         <p:txBody>
           <a:bodyPr>
-            <a:normAutofit fontScale="47500" lnSpcReduction="20000"/>
+            <a:normAutofit fontScale="62500" lnSpcReduction="20000"/>
           </a:bodyPr>
           <a:lstStyle/>
           <a:p>
@@ -24088,7 +24376,7 @@
         <p:spPr/>
         <p:txBody>
           <a:bodyPr>
-            <a:normAutofit fontScale="47500" lnSpcReduction="20000"/>
+            <a:normAutofit fontScale="62500" lnSpcReduction="20000"/>
           </a:bodyPr>
           <a:lstStyle/>
           <a:p>
@@ -25433,7 +25721,7 @@
         <p:spPr/>
         <p:txBody>
           <a:bodyPr>
-            <a:normAutofit fontScale="47500" lnSpcReduction="20000"/>
+            <a:normAutofit fontScale="62500" lnSpcReduction="20000"/>
           </a:bodyPr>
           <a:lstStyle/>
           <a:p>
@@ -27014,7 +27302,7 @@
         <p:spPr/>
         <p:txBody>
           <a:bodyPr>
-            <a:normAutofit fontScale="47500" lnSpcReduction="20000"/>
+            <a:normAutofit fontScale="62500" lnSpcReduction="20000"/>
           </a:bodyPr>
           <a:lstStyle/>
           <a:p>
@@ -27147,7 +27435,7 @@
         <p:spPr/>
         <p:txBody>
           <a:bodyPr>
-            <a:normAutofit fontScale="47500" lnSpcReduction="20000"/>
+            <a:normAutofit fontScale="62500" lnSpcReduction="20000"/>
           </a:bodyPr>
           <a:lstStyle/>
           <a:p>
@@ -27848,7 +28136,7 @@
         <p:spPr/>
         <p:txBody>
           <a:bodyPr>
-            <a:normAutofit fontScale="92500" lnSpcReduction="10000"/>
+            <a:normAutofit fontScale="62500" lnSpcReduction="20000"/>
           </a:bodyPr>
           <a:lstStyle/>
           <a:p>
@@ -32371,7 +32659,7 @@
         <p:spPr/>
         <p:txBody>
           <a:bodyPr>
-            <a:normAutofit fontScale="92500" lnSpcReduction="10000"/>
+            <a:normAutofit fontScale="62500" lnSpcReduction="20000"/>
           </a:bodyPr>
           <a:lstStyle/>
           <a:p>
@@ -32448,10 +32736,15 @@
             <a:spLocks noGrp="1"/>
           </p:cNvSpPr>
           <p:nvPr>
-            <p:ph type="body" idx="1"/>
+            <p:ph type="body" idx="4294967295"/>
           </p:nvPr>
         </p:nvSpPr>
-        <p:spPr/>
+        <p:spPr>
+          <a:xfrm>
+            <a:off x="2578392" y="1066800"/>
+            <a:ext cx="6400800" cy="1509712"/>
+          </a:xfrm>
+        </p:spPr>
         <p:txBody>
           <a:bodyPr/>
           <a:lstStyle/>
@@ -32639,7 +32932,7 @@
         <p:spPr/>
         <p:txBody>
           <a:bodyPr>
-            <a:normAutofit fontScale="92500" lnSpcReduction="10000"/>
+            <a:normAutofit fontScale="62500" lnSpcReduction="20000"/>
           </a:bodyPr>
           <a:lstStyle/>
           <a:p>
@@ -32748,16 +33041,12 @@
   <p:clrMapOvr>
     <a:masterClrMapping/>
   </p:clrMapOvr>
-  <mc:AlternateContent xmlns:mc="http://schemas.openxmlformats.org/markup-compatibility/2006" xmlns:p14="http://schemas.microsoft.com/office/powerpoint/2010/main">
-    <mc:Choice Requires="p14">
-      <p:transition spd="med" p14:dur="700">
-        <p:fade/>
-      </p:transition>
+  <mc:AlternateContent xmlns:mc="http://schemas.openxmlformats.org/markup-compatibility/2006">
+    <mc:Choice xmlns:p14="http://schemas.microsoft.com/office/powerpoint/2010/main" Requires="p14">
+      <p:transition p14:dur="0"/>
     </mc:Choice>
-    <mc:Fallback xmlns="">
-      <p:transition xmlns:p14="http://schemas.microsoft.com/office/powerpoint/2010/main" spd="med">
-        <p:fade/>
-      </p:transition>
+    <mc:Fallback>
+      <p:transition xmlns:p14="http://schemas.microsoft.com/office/powerpoint/2010/main"/>
     </mc:Fallback>
   </mc:AlternateContent>
   <p:timing>
@@ -32822,7 +33111,7 @@
         <p:spPr/>
         <p:txBody>
           <a:bodyPr>
-            <a:normAutofit/>
+            <a:normAutofit fontScale="92500" lnSpcReduction="10000"/>
           </a:bodyPr>
           <a:lstStyle/>
           <a:p>
@@ -32893,7 +33182,7 @@
         <p:spPr/>
         <p:txBody>
           <a:bodyPr>
-            <a:normAutofit fontScale="92500" lnSpcReduction="10000"/>
+            <a:normAutofit fontScale="62500" lnSpcReduction="20000"/>
           </a:bodyPr>
           <a:lstStyle/>
           <a:p>
@@ -32926,7 +33215,7 @@
         </p:blipFill>
         <p:spPr>
           <a:xfrm>
-            <a:off x="2168082" y="1600201"/>
+            <a:off x="2506748" y="1600201"/>
             <a:ext cx="5080000" cy="4521200"/>
           </a:xfrm>
           <a:prstGeom prst="rect">
@@ -33011,12 +33300,17 @@
               </a:ext>
             </a:extLst>
           </a:blip>
-          <a:srcRect l="21479" r="21479"/>
+          <a:srcRect t="-37656" b="-37656"/>
           <a:stretch>
             <a:fillRect/>
           </a:stretch>
         </p:blipFill>
-        <p:spPr/>
+        <p:spPr>
+          <a:xfrm>
+            <a:off x="1435100" y="1447800"/>
+            <a:ext cx="7499350" cy="4800600"/>
+          </a:xfrm>
+        </p:spPr>
       </p:pic>
       <p:sp>
         <p:nvSpPr>
@@ -33054,7 +33348,7 @@
         <p:spPr/>
         <p:txBody>
           <a:bodyPr>
-            <a:normAutofit fontScale="92500" lnSpcReduction="10000"/>
+            <a:normAutofit fontScale="62500" lnSpcReduction="20000"/>
           </a:bodyPr>
           <a:lstStyle/>
           <a:p>
@@ -33121,18 +33415,125 @@
               <a:rPr lang="fr-FR"/>
               <a:t>Capacités</a:t>
             </a:r>
+            <a:endParaRPr lang="fr-FR"/>
           </a:p>
         </p:txBody>
       </p:sp>
-      <p:pic>
-        <p:nvPicPr>
-          <p:cNvPr id="6" name="Espace réservé du contenu 5" descr="range.png"/>
-          <p:cNvPicPr>
-            <a:picLocks noGrp="1" noChangeAspect="1"/>
-          </p:cNvPicPr>
+      <p:sp>
+        <p:nvSpPr>
+          <p:cNvPr id="3" name="Espace réservé du contenu 2"/>
+          <p:cNvSpPr>
+            <a:spLocks noGrp="1"/>
+          </p:cNvSpPr>
           <p:nvPr>
             <p:ph idx="1"/>
           </p:nvPr>
+        </p:nvSpPr>
+        <p:spPr/>
+        <p:txBody>
+          <a:bodyPr/>
+          <a:lstStyle/>
+          <a:p>
+            <a:pPr>
+              <a:lnSpc>
+                <a:spcPct val="250000"/>
+              </a:lnSpc>
+            </a:pPr>
+            <a:r>
+              <a:rPr lang="fr-FR"/>
+              <a:t>Faible puissance de calcul</a:t>
+            </a:r>
+          </a:p>
+          <a:p>
+            <a:pPr>
+              <a:lnSpc>
+                <a:spcPct val="250000"/>
+              </a:lnSpc>
+            </a:pPr>
+            <a:r>
+              <a:rPr lang="fr-FR"/>
+              <a:t>Mémoire limitée</a:t>
+            </a:r>
+          </a:p>
+          <a:p>
+            <a:pPr>
+              <a:lnSpc>
+                <a:spcPct val="250000"/>
+              </a:lnSpc>
+            </a:pPr>
+            <a:r>
+              <a:rPr lang="fr-FR"/>
+              <a:t>Réserve d’énergie réduite</a:t>
+            </a:r>
+          </a:p>
+          <a:p>
+            <a:pPr>
+              <a:lnSpc>
+                <a:spcPct val="250000"/>
+              </a:lnSpc>
+            </a:pPr>
+            <a:r>
+              <a:rPr lang="fr-FR"/>
+              <a:t>Rayon de transmission maximum</a:t>
+            </a:r>
+          </a:p>
+        </p:txBody>
+      </p:sp>
+      <p:sp>
+        <p:nvSpPr>
+          <p:cNvPr id="4" name="Espace réservé du numéro de diapositive 3"/>
+          <p:cNvSpPr>
+            <a:spLocks noGrp="1"/>
+          </p:cNvSpPr>
+          <p:nvPr>
+            <p:ph type="sldNum" sz="quarter" idx="12"/>
+          </p:nvPr>
+        </p:nvSpPr>
+        <p:spPr/>
+        <p:txBody>
+          <a:bodyPr/>
+          <a:lstStyle/>
+          <a:p>
+            <a:fld id="{632DADDA-56E0-0F4D-8444-EEC8234C8BEB}" type="slidenum">
+              <a:rPr lang="fr-FR"/>
+              <a:pPr/>
+              <a:t>6</a:t>
+            </a:fld>
+            <a:endParaRPr lang="fr-FR"/>
+          </a:p>
+        </p:txBody>
+      </p:sp>
+      <p:sp>
+        <p:nvSpPr>
+          <p:cNvPr id="5" name="Espace réservé du texte 4"/>
+          <p:cNvSpPr>
+            <a:spLocks noGrp="1"/>
+          </p:cNvSpPr>
+          <p:nvPr>
+            <p:ph type="body" sz="quarter" idx="13"/>
+          </p:nvPr>
+        </p:nvSpPr>
+        <p:spPr/>
+        <p:txBody>
+          <a:bodyPr>
+            <a:normAutofit fontScale="62500" lnSpcReduction="20000"/>
+          </a:bodyPr>
+          <a:lstStyle/>
+          <a:p>
+            <a:r>
+              <a:rPr lang="fr-FR"/>
+              <a:t>Introduction aux réseaux de capteurs</a:t>
+            </a:r>
+          </a:p>
+        </p:txBody>
+      </p:sp>
+      <p:pic>
+        <p:nvPicPr>
+          <p:cNvPr id="8" name="Espace réservé du contenu 5" descr="range.png"/>
+          <p:cNvPicPr>
+            <a:picLocks noChangeAspect="1"/>
+          </p:cNvPicPr>
+          <p:nvPr/>
         </p:nvPicPr>
         <p:blipFill rotWithShape="1">
           <a:blip r:embed="rId2">
@@ -33142,266 +33543,23 @@
               </a:ext>
             </a:extLst>
           </a:blip>
-          <a:srcRect t="16343" b="16343"/>
+          <a:srcRect l="-1085" r="-220"/>
           <a:stretch/>
         </p:blipFill>
-        <p:spPr/>
-      </p:pic>
-      <p:sp>
-        <p:nvSpPr>
-          <p:cNvPr id="4" name="Espace réservé du numéro de diapositive 3"/>
-          <p:cNvSpPr>
-            <a:spLocks noGrp="1"/>
-          </p:cNvSpPr>
-          <p:nvPr>
-            <p:ph type="sldNum" sz="quarter" idx="12"/>
-          </p:nvPr>
-        </p:nvSpPr>
-        <p:spPr/>
-        <p:txBody>
-          <a:bodyPr/>
-          <a:lstStyle/>
-          <a:p>
-            <a:fld id="{632DADDA-56E0-0F4D-8444-EEC8234C8BEB}" type="slidenum">
-              <a:rPr lang="fr-FR"/>
-              <a:t>6</a:t>
-            </a:fld>
-            <a:endParaRPr lang="fr-FR"/>
-          </a:p>
-        </p:txBody>
-      </p:sp>
-      <p:sp>
-        <p:nvSpPr>
-          <p:cNvPr id="5" name="Espace réservé du texte 4"/>
-          <p:cNvSpPr>
-            <a:spLocks noGrp="1"/>
-          </p:cNvSpPr>
-          <p:nvPr>
-            <p:ph type="body" sz="quarter" idx="13"/>
-          </p:nvPr>
-        </p:nvSpPr>
-        <p:spPr/>
-        <p:txBody>
-          <a:bodyPr>
-            <a:normAutofit fontScale="92500" lnSpcReduction="10000"/>
-          </a:bodyPr>
-          <a:lstStyle/>
-          <a:p>
-            <a:r>
-              <a:rPr lang="fr-FR"/>
-              <a:t>Introduction aux réseaux de capteurs</a:t>
-            </a:r>
-          </a:p>
-        </p:txBody>
-      </p:sp>
-      <p:sp>
-        <p:nvSpPr>
-          <p:cNvPr id="8" name="Espace réservé du contenu 2"/>
-          <p:cNvSpPr txBox="1">
-            <a:spLocks/>
-          </p:cNvSpPr>
-          <p:nvPr/>
-        </p:nvSpPr>
         <p:spPr>
           <a:xfrm>
-            <a:off x="457200" y="1600201"/>
-            <a:ext cx="8229600" cy="4756151"/>
+            <a:off x="5350441" y="1909232"/>
+            <a:ext cx="3720407" cy="3492501"/>
           </a:xfrm>
           <a:prstGeom prst="rect">
             <a:avLst/>
           </a:prstGeom>
         </p:spPr>
-        <p:txBody>
-          <a:bodyPr vert="horz" lIns="91440" tIns="45720" rIns="91440" bIns="45720" rtlCol="0">
-            <a:normAutofit/>
-          </a:bodyPr>
-          <a:lstStyle>
-            <a:lvl1pPr marL="342900" indent="-342900" algn="l" defTabSz="457200" rtl="0" eaLnBrk="1" latinLnBrk="0" hangingPunct="1">
-              <a:spcBef>
-                <a:spcPct val="20000"/>
-              </a:spcBef>
-              <a:buFont typeface="Arial"/>
-              <a:buChar char="•"/>
-              <a:defRPr sz="3200" kern="1200">
-                <a:solidFill>
-                  <a:schemeClr val="tx1"/>
-                </a:solidFill>
-                <a:latin typeface="+mn-lt"/>
-                <a:ea typeface="+mn-ea"/>
-                <a:cs typeface="+mn-cs"/>
-              </a:defRPr>
-            </a:lvl1pPr>
-            <a:lvl2pPr marL="742950" indent="-285750" algn="l" defTabSz="457200" rtl="0" eaLnBrk="1" latinLnBrk="0" hangingPunct="1">
-              <a:spcBef>
-                <a:spcPct val="20000"/>
-              </a:spcBef>
-              <a:buFont typeface="Arial"/>
-              <a:buChar char="–"/>
-              <a:defRPr sz="2800" kern="1200">
-                <a:solidFill>
-                  <a:schemeClr val="tx1"/>
-                </a:solidFill>
-                <a:latin typeface="+mn-lt"/>
-                <a:ea typeface="+mn-ea"/>
-                <a:cs typeface="+mn-cs"/>
-              </a:defRPr>
-            </a:lvl2pPr>
-            <a:lvl3pPr marL="1143000" indent="-228600" algn="l" defTabSz="457200" rtl="0" eaLnBrk="1" latinLnBrk="0" hangingPunct="1">
-              <a:spcBef>
-                <a:spcPct val="20000"/>
-              </a:spcBef>
-              <a:buFont typeface="Arial"/>
-              <a:buChar char="•"/>
-              <a:defRPr sz="2400" kern="1200">
-                <a:solidFill>
-                  <a:schemeClr val="tx1"/>
-                </a:solidFill>
-                <a:latin typeface="+mn-lt"/>
-                <a:ea typeface="+mn-ea"/>
-                <a:cs typeface="+mn-cs"/>
-              </a:defRPr>
-            </a:lvl3pPr>
-            <a:lvl4pPr marL="1600200" indent="-228600" algn="l" defTabSz="457200" rtl="0" eaLnBrk="1" latinLnBrk="0" hangingPunct="1">
-              <a:spcBef>
-                <a:spcPct val="20000"/>
-              </a:spcBef>
-              <a:buFont typeface="Arial"/>
-              <a:buChar char="–"/>
-              <a:defRPr sz="2000" kern="1200">
-                <a:solidFill>
-                  <a:schemeClr val="tx1"/>
-                </a:solidFill>
-                <a:latin typeface="+mn-lt"/>
-                <a:ea typeface="+mn-ea"/>
-                <a:cs typeface="+mn-cs"/>
-              </a:defRPr>
-            </a:lvl4pPr>
-            <a:lvl5pPr marL="2057400" indent="-228600" algn="l" defTabSz="457200" rtl="0" eaLnBrk="1" latinLnBrk="0" hangingPunct="1">
-              <a:spcBef>
-                <a:spcPct val="20000"/>
-              </a:spcBef>
-              <a:buFont typeface="Arial"/>
-              <a:buChar char="»"/>
-              <a:defRPr sz="2000" kern="1200">
-                <a:solidFill>
-                  <a:schemeClr val="tx1"/>
-                </a:solidFill>
-                <a:latin typeface="+mn-lt"/>
-                <a:ea typeface="+mn-ea"/>
-                <a:cs typeface="+mn-cs"/>
-              </a:defRPr>
-            </a:lvl5pPr>
-            <a:lvl6pPr marL="2514600" indent="-228600" algn="l" defTabSz="457200" rtl="0" eaLnBrk="1" latinLnBrk="0" hangingPunct="1">
-              <a:spcBef>
-                <a:spcPct val="20000"/>
-              </a:spcBef>
-              <a:buFont typeface="Arial"/>
-              <a:buChar char="•"/>
-              <a:defRPr sz="2000" kern="1200">
-                <a:solidFill>
-                  <a:schemeClr val="tx1"/>
-                </a:solidFill>
-                <a:latin typeface="+mn-lt"/>
-                <a:ea typeface="+mn-ea"/>
-                <a:cs typeface="+mn-cs"/>
-              </a:defRPr>
-            </a:lvl6pPr>
-            <a:lvl7pPr marL="2971800" indent="-228600" algn="l" defTabSz="457200" rtl="0" eaLnBrk="1" latinLnBrk="0" hangingPunct="1">
-              <a:spcBef>
-                <a:spcPct val="20000"/>
-              </a:spcBef>
-              <a:buFont typeface="Arial"/>
-              <a:buChar char="•"/>
-              <a:defRPr sz="2000" kern="1200">
-                <a:solidFill>
-                  <a:schemeClr val="tx1"/>
-                </a:solidFill>
-                <a:latin typeface="+mn-lt"/>
-                <a:ea typeface="+mn-ea"/>
-                <a:cs typeface="+mn-cs"/>
-              </a:defRPr>
-            </a:lvl7pPr>
-            <a:lvl8pPr marL="3429000" indent="-228600" algn="l" defTabSz="457200" rtl="0" eaLnBrk="1" latinLnBrk="0" hangingPunct="1">
-              <a:spcBef>
-                <a:spcPct val="20000"/>
-              </a:spcBef>
-              <a:buFont typeface="Arial"/>
-              <a:buChar char="•"/>
-              <a:defRPr sz="2000" kern="1200">
-                <a:solidFill>
-                  <a:schemeClr val="tx1"/>
-                </a:solidFill>
-                <a:latin typeface="+mn-lt"/>
-                <a:ea typeface="+mn-ea"/>
-                <a:cs typeface="+mn-cs"/>
-              </a:defRPr>
-            </a:lvl8pPr>
-            <a:lvl9pPr marL="3886200" indent="-228600" algn="l" defTabSz="457200" rtl="0" eaLnBrk="1" latinLnBrk="0" hangingPunct="1">
-              <a:spcBef>
-                <a:spcPct val="20000"/>
-              </a:spcBef>
-              <a:buFont typeface="Arial"/>
-              <a:buChar char="•"/>
-              <a:defRPr sz="2000" kern="1200">
-                <a:solidFill>
-                  <a:schemeClr val="tx1"/>
-                </a:solidFill>
-                <a:latin typeface="+mn-lt"/>
-                <a:ea typeface="+mn-ea"/>
-                <a:cs typeface="+mn-cs"/>
-              </a:defRPr>
-            </a:lvl9pPr>
-          </a:lstStyle>
-          <a:p>
-            <a:pPr>
-              <a:lnSpc>
-                <a:spcPct val="200000"/>
-              </a:lnSpc>
-            </a:pPr>
-            <a:r>
-              <a:rPr lang="fr-FR"/>
-              <a:t>Faible puissance de calcul</a:t>
-            </a:r>
-          </a:p>
-          <a:p>
-            <a:pPr>
-              <a:lnSpc>
-                <a:spcPct val="200000"/>
-              </a:lnSpc>
-            </a:pPr>
-            <a:r>
-              <a:rPr lang="fr-FR"/>
-              <a:t>Mémoire limitée</a:t>
-            </a:r>
-          </a:p>
-          <a:p>
-            <a:pPr>
-              <a:lnSpc>
-                <a:spcPct val="200000"/>
-              </a:lnSpc>
-            </a:pPr>
-            <a:r>
-              <a:rPr lang="fr-FR"/>
-              <a:t>Réserve d’énergie réduite</a:t>
-            </a:r>
-          </a:p>
-          <a:p>
-            <a:pPr>
-              <a:lnSpc>
-                <a:spcPct val="200000"/>
-              </a:lnSpc>
-            </a:pPr>
-            <a:r>
-              <a:rPr lang="fr-FR"/>
-              <a:t>Rayon de transmission maximum</a:t>
-            </a:r>
-          </a:p>
-        </p:txBody>
-      </p:sp>
+      </p:pic>
     </p:spTree>
     <p:extLst>
       <p:ext uri="{BB962C8B-B14F-4D97-AF65-F5344CB8AC3E}">
-        <p14:creationId xmlns:p14="http://schemas.microsoft.com/office/powerpoint/2010/main" val="3522112013"/>
+        <p14:creationId xmlns:p14="http://schemas.microsoft.com/office/powerpoint/2010/main" val="863270096"/>
       </p:ext>
     </p:extLst>
   </p:cSld>
@@ -33475,7 +33633,7 @@
               </a:ext>
             </a:extLst>
           </a:blip>
-          <a:srcRect l="8286" r="8286"/>
+          <a:srcRect t="-9942" b="-9942"/>
           <a:stretch>
             <a:fillRect/>
           </a:stretch>
@@ -33518,7 +33676,7 @@
         <p:spPr/>
         <p:txBody>
           <a:bodyPr>
-            <a:normAutofit fontScale="92500" lnSpcReduction="10000"/>
+            <a:normAutofit fontScale="62500" lnSpcReduction="20000"/>
           </a:bodyPr>
           <a:lstStyle/>
           <a:p>
@@ -33566,6 +33724,28 @@
           <a:chExt cx="0" cy="0"/>
         </a:xfrm>
       </p:grpSpPr>
+      <p:graphicFrame>
+        <p:nvGraphicFramePr>
+          <p:cNvPr id="6" name="Diagramme 5"/>
+          <p:cNvGraphicFramePr/>
+          <p:nvPr>
+            <p:extLst>
+              <p:ext uri="{D42A27DB-BD31-4B8C-83A1-F6EECF244321}">
+                <p14:modId xmlns:p14="http://schemas.microsoft.com/office/powerpoint/2010/main" val="1994720603"/>
+              </p:ext>
+            </p:extLst>
+          </p:nvPr>
+        </p:nvGraphicFramePr>
+        <p:xfrm>
+          <a:off x="1049867" y="1397000"/>
+          <a:ext cx="8020982" cy="4680522"/>
+        </p:xfrm>
+        <a:graphic>
+          <a:graphicData uri="http://schemas.openxmlformats.org/drawingml/2006/diagram">
+            <dgm:relIds xmlns:dgm="http://schemas.openxmlformats.org/drawingml/2006/diagram" xmlns:r="http://schemas.openxmlformats.org/officeDocument/2006/relationships" r:dm="rId2" r:lo="rId3" r:qs="rId4" r:cs="rId5"/>
+          </a:graphicData>
+        </a:graphic>
+      </p:graphicFrame>
       <p:sp>
         <p:nvSpPr>
           <p:cNvPr id="2" name="Titre 1"/>
@@ -33590,28 +33770,6 @@
       </p:sp>
       <p:sp>
         <p:nvSpPr>
-          <p:cNvPr id="5" name="Espace réservé du texte 4"/>
-          <p:cNvSpPr>
-            <a:spLocks noGrp="1"/>
-          </p:cNvSpPr>
-          <p:nvPr>
-            <p:ph idx="1"/>
-          </p:nvPr>
-        </p:nvSpPr>
-        <p:spPr/>
-        <p:txBody>
-          <a:bodyPr/>
-          <a:lstStyle/>
-          <a:p>
-            <a:r>
-              <a:rPr lang="fr-FR"/>
-              <a:t>Introduction aux réseaux de capteurs</a:t>
-            </a:r>
-          </a:p>
-        </p:txBody>
-      </p:sp>
-      <p:sp>
-        <p:nvSpPr>
           <p:cNvPr id="4" name="Espace réservé du numéro de diapositive 3"/>
           <p:cNvSpPr>
             <a:spLocks noGrp="1"/>
@@ -33645,35 +33803,18 @@
         </p:nvSpPr>
         <p:spPr/>
         <p:txBody>
-          <a:bodyPr/>
+          <a:bodyPr>
+            <a:normAutofit fontScale="62500" lnSpcReduction="20000"/>
+          </a:bodyPr>
           <a:lstStyle/>
           <a:p>
-            <a:endParaRPr lang="fr-FR"/>
+            <a:r>
+              <a:rPr lang="fr-FR"/>
+              <a:t>Introduction aux réseaux de capteurs</a:t>
+            </a:r>
           </a:p>
         </p:txBody>
       </p:sp>
-      <p:graphicFrame>
-        <p:nvGraphicFramePr>
-          <p:cNvPr id="6" name="Diagramme 5"/>
-          <p:cNvGraphicFramePr/>
-          <p:nvPr>
-            <p:extLst>
-              <p:ext uri="{D42A27DB-BD31-4B8C-83A1-F6EECF244321}">
-                <p14:modId xmlns:p14="http://schemas.microsoft.com/office/powerpoint/2010/main" val="387939997"/>
-              </p:ext>
-            </p:extLst>
-          </p:nvPr>
-        </p:nvGraphicFramePr>
-        <p:xfrm>
-          <a:off x="457200" y="1397000"/>
-          <a:ext cx="8229600" cy="4680522"/>
-        </p:xfrm>
-        <a:graphic>
-          <a:graphicData uri="http://schemas.openxmlformats.org/drawingml/2006/diagram">
-            <dgm:relIds xmlns:dgm="http://schemas.openxmlformats.org/drawingml/2006/diagram" xmlns:r="http://schemas.openxmlformats.org/officeDocument/2006/relationships" r:dm="rId2" r:lo="rId3" r:qs="rId4" r:cs="rId5"/>
-          </a:graphicData>
-        </a:graphic>
-      </p:graphicFrame>
     </p:spTree>
     <p:extLst>
       <p:ext uri="{BB962C8B-B14F-4D97-AF65-F5344CB8AC3E}">
@@ -33735,25 +33876,6 @@
       </p:sp>
       <p:sp>
         <p:nvSpPr>
-          <p:cNvPr id="3" name="Espace réservé du texte 2"/>
-          <p:cNvSpPr>
-            <a:spLocks noGrp="1"/>
-          </p:cNvSpPr>
-          <p:nvPr>
-            <p:ph type="body" idx="1"/>
-          </p:nvPr>
-        </p:nvSpPr>
-        <p:spPr/>
-        <p:txBody>
-          <a:bodyPr/>
-          <a:lstStyle/>
-          <a:p>
-            <a:endParaRPr lang="fr-FR"/>
-          </a:p>
-        </p:txBody>
-      </p:sp>
-      <p:sp>
-        <p:nvSpPr>
           <p:cNvPr id="4" name="Espace réservé du numéro de diapositive 3"/>
           <p:cNvSpPr>
             <a:spLocks noGrp="1"/>
@@ -33785,16 +33907,12 @@
   <p:clrMapOvr>
     <a:masterClrMapping/>
   </p:clrMapOvr>
-  <mc:AlternateContent xmlns:mc="http://schemas.openxmlformats.org/markup-compatibility/2006" xmlns:p14="http://schemas.microsoft.com/office/powerpoint/2010/main">
-    <mc:Choice Requires="p14">
-      <p:transition spd="med" p14:dur="700">
-        <p:fade/>
-      </p:transition>
+  <mc:AlternateContent xmlns:mc="http://schemas.openxmlformats.org/markup-compatibility/2006">
+    <mc:Choice xmlns:p14="http://schemas.microsoft.com/office/powerpoint/2010/main" Requires="p14">
+      <p:transition p14:dur="0"/>
     </mc:Choice>
-    <mc:Fallback xmlns="">
-      <p:transition xmlns:p14="http://schemas.microsoft.com/office/powerpoint/2010/main" spd="med">
-        <p:fade/>
-      </p:transition>
+    <mc:Fallback>
+      <p:transition xmlns:p14="http://schemas.microsoft.com/office/powerpoint/2010/main"/>
     </mc:Fallback>
   </mc:AlternateContent>
   <p:timing>
@@ -33810,7 +33928,7 @@
 <file path=ppt/theme/theme1.xml><?xml version="1.0" encoding="utf-8"?>
 <a:theme xmlns:a="http://schemas.openxmlformats.org/drawingml/2006/main" name="Solstice">
   <a:themeElements>
-    <a:clrScheme name="Personnalisée 8">
+    <a:clrScheme name="Personnalisée 10">
       <a:dk1>
         <a:srgbClr val="000000"/>
       </a:dk1>
@@ -33818,7 +33936,7 @@
         <a:sysClr val="window" lastClr="FFFFFF"/>
       </a:lt1>
       <a:dk2>
-        <a:srgbClr val="4F271C"/>
+        <a:srgbClr val="5F0406"/>
       </a:dk2>
       <a:lt2>
         <a:srgbClr val="E7DEC9"/>
@@ -33830,7 +33948,7 @@
         <a:srgbClr val="FEB80A"/>
       </a:accent2>
       <a:accent3>
-        <a:srgbClr val="C32D2E"/>
+        <a:srgbClr val="B50A20"/>
       </a:accent3>
       <a:accent4>
         <a:srgbClr val="84AA33"/>

--- a/Redaction/Presentation/pres.pptx
+++ b/Redaction/Presentation/pres.pptx
@@ -398,7 +398,7 @@
                   <c:v>468.038</c:v>
                 </c:pt>
                 <c:pt idx="3">
-                  <c:v>469.9089999999997</c:v>
+                  <c:v>469.9089999999996</c:v>
                 </c:pt>
                 <c:pt idx="4">
                   <c:v>474.6669999999999</c:v>
@@ -416,7 +416,7 @@
                   <c:v>493.512</c:v>
                 </c:pt>
                 <c:pt idx="9">
-                  <c:v>510.4859999999997</c:v>
+                  <c:v>510.4859999999996</c:v>
                 </c:pt>
               </c:numCache>
             </c:numRef>
@@ -504,7 +504,7 @@
                   <c:v>483.982</c:v>
                 </c:pt>
                 <c:pt idx="6">
-                  <c:v>482.4619999999997</c:v>
+                  <c:v>482.4619999999996</c:v>
                 </c:pt>
                 <c:pt idx="7">
                   <c:v>490.4479999999999</c:v>
@@ -513,7 +513,7 @@
                   <c:v>499.326</c:v>
                 </c:pt>
                 <c:pt idx="9">
-                  <c:v>512.9429999999996</c:v>
+                  <c:v>512.9429999999994</c:v>
                 </c:pt>
               </c:numCache>
             </c:numRef>
@@ -686,7 +686,7 @@
                   <c:v>476.4479999999999</c:v>
                 </c:pt>
                 <c:pt idx="2">
-                  <c:v>475.4299999999997</c:v>
+                  <c:v>475.4299999999996</c:v>
                 </c:pt>
                 <c:pt idx="3">
                   <c:v>474.3639999999999</c:v>
@@ -821,11 +821,11 @@
         </c:dLbls>
         <c:marker val="1"/>
         <c:smooth val="0"/>
-        <c:axId val="-2037761080"/>
-        <c:axId val="-2037887800"/>
+        <c:axId val="2102660504"/>
+        <c:axId val="2102666440"/>
       </c:lineChart>
       <c:catAx>
-        <c:axId val="-2037761080"/>
+        <c:axId val="2102660504"/>
         <c:scaling>
           <c:orientation val="minMax"/>
         </c:scaling>
@@ -855,7 +855,7 @@
         <c:majorTickMark val="out"/>
         <c:minorTickMark val="none"/>
         <c:tickLblPos val="nextTo"/>
-        <c:crossAx val="-2037887800"/>
+        <c:crossAx val="2102666440"/>
         <c:crosses val="autoZero"/>
         <c:auto val="1"/>
         <c:lblAlgn val="ctr"/>
@@ -863,7 +863,7 @@
         <c:noMultiLvlLbl val="0"/>
       </c:catAx>
       <c:valAx>
-        <c:axId val="-2037887800"/>
+        <c:axId val="2102666440"/>
         <c:scaling>
           <c:orientation val="minMax"/>
           <c:max val="540.0"/>
@@ -896,7 +896,7 @@
         <c:majorTickMark val="out"/>
         <c:minorTickMark val="none"/>
         <c:tickLblPos val="nextTo"/>
-        <c:crossAx val="-2037761080"/>
+        <c:crossAx val="2102660504"/>
         <c:crosses val="autoZero"/>
         <c:crossBetween val="between"/>
       </c:valAx>
@@ -1457,11 +1457,11 @@
         </c:dLbls>
         <c:marker val="1"/>
         <c:smooth val="0"/>
-        <c:axId val="-2083250392"/>
-        <c:axId val="-2033022424"/>
+        <c:axId val="2102074968"/>
+        <c:axId val="2102080712"/>
       </c:lineChart>
       <c:catAx>
-        <c:axId val="-2083250392"/>
+        <c:axId val="2102074968"/>
         <c:scaling>
           <c:orientation val="minMax"/>
         </c:scaling>
@@ -1494,7 +1494,7 @@
         <c:majorTickMark val="out"/>
         <c:minorTickMark val="none"/>
         <c:tickLblPos val="nextTo"/>
-        <c:crossAx val="-2033022424"/>
+        <c:crossAx val="2102080712"/>
         <c:crosses val="autoZero"/>
         <c:auto val="1"/>
         <c:lblAlgn val="ctr"/>
@@ -1502,7 +1502,7 @@
         <c:noMultiLvlLbl val="0"/>
       </c:catAx>
       <c:valAx>
-        <c:axId val="-2033022424"/>
+        <c:axId val="2102080712"/>
         <c:scaling>
           <c:orientation val="minMax"/>
         </c:scaling>
@@ -1537,7 +1537,7 @@
         <c:majorTickMark val="out"/>
         <c:minorTickMark val="none"/>
         <c:tickLblPos val="nextTo"/>
-        <c:crossAx val="-2083250392"/>
+        <c:crossAx val="2102074968"/>
         <c:crosses val="autoZero"/>
         <c:crossBetween val="between"/>
       </c:valAx>
@@ -1726,7 +1726,7 @@
                   <c:v>504.074</c:v>
                 </c:pt>
                 <c:pt idx="2">
-                  <c:v>529.9169999999997</c:v>
+                  <c:v>529.9169999999996</c:v>
                 </c:pt>
                 <c:pt idx="3">
                   <c:v>496.815</c:v>
@@ -1808,7 +1808,7 @@
                   <c:v>474.0</c:v>
                 </c:pt>
                 <c:pt idx="1">
-                  <c:v>482.2959999999997</c:v>
+                  <c:v>482.2959999999996</c:v>
                 </c:pt>
                 <c:pt idx="2">
                   <c:v>492.5</c:v>
@@ -1826,7 +1826,7 @@
                   <c:v>543.8</c:v>
                 </c:pt>
                 <c:pt idx="7">
-                  <c:v>523.9469999999997</c:v>
+                  <c:v>523.9469999999995</c:v>
                 </c:pt>
               </c:numCache>
             </c:numRef>
@@ -1893,16 +1893,16 @@
                   <c:v>474.778</c:v>
                 </c:pt>
                 <c:pt idx="1">
-                  <c:v>543.8149999999997</c:v>
+                  <c:v>543.8149999999996</c:v>
                 </c:pt>
                 <c:pt idx="2">
-                  <c:v>507.2219999999997</c:v>
+                  <c:v>507.2219999999996</c:v>
                 </c:pt>
                 <c:pt idx="3">
                   <c:v>518.63</c:v>
                 </c:pt>
                 <c:pt idx="4">
-                  <c:v>541.0619999999997</c:v>
+                  <c:v>541.0619999999996</c:v>
                 </c:pt>
                 <c:pt idx="5">
                   <c:v>547.737</c:v>
@@ -1978,7 +1978,7 @@
                   <c:v>477.889</c:v>
                 </c:pt>
                 <c:pt idx="1">
-                  <c:v>494.2959999999997</c:v>
+                  <c:v>494.2959999999996</c:v>
                 </c:pt>
                 <c:pt idx="2">
                   <c:v>490.6669999999999</c:v>
@@ -1987,7 +1987,7 @@
                   <c:v>503.704</c:v>
                 </c:pt>
                 <c:pt idx="4">
-                  <c:v>508.9379999999997</c:v>
+                  <c:v>508.9379999999996</c:v>
                 </c:pt>
                 <c:pt idx="5">
                   <c:v>513.789</c:v>
@@ -1996,7 +1996,7 @@
                   <c:v>502.533</c:v>
                 </c:pt>
                 <c:pt idx="7">
-                  <c:v>557.9469999999997</c:v>
+                  <c:v>557.9469999999995</c:v>
                 </c:pt>
               </c:numCache>
             </c:numRef>
@@ -2063,10 +2063,10 @@
                   <c:v>479.778</c:v>
                 </c:pt>
                 <c:pt idx="1">
-                  <c:v>494.4809999999997</c:v>
+                  <c:v>494.4809999999996</c:v>
                 </c:pt>
                 <c:pt idx="2">
-                  <c:v>490.9719999999997</c:v>
+                  <c:v>490.9719999999996</c:v>
                 </c:pt>
                 <c:pt idx="3">
                   <c:v>504.444</c:v>
@@ -2078,7 +2078,7 @@
                   <c:v>518.895</c:v>
                 </c:pt>
                 <c:pt idx="6">
-                  <c:v>504.9329999999997</c:v>
+                  <c:v>504.9329999999996</c:v>
                 </c:pt>
                 <c:pt idx="7">
                   <c:v>557.737</c:v>
@@ -2098,11 +2098,11 @@
         </c:dLbls>
         <c:marker val="1"/>
         <c:smooth val="0"/>
-        <c:axId val="-2035823320"/>
-        <c:axId val="-2101302216"/>
+        <c:axId val="2102742632"/>
+        <c:axId val="2102748520"/>
       </c:lineChart>
       <c:catAx>
-        <c:axId val="-2035823320"/>
+        <c:axId val="2102742632"/>
         <c:scaling>
           <c:orientation val="minMax"/>
         </c:scaling>
@@ -2136,7 +2136,7 @@
         <c:majorTickMark val="out"/>
         <c:minorTickMark val="none"/>
         <c:tickLblPos val="nextTo"/>
-        <c:crossAx val="-2101302216"/>
+        <c:crossAx val="2102748520"/>
         <c:crosses val="autoZero"/>
         <c:auto val="1"/>
         <c:lblAlgn val="ctr"/>
@@ -2144,7 +2144,7 @@
         <c:noMultiLvlLbl val="0"/>
       </c:catAx>
       <c:valAx>
-        <c:axId val="-2101302216"/>
+        <c:axId val="2102748520"/>
         <c:scaling>
           <c:orientation val="minMax"/>
           <c:max val="650.0"/>
@@ -2181,7 +2181,7 @@
         <c:majorTickMark val="out"/>
         <c:minorTickMark val="none"/>
         <c:tickLblPos val="nextTo"/>
-        <c:crossAx val="-2035823320"/>
+        <c:crossAx val="2102742632"/>
         <c:crosses val="autoZero"/>
         <c:crossBetween val="between"/>
       </c:valAx>
@@ -2400,7 +2400,7 @@
                   <c:v>574.288</c:v>
                 </c:pt>
                 <c:pt idx="3">
-                  <c:v>582.4559999999997</c:v>
+                  <c:v>582.4559999999996</c:v>
                 </c:pt>
                 <c:pt idx="4">
                   <c:v>583.625</c:v>
@@ -2421,7 +2421,7 @@
                   <c:v>590.375</c:v>
                 </c:pt>
                 <c:pt idx="10">
-                  <c:v>610.8619999999995</c:v>
+                  <c:v>610.8619999999993</c:v>
                 </c:pt>
               </c:numCache>
             </c:numRef>
@@ -2494,10 +2494,10 @@
                 <c:formatCode>General</c:formatCode>
                 <c:ptCount val="11"/>
                 <c:pt idx="0">
-                  <c:v>568.8359999999997</c:v>
+                  <c:v>568.8359999999996</c:v>
                 </c:pt>
                 <c:pt idx="1">
-                  <c:v>572.8489999999997</c:v>
+                  <c:v>572.8489999999996</c:v>
                 </c:pt>
                 <c:pt idx="2">
                   <c:v>573.119</c:v>
@@ -2512,16 +2512,16 @@
                   <c:v>593.625</c:v>
                 </c:pt>
                 <c:pt idx="6">
-                  <c:v>596.4679999999994</c:v>
+                  <c:v>596.4679999999993</c:v>
                 </c:pt>
                 <c:pt idx="7">
-                  <c:v>601.0259999999996</c:v>
+                  <c:v>601.0259999999995</c:v>
                 </c:pt>
                 <c:pt idx="8">
                   <c:v>597.038</c:v>
                 </c:pt>
                 <c:pt idx="9">
-                  <c:v>596.4379999999996</c:v>
+                  <c:v>596.4379999999994</c:v>
                 </c:pt>
                 <c:pt idx="10">
                   <c:v>613.069</c:v>
@@ -2612,7 +2612,7 @@
                   <c:v>588.396</c:v>
                 </c:pt>
                 <c:pt idx="5">
-                  <c:v>595.8539999999997</c:v>
+                  <c:v>595.8539999999996</c:v>
                 </c:pt>
                 <c:pt idx="6">
                   <c:v>592.975</c:v>
@@ -2624,7 +2624,7 @@
                   <c:v>598.434</c:v>
                 </c:pt>
                 <c:pt idx="9">
-                  <c:v>614.5619999999997</c:v>
+                  <c:v>614.5619999999996</c:v>
                 </c:pt>
                 <c:pt idx="10">
                   <c:v>631.414</c:v>
@@ -2700,7 +2700,7 @@
                 <c:formatCode>General</c:formatCode>
                 <c:ptCount val="11"/>
                 <c:pt idx="0">
-                  <c:v>564.5069999999996</c:v>
+                  <c:v>564.5069999999995</c:v>
                 </c:pt>
                 <c:pt idx="1">
                   <c:v>567.084</c:v>
@@ -2709,13 +2709,13 @@
                   <c:v>567.576</c:v>
                 </c:pt>
                 <c:pt idx="3">
-                  <c:v>571.2329999999996</c:v>
+                  <c:v>571.2329999999995</c:v>
                 </c:pt>
                 <c:pt idx="4">
                   <c:v>572.021</c:v>
                 </c:pt>
                 <c:pt idx="5">
-                  <c:v>574.6669999999997</c:v>
+                  <c:v>574.6669999999996</c:v>
                 </c:pt>
                 <c:pt idx="6">
                   <c:v>575.886</c:v>
@@ -2806,13 +2806,13 @@
                   <c:v>565.575</c:v>
                 </c:pt>
                 <c:pt idx="1">
-                  <c:v>568.3279999999995</c:v>
+                  <c:v>568.3279999999993</c:v>
                 </c:pt>
                 <c:pt idx="2">
-                  <c:v>568.5419999999997</c:v>
+                  <c:v>568.5419999999996</c:v>
                 </c:pt>
                 <c:pt idx="3">
-                  <c:v>571.8539999999997</c:v>
+                  <c:v>571.8539999999996</c:v>
                 </c:pt>
                 <c:pt idx="4">
                   <c:v>573.104</c:v>
@@ -2821,7 +2821,7 @@
                   <c:v>576.25</c:v>
                 </c:pt>
                 <c:pt idx="6">
-                  <c:v>578.8479999999994</c:v>
+                  <c:v>578.8479999999993</c:v>
                 </c:pt>
                 <c:pt idx="7">
                   <c:v>578.789</c:v>
@@ -2830,10 +2830,10 @@
                   <c:v>581.1130000000001</c:v>
                 </c:pt>
                 <c:pt idx="9">
-                  <c:v>576.9379999999996</c:v>
+                  <c:v>576.9379999999994</c:v>
                 </c:pt>
                 <c:pt idx="10">
-                  <c:v>591.4829999999996</c:v>
+                  <c:v>591.4829999999995</c:v>
                 </c:pt>
               </c:numCache>
             </c:numRef>
@@ -2850,11 +2850,11 @@
         </c:dLbls>
         <c:marker val="1"/>
         <c:smooth val="0"/>
-        <c:axId val="-2034923848"/>
-        <c:axId val="-2034918120"/>
+        <c:axId val="2102221576"/>
+        <c:axId val="2102227304"/>
       </c:lineChart>
       <c:catAx>
-        <c:axId val="-2034923848"/>
+        <c:axId val="2102221576"/>
         <c:scaling>
           <c:orientation val="minMax"/>
         </c:scaling>
@@ -2887,7 +2887,7 @@
         <c:majorTickMark val="out"/>
         <c:minorTickMark val="none"/>
         <c:tickLblPos val="nextTo"/>
-        <c:crossAx val="-2034918120"/>
+        <c:crossAx val="2102227304"/>
         <c:crosses val="autoZero"/>
         <c:auto val="1"/>
         <c:lblAlgn val="ctr"/>
@@ -2895,7 +2895,7 @@
         <c:noMultiLvlLbl val="0"/>
       </c:catAx>
       <c:valAx>
-        <c:axId val="-2034918120"/>
+        <c:axId val="2102227304"/>
         <c:scaling>
           <c:orientation val="minMax"/>
           <c:min val="550.0"/>
@@ -2931,7 +2931,7 @@
         <c:majorTickMark val="out"/>
         <c:minorTickMark val="none"/>
         <c:tickLblPos val="nextTo"/>
-        <c:crossAx val="-2034923848"/>
+        <c:crossAx val="2102221576"/>
         <c:crosses val="autoZero"/>
         <c:crossBetween val="between"/>
       </c:valAx>
@@ -3147,7 +3147,7 @@
                   <c:v>908.111</c:v>
                 </c:pt>
                 <c:pt idx="2">
-                  <c:v>995.6669999999997</c:v>
+                  <c:v>995.6669999999996</c:v>
                 </c:pt>
                 <c:pt idx="3">
                   <c:v>904.429</c:v>
@@ -3168,7 +3168,7 @@
                   <c:v>949.0</c:v>
                 </c:pt>
                 <c:pt idx="9">
-                  <c:v>907.3639999999997</c:v>
+                  <c:v>907.3639999999996</c:v>
                 </c:pt>
                 <c:pt idx="10">
                   <c:v>893.4</c:v>
@@ -3262,7 +3262,7 @@
                   <c:v>1013.0</c:v>
                 </c:pt>
                 <c:pt idx="6">
-                  <c:v>988.8179999999996</c:v>
+                  <c:v>988.8179999999994</c:v>
                 </c:pt>
                 <c:pt idx="7">
                   <c:v>1021.63</c:v>
@@ -3600,11 +3600,11 @@
         </c:dLbls>
         <c:marker val="1"/>
         <c:smooth val="0"/>
-        <c:axId val="-2100150120"/>
-        <c:axId val="-2037689912"/>
+        <c:axId val="2102903656"/>
+        <c:axId val="2102909544"/>
       </c:lineChart>
       <c:catAx>
-        <c:axId val="-2100150120"/>
+        <c:axId val="2102903656"/>
         <c:scaling>
           <c:orientation val="minMax"/>
         </c:scaling>
@@ -3638,7 +3638,7 @@
         <c:majorTickMark val="out"/>
         <c:minorTickMark val="none"/>
         <c:tickLblPos val="nextTo"/>
-        <c:crossAx val="-2037689912"/>
+        <c:crossAx val="2102909544"/>
         <c:crosses val="autoZero"/>
         <c:auto val="1"/>
         <c:lblAlgn val="ctr"/>
@@ -3646,7 +3646,7 @@
         <c:noMultiLvlLbl val="0"/>
       </c:catAx>
       <c:valAx>
-        <c:axId val="-2037689912"/>
+        <c:axId val="2102909544"/>
         <c:scaling>
           <c:orientation val="minMax"/>
         </c:scaling>
@@ -3677,7 +3677,7 @@
         <c:majorTickMark val="out"/>
         <c:minorTickMark val="none"/>
         <c:tickLblPos val="nextTo"/>
-        <c:crossAx val="-2100150120"/>
+        <c:crossAx val="2102903656"/>
         <c:crosses val="autoZero"/>
         <c:crossBetween val="between"/>
       </c:valAx>
@@ -3925,7 +3925,7 @@
                   <c:v>625.0</c:v>
                 </c:pt>
                 <c:pt idx="1">
-                  <c:v>607.8569999999995</c:v>
+                  <c:v>607.8569999999993</c:v>
                 </c:pt>
                 <c:pt idx="2">
                   <c:v>633.768</c:v>
@@ -3952,10 +3952,10 @@
                   <c:v>641.444</c:v>
                 </c:pt>
                 <c:pt idx="10">
-                  <c:v>597.9169999999997</c:v>
+                  <c:v>597.9169999999996</c:v>
                 </c:pt>
                 <c:pt idx="11">
-                  <c:v>609.9569999999997</c:v>
+                  <c:v>609.9569999999995</c:v>
                 </c:pt>
                 <c:pt idx="12">
                   <c:v>605.571</c:v>
@@ -4052,7 +4052,7 @@
                   <c:v>577.4</c:v>
                 </c:pt>
                 <c:pt idx="1">
-                  <c:v>579.3429999999994</c:v>
+                  <c:v>579.3429999999993</c:v>
                 </c:pt>
                 <c:pt idx="2">
                   <c:v>585.5890000000001</c:v>
@@ -4061,10 +4061,10 @@
                   <c:v>596.9640000000001</c:v>
                 </c:pt>
                 <c:pt idx="4">
-                  <c:v>600.9779999999996</c:v>
+                  <c:v>600.9779999999995</c:v>
                 </c:pt>
                 <c:pt idx="5">
-                  <c:v>603.3109999999997</c:v>
+                  <c:v>603.3109999999996</c:v>
                 </c:pt>
                 <c:pt idx="6">
                   <c:v>621.519</c:v>
@@ -4088,7 +4088,7 @@
                   <c:v>645.571</c:v>
                 </c:pt>
                 <c:pt idx="13">
-                  <c:v>614.3329999999995</c:v>
+                  <c:v>614.3329999999993</c:v>
                 </c:pt>
                 <c:pt idx="14">
                   <c:v>599.0</c:v>
@@ -4179,7 +4179,7 @@
                   <c:v>590.6</c:v>
                 </c:pt>
                 <c:pt idx="1">
-                  <c:v>575.9429999999996</c:v>
+                  <c:v>575.9429999999994</c:v>
                 </c:pt>
                 <c:pt idx="2">
                   <c:v>582.804</c:v>
@@ -4188,19 +4188,19 @@
                   <c:v>594.018</c:v>
                 </c:pt>
                 <c:pt idx="4">
-                  <c:v>592.5269999999997</c:v>
+                  <c:v>592.5269999999996</c:v>
                 </c:pt>
                 <c:pt idx="5">
-                  <c:v>657.8439999999997</c:v>
+                  <c:v>657.8439999999996</c:v>
                 </c:pt>
                 <c:pt idx="6">
-                  <c:v>635.8399999999997</c:v>
+                  <c:v>635.8399999999996</c:v>
                 </c:pt>
                 <c:pt idx="7">
                   <c:v>739.576</c:v>
                 </c:pt>
                 <c:pt idx="8">
-                  <c:v>737.8119999999997</c:v>
+                  <c:v>737.8119999999996</c:v>
                 </c:pt>
                 <c:pt idx="9">
                   <c:v>689.178</c:v>
@@ -4215,7 +4215,7 @@
                   <c:v>627.286</c:v>
                 </c:pt>
                 <c:pt idx="13">
-                  <c:v>884.3329999999995</c:v>
+                  <c:v>884.3329999999993</c:v>
                 </c:pt>
                 <c:pt idx="14">
                   <c:v>635.0</c:v>
@@ -4306,7 +4306,7 @@
                   <c:v>597.8</c:v>
                 </c:pt>
                 <c:pt idx="1">
-                  <c:v>572.4569999999997</c:v>
+                  <c:v>572.4569999999995</c:v>
                 </c:pt>
                 <c:pt idx="2">
                   <c:v>577.2140000000001</c:v>
@@ -4318,7 +4318,7 @@
                   <c:v>587.28</c:v>
                 </c:pt>
                 <c:pt idx="5">
-                  <c:v>591.9109999999996</c:v>
+                  <c:v>591.9109999999995</c:v>
                 </c:pt>
                 <c:pt idx="6">
                   <c:v>601.272</c:v>
@@ -4330,19 +4330,19 @@
                   <c:v>622.159</c:v>
                 </c:pt>
                 <c:pt idx="9">
-                  <c:v>614.9559999999997</c:v>
+                  <c:v>614.9559999999996</c:v>
                 </c:pt>
                 <c:pt idx="10">
-                  <c:v>635.3329999999995</c:v>
+                  <c:v>635.3329999999993</c:v>
                 </c:pt>
                 <c:pt idx="11">
-                  <c:v>670.4779999999996</c:v>
+                  <c:v>670.4779999999995</c:v>
                 </c:pt>
                 <c:pt idx="12">
                   <c:v>624.7140000000001</c:v>
                 </c:pt>
                 <c:pt idx="13">
-                  <c:v>602.3329999999995</c:v>
+                  <c:v>602.3329999999993</c:v>
                 </c:pt>
                 <c:pt idx="14">
                   <c:v>633.0</c:v>
@@ -4439,16 +4439,16 @@
                   <c:v>578.0</c:v>
                 </c:pt>
                 <c:pt idx="3">
-                  <c:v>585.8549999999997</c:v>
+                  <c:v>585.8549999999996</c:v>
                 </c:pt>
                 <c:pt idx="4">
                   <c:v>586.742</c:v>
                 </c:pt>
                 <c:pt idx="5">
-                  <c:v>593.0219999999997</c:v>
+                  <c:v>593.0219999999996</c:v>
                 </c:pt>
                 <c:pt idx="6">
-                  <c:v>602.8519999999995</c:v>
+                  <c:v>602.8519999999993</c:v>
                 </c:pt>
                 <c:pt idx="7">
                   <c:v>615.485</c:v>
@@ -4460,16 +4460,16 @@
                   <c:v>614.378</c:v>
                 </c:pt>
                 <c:pt idx="10">
-                  <c:v>628.4169999999997</c:v>
+                  <c:v>628.4169999999996</c:v>
                 </c:pt>
                 <c:pt idx="11">
-                  <c:v>684.8259999999997</c:v>
+                  <c:v>684.8259999999996</c:v>
                 </c:pt>
                 <c:pt idx="12">
                   <c:v>624.7140000000001</c:v>
                 </c:pt>
                 <c:pt idx="13">
-                  <c:v>602.3329999999995</c:v>
+                  <c:v>602.3329999999993</c:v>
                 </c:pt>
                 <c:pt idx="14">
                   <c:v>629.0</c:v>
@@ -4489,11 +4489,11 @@
         </c:dLbls>
         <c:marker val="1"/>
         <c:smooth val="0"/>
-        <c:axId val="-2036512776"/>
-        <c:axId val="-2038397128"/>
+        <c:axId val="2102952840"/>
+        <c:axId val="2102955976"/>
       </c:lineChart>
       <c:catAx>
-        <c:axId val="-2036512776"/>
+        <c:axId val="2102952840"/>
         <c:scaling>
           <c:orientation val="minMax"/>
         </c:scaling>
@@ -4503,7 +4503,7 @@
         <c:majorTickMark val="out"/>
         <c:minorTickMark val="none"/>
         <c:tickLblPos val="nextTo"/>
-        <c:crossAx val="-2038397128"/>
+        <c:crossAx val="2102955976"/>
         <c:crosses val="autoZero"/>
         <c:auto val="1"/>
         <c:lblAlgn val="ctr"/>
@@ -4511,7 +4511,7 @@
         <c:noMultiLvlLbl val="0"/>
       </c:catAx>
       <c:valAx>
-        <c:axId val="-2038397128"/>
+        <c:axId val="2102955976"/>
         <c:scaling>
           <c:orientation val="minMax"/>
           <c:min val="550.0"/>
@@ -4523,7 +4523,7 @@
         <c:majorTickMark val="out"/>
         <c:minorTickMark val="none"/>
         <c:tickLblPos val="nextTo"/>
-        <c:crossAx val="-2036512776"/>
+        <c:crossAx val="2102952840"/>
         <c:crosses val="autoZero"/>
         <c:crossBetween val="between"/>
       </c:valAx>
@@ -5631,21 +5631,21 @@
     </dgm:pt>
   </dgm:ptLst>
   <dgm:cxnLst>
+    <dgm:cxn modelId="{BD289E23-9AEB-1545-8121-FFED29DF8A76}" type="presOf" srcId="{EBD4001C-B961-5540-8C87-277869C67930}" destId="{D2B7ABDE-DC5D-CC43-A304-27801E8F3934}" srcOrd="1" destOrd="0" presId="urn:microsoft.com/office/officeart/2005/8/layout/radial5"/>
+    <dgm:cxn modelId="{5EF9709A-DAC0-EE4B-8557-4C53B4B56380}" type="presOf" srcId="{7DA216F7-B61A-644F-9E41-4844BDF2E1EB}" destId="{9AF44D55-8614-3B46-93BF-F278C02874B0}" srcOrd="0" destOrd="0" presId="urn:microsoft.com/office/officeart/2005/8/layout/radial5"/>
+    <dgm:cxn modelId="{20D7BF27-E99E-774C-A330-14F0528895CF}" type="presOf" srcId="{EC3D84DF-2E4A-914D-8008-A16D5583089F}" destId="{2D39C667-17DD-D243-BBEF-E694A5E11B6F}" srcOrd="0" destOrd="0" presId="urn:microsoft.com/office/officeart/2005/8/layout/radial5"/>
     <dgm:cxn modelId="{3CF9BB7A-5A06-2847-8A99-D91FA18D9AFA}" type="presOf" srcId="{5304632D-3534-014E-A773-191A91505663}" destId="{28E9526E-7B0C-9143-A850-585B8E0E2207}" srcOrd="0" destOrd="0" presId="urn:microsoft.com/office/officeart/2005/8/layout/radial5"/>
+    <dgm:cxn modelId="{981409B1-430A-F64D-A631-F9C5F731F273}" type="presOf" srcId="{EBD4001C-B961-5540-8C87-277869C67930}" destId="{443AD5A5-74EA-D84C-A21D-7D9663E3D147}" srcOrd="0" destOrd="0" presId="urn:microsoft.com/office/officeart/2005/8/layout/radial5"/>
+    <dgm:cxn modelId="{88714B9B-4491-1648-BFA5-9908FC612FF9}" type="presOf" srcId="{1A6F2230-7FF1-784D-8943-FAFBB5BD867E}" destId="{EFF2F8AC-1F1B-6D4D-8C29-AE41441F26F7}" srcOrd="0" destOrd="0" presId="urn:microsoft.com/office/officeart/2005/8/layout/radial5"/>
+    <dgm:cxn modelId="{1F426276-401F-6548-A04B-6E549D314F44}" srcId="{EC3D84DF-2E4A-914D-8008-A16D5583089F}" destId="{B7BB0103-7E47-DD47-A685-FB155C9A07EE}" srcOrd="0" destOrd="0" parTransId="{187E3820-FDBD-A14B-8D53-13DEEA190D85}" sibTransId="{07DE391C-36DC-2347-ACDE-6F70ECD1194A}"/>
+    <dgm:cxn modelId="{DA6D3E26-D7CA-AD40-9EAA-FB53CCDC295A}" srcId="{B7BB0103-7E47-DD47-A685-FB155C9A07EE}" destId="{7DA216F7-B61A-644F-9E41-4844BDF2E1EB}" srcOrd="1" destOrd="0" parTransId="{EE98EBD2-B01C-AC47-87D6-306A993857F7}" sibTransId="{40828377-F63C-7147-AD5C-8E259A94515F}"/>
     <dgm:cxn modelId="{D1A37C89-99F7-8646-9954-2A9040E91DE6}" type="presOf" srcId="{B7BB0103-7E47-DD47-A685-FB155C9A07EE}" destId="{5DD8E76F-190F-AE4D-8F4D-4BB2AADB5179}" srcOrd="0" destOrd="0" presId="urn:microsoft.com/office/officeart/2005/8/layout/radial5"/>
     <dgm:cxn modelId="{182F8A36-DF71-514D-A4DB-02C0E52C9E27}" srcId="{B7BB0103-7E47-DD47-A685-FB155C9A07EE}" destId="{80CDC2A9-E114-4E4E-97DA-E5A6E9106C0D}" srcOrd="2" destOrd="0" parTransId="{EBD4001C-B961-5540-8C87-277869C67930}" sibTransId="{23331D01-66FE-2F4E-9D58-79CD274B6161}"/>
-    <dgm:cxn modelId="{1F426276-401F-6548-A04B-6E549D314F44}" srcId="{EC3D84DF-2E4A-914D-8008-A16D5583089F}" destId="{B7BB0103-7E47-DD47-A685-FB155C9A07EE}" srcOrd="0" destOrd="0" parTransId="{187E3820-FDBD-A14B-8D53-13DEEA190D85}" sibTransId="{07DE391C-36DC-2347-ACDE-6F70ECD1194A}"/>
-    <dgm:cxn modelId="{5EF9709A-DAC0-EE4B-8557-4C53B4B56380}" type="presOf" srcId="{7DA216F7-B61A-644F-9E41-4844BDF2E1EB}" destId="{9AF44D55-8614-3B46-93BF-F278C02874B0}" srcOrd="0" destOrd="0" presId="urn:microsoft.com/office/officeart/2005/8/layout/radial5"/>
-    <dgm:cxn modelId="{B42444B2-648E-4449-96AD-FC3B788CF0E4}" type="presOf" srcId="{EE98EBD2-B01C-AC47-87D6-306A993857F7}" destId="{54DC7B13-44EC-FF49-A46D-55A02B76FE87}" srcOrd="0" destOrd="0" presId="urn:microsoft.com/office/officeart/2005/8/layout/radial5"/>
-    <dgm:cxn modelId="{88714B9B-4491-1648-BFA5-9908FC612FF9}" type="presOf" srcId="{1A6F2230-7FF1-784D-8943-FAFBB5BD867E}" destId="{EFF2F8AC-1F1B-6D4D-8C29-AE41441F26F7}" srcOrd="0" destOrd="0" presId="urn:microsoft.com/office/officeart/2005/8/layout/radial5"/>
-    <dgm:cxn modelId="{981409B1-430A-F64D-A631-F9C5F731F273}" type="presOf" srcId="{EBD4001C-B961-5540-8C87-277869C67930}" destId="{443AD5A5-74EA-D84C-A21D-7D9663E3D147}" srcOrd="0" destOrd="0" presId="urn:microsoft.com/office/officeart/2005/8/layout/radial5"/>
+    <dgm:cxn modelId="{06BD377A-1813-9A43-8E47-E01E784BE70D}" type="presOf" srcId="{80CDC2A9-E114-4E4E-97DA-E5A6E9106C0D}" destId="{E6336081-3369-9448-A37D-3542AC02AA41}" srcOrd="0" destOrd="0" presId="urn:microsoft.com/office/officeart/2005/8/layout/radial5"/>
     <dgm:cxn modelId="{41055DA1-11F4-F44D-8A2D-65078C273C86}" srcId="{B7BB0103-7E47-DD47-A685-FB155C9A07EE}" destId="{1A6F2230-7FF1-784D-8943-FAFBB5BD867E}" srcOrd="0" destOrd="0" parTransId="{5304632D-3534-014E-A773-191A91505663}" sibTransId="{18929EFA-1674-8D49-BFC2-4A2E5D4308B5}"/>
     <dgm:cxn modelId="{21A54FB8-9CA2-2343-945D-5B2902E5F5E8}" type="presOf" srcId="{5304632D-3534-014E-A773-191A91505663}" destId="{F6EB97ED-B6B4-4241-B774-3B7059FCFB8A}" srcOrd="1" destOrd="0" presId="urn:microsoft.com/office/officeart/2005/8/layout/radial5"/>
+    <dgm:cxn modelId="{B42444B2-648E-4449-96AD-FC3B788CF0E4}" type="presOf" srcId="{EE98EBD2-B01C-AC47-87D6-306A993857F7}" destId="{54DC7B13-44EC-FF49-A46D-55A02B76FE87}" srcOrd="0" destOrd="0" presId="urn:microsoft.com/office/officeart/2005/8/layout/radial5"/>
     <dgm:cxn modelId="{7ED21C30-811C-3644-A272-51AA029DED4E}" type="presOf" srcId="{EE98EBD2-B01C-AC47-87D6-306A993857F7}" destId="{F9C9631B-0A4E-8840-BB52-87B441B80EB5}" srcOrd="1" destOrd="0" presId="urn:microsoft.com/office/officeart/2005/8/layout/radial5"/>
-    <dgm:cxn modelId="{BD289E23-9AEB-1545-8121-FFED29DF8A76}" type="presOf" srcId="{EBD4001C-B961-5540-8C87-277869C67930}" destId="{D2B7ABDE-DC5D-CC43-A304-27801E8F3934}" srcOrd="1" destOrd="0" presId="urn:microsoft.com/office/officeart/2005/8/layout/radial5"/>
-    <dgm:cxn modelId="{06BD377A-1813-9A43-8E47-E01E784BE70D}" type="presOf" srcId="{80CDC2A9-E114-4E4E-97DA-E5A6E9106C0D}" destId="{E6336081-3369-9448-A37D-3542AC02AA41}" srcOrd="0" destOrd="0" presId="urn:microsoft.com/office/officeart/2005/8/layout/radial5"/>
-    <dgm:cxn modelId="{20D7BF27-E99E-774C-A330-14F0528895CF}" type="presOf" srcId="{EC3D84DF-2E4A-914D-8008-A16D5583089F}" destId="{2D39C667-17DD-D243-BBEF-E694A5E11B6F}" srcOrd="0" destOrd="0" presId="urn:microsoft.com/office/officeart/2005/8/layout/radial5"/>
-    <dgm:cxn modelId="{DA6D3E26-D7CA-AD40-9EAA-FB53CCDC295A}" srcId="{B7BB0103-7E47-DD47-A685-FB155C9A07EE}" destId="{7DA216F7-B61A-644F-9E41-4844BDF2E1EB}" srcOrd="1" destOrd="0" parTransId="{EE98EBD2-B01C-AC47-87D6-306A993857F7}" sibTransId="{40828377-F63C-7147-AD5C-8E259A94515F}"/>
     <dgm:cxn modelId="{D454D5EA-D415-0940-841D-9AF66E1C32C1}" type="presParOf" srcId="{2D39C667-17DD-D243-BBEF-E694A5E11B6F}" destId="{5DD8E76F-190F-AE4D-8F4D-4BB2AADB5179}" srcOrd="0" destOrd="0" presId="urn:microsoft.com/office/officeart/2005/8/layout/radial5"/>
     <dgm:cxn modelId="{758DD4F6-D5C5-1B47-AEAA-8A9B5ED271C1}" type="presParOf" srcId="{2D39C667-17DD-D243-BBEF-E694A5E11B6F}" destId="{28E9526E-7B0C-9143-A850-585B8E0E2207}" srcOrd="1" destOrd="0" presId="urn:microsoft.com/office/officeart/2005/8/layout/radial5"/>
     <dgm:cxn modelId="{0E9F40F2-2A10-F442-B672-458B50589287}" type="presParOf" srcId="{28E9526E-7B0C-9143-A850-585B8E0E2207}" destId="{F6EB97ED-B6B4-4241-B774-3B7059FCFB8A}" srcOrd="0" destOrd="0" presId="urn:microsoft.com/office/officeart/2005/8/layout/radial5"/>
@@ -14800,7 +14800,6 @@
               <a:rPr lang="fr-FR"/>
               <a:t>Pas d’ajout de capteur</a:t>
             </a:r>
-            <a:endParaRPr lang="fr-FR"/>
           </a:p>
           <a:p>
             <a:pPr>
@@ -14920,15 +14919,7 @@
             </a:r>
             <a:r>
               <a:rPr lang="fr-FR" sz="2400"/>
-              <a:t>∈V |</a:t>
-            </a:r>
-            <a:r>
-              <a:rPr lang="fr-FR" sz="2400"/>
-              <a:t>∃c=</a:t>
-            </a:r>
-            <a:r>
-              <a:rPr lang="fr-FR" sz="2400"/>
-              <a:t>(u</a:t>
+              <a:t>∈V |∃c=(u</a:t>
             </a:r>
             <a:r>
               <a:rPr lang="fr-FR" sz="2400" baseline="-25000"/>
@@ -14960,19 +14951,7 @@
             </a:r>
             <a:r>
               <a:rPr lang="fr-FR" sz="2400"/>
-              <a:t>) ∈E,∀</a:t>
-            </a:r>
-            <a:r>
-              <a:rPr lang="fr-FR" sz="2400"/>
-              <a:t>i</a:t>
-            </a:r>
-            <a:r>
-              <a:rPr lang="fr-FR" sz="2400"/>
-              <a:t>∈</a:t>
-            </a:r>
-            <a:r>
-              <a:rPr lang="fr-FR" sz="2400"/>
-              <a:t>{1,…,k}}</a:t>
+              <a:t>) ∈E,∀i∈{1,…,k}}</a:t>
             </a:r>
           </a:p>
         </p:txBody>
@@ -30982,18 +30961,7 @@
                   </a:schemeClr>
                 </a:solidFill>
               </a:rPr>
-              <a:t> B</a:t>
-            </a:r>
-            <a:r>
-              <a:rPr lang="fr-FR" dirty="0">
-                <a:solidFill>
-                  <a:schemeClr val="tx1">
-                    <a:lumMod val="75000"/>
-                    <a:lumOff val="25000"/>
-                  </a:schemeClr>
-                </a:solidFill>
-              </a:rPr>
-              <a:t>roadcast Oriented Protocol (RBOP)</a:t>
+              <a:t> Broadcast Oriented Protocol (RBOP)</a:t>
             </a:r>
           </a:p>
           <a:p>
@@ -31029,7 +30997,6 @@
               <a:rPr lang="fr-FR"/>
               <a:t>Relative Neighborhood Graph</a:t>
             </a:r>
-            <a:endParaRPr lang="fr-FR"/>
           </a:p>
         </p:txBody>
       </p:sp>
@@ -36417,6 +36384,27 @@
               <a:t>Diffuser le message</a:t>
             </a:r>
           </a:p>
+          <a:p>
+            <a:endParaRPr lang="fr-FR" dirty="0"/>
+          </a:p>
+          <a:p>
+            <a:endParaRPr lang="fr-FR" dirty="0"/>
+          </a:p>
+          <a:p>
+            <a:endParaRPr lang="fr-FR" dirty="0"/>
+          </a:p>
+          <a:p>
+            <a:endParaRPr lang="fr-FR" dirty="0"/>
+          </a:p>
+          <a:p>
+            <a:endParaRPr lang="fr-FR" dirty="0"/>
+          </a:p>
+          <a:p>
+            <a:r>
+              <a:rPr lang="fr-FR" dirty="0"/>
+              <a:t>Tous les nœuds couverts</a:t>
+            </a:r>
+          </a:p>
         </p:txBody>
       </p:sp>
       <p:sp>
@@ -38781,13 +38769,13 @@
       </p:sp>
       <p:sp>
         <p:nvSpPr>
-          <p:cNvPr id="8" name="Ellipse 7"/>
+          <p:cNvPr id="24" name="Ellipse 23"/>
           <p:cNvSpPr/>
           <p:nvPr/>
         </p:nvSpPr>
         <p:spPr>
           <a:xfrm>
-            <a:off x="4215706" y="2537586"/>
+            <a:off x="4286581" y="2535812"/>
             <a:ext cx="4460750" cy="4222124"/>
           </a:xfrm>
           <a:prstGeom prst="ellipse">
@@ -38824,13 +38812,13 @@
       </p:sp>
       <p:sp>
         <p:nvSpPr>
-          <p:cNvPr id="9" name="Ellipse 8"/>
+          <p:cNvPr id="25" name="Ellipse 24"/>
           <p:cNvSpPr/>
           <p:nvPr/>
         </p:nvSpPr>
         <p:spPr>
           <a:xfrm>
-            <a:off x="5919856" y="3685383"/>
+            <a:off x="5990731" y="3683609"/>
             <a:ext cx="428293" cy="407558"/>
           </a:xfrm>
           <a:prstGeom prst="ellipse">
@@ -38868,13 +38856,13 @@
       </p:sp>
       <p:sp>
         <p:nvSpPr>
-          <p:cNvPr id="10" name="Ellipse 9"/>
+          <p:cNvPr id="26" name="Ellipse 25"/>
           <p:cNvSpPr/>
           <p:nvPr/>
         </p:nvSpPr>
         <p:spPr>
           <a:xfrm>
-            <a:off x="6383359" y="3182830"/>
+            <a:off x="6454234" y="3181056"/>
             <a:ext cx="428293" cy="407558"/>
           </a:xfrm>
           <a:prstGeom prst="ellipse">
@@ -38912,13 +38900,13 @@
       </p:sp>
       <p:sp>
         <p:nvSpPr>
-          <p:cNvPr id="11" name="Ellipse 10"/>
+          <p:cNvPr id="27" name="Ellipse 26"/>
           <p:cNvSpPr/>
           <p:nvPr/>
         </p:nvSpPr>
         <p:spPr>
           <a:xfrm>
-            <a:off x="5172471" y="2941905"/>
+            <a:off x="5243346" y="2940131"/>
             <a:ext cx="428293" cy="407558"/>
           </a:xfrm>
           <a:prstGeom prst="ellipse">
@@ -38956,13 +38944,13 @@
       </p:sp>
       <p:sp>
         <p:nvSpPr>
-          <p:cNvPr id="12" name="Ellipse 11"/>
+          <p:cNvPr id="28" name="Ellipse 27"/>
           <p:cNvSpPr/>
           <p:nvPr/>
         </p:nvSpPr>
         <p:spPr>
           <a:xfrm>
-            <a:off x="5494491" y="5022181"/>
+            <a:off x="5565366" y="5020407"/>
             <a:ext cx="428293" cy="407558"/>
           </a:xfrm>
           <a:prstGeom prst="ellipse">
@@ -39000,13 +38988,13 @@
       </p:sp>
       <p:sp>
         <p:nvSpPr>
-          <p:cNvPr id="13" name="Ellipse 12"/>
+          <p:cNvPr id="29" name="Ellipse 28"/>
           <p:cNvSpPr/>
           <p:nvPr/>
         </p:nvSpPr>
         <p:spPr>
           <a:xfrm>
-            <a:off x="6231934" y="4444869"/>
+            <a:off x="6302809" y="4443095"/>
             <a:ext cx="428293" cy="407558"/>
           </a:xfrm>
           <a:prstGeom prst="ellipse">
@@ -39044,13 +39032,13 @@
       </p:sp>
       <p:sp>
         <p:nvSpPr>
-          <p:cNvPr id="14" name="Ellipse 13"/>
+          <p:cNvPr id="30" name="Ellipse 29"/>
           <p:cNvSpPr/>
           <p:nvPr/>
         </p:nvSpPr>
         <p:spPr>
           <a:xfrm>
-            <a:off x="7324556" y="4751269"/>
+            <a:off x="7395431" y="4749495"/>
             <a:ext cx="428293" cy="407558"/>
           </a:xfrm>
           <a:prstGeom prst="ellipse">
@@ -39088,13 +39076,13 @@
       </p:sp>
       <p:sp>
         <p:nvSpPr>
-          <p:cNvPr id="15" name="Ellipse 14"/>
+          <p:cNvPr id="31" name="Ellipse 30"/>
           <p:cNvSpPr/>
           <p:nvPr/>
         </p:nvSpPr>
         <p:spPr>
           <a:xfrm>
-            <a:off x="8015884" y="5429739"/>
+            <a:off x="8086759" y="5427965"/>
             <a:ext cx="428293" cy="407558"/>
           </a:xfrm>
           <a:prstGeom prst="ellipse">
@@ -39132,16 +39120,16 @@
       </p:sp>
       <p:cxnSp>
         <p:nvCxnSpPr>
-          <p:cNvPr id="16" name="Connecteur droit 15"/>
+          <p:cNvPr id="32" name="Connecteur droit 31"/>
           <p:cNvCxnSpPr>
-            <a:stCxn id="11" idx="5"/>
-            <a:endCxn id="9" idx="1"/>
+            <a:stCxn id="27" idx="5"/>
+            <a:endCxn id="25" idx="1"/>
           </p:cNvCxnSpPr>
           <p:nvPr/>
         </p:nvCxnSpPr>
         <p:spPr>
           <a:xfrm>
-            <a:off x="5538042" y="3289778"/>
+            <a:off x="5608917" y="3288004"/>
             <a:ext cx="444536" cy="455290"/>
           </a:xfrm>
           <a:prstGeom prst="line">
@@ -39166,16 +39154,16 @@
       </p:cxnSp>
       <p:cxnSp>
         <p:nvCxnSpPr>
-          <p:cNvPr id="17" name="Connecteur droit 16"/>
+          <p:cNvPr id="33" name="Connecteur droit 32"/>
           <p:cNvCxnSpPr>
-            <a:stCxn id="9" idx="7"/>
-            <a:endCxn id="10" idx="3"/>
+            <a:stCxn id="25" idx="7"/>
+            <a:endCxn id="26" idx="3"/>
           </p:cNvCxnSpPr>
           <p:nvPr/>
         </p:nvCxnSpPr>
         <p:spPr>
           <a:xfrm flipV="1">
-            <a:off x="6285427" y="3530703"/>
+            <a:off x="6356302" y="3528929"/>
             <a:ext cx="160654" cy="214365"/>
           </a:xfrm>
           <a:prstGeom prst="line">
@@ -39200,16 +39188,16 @@
       </p:cxnSp>
       <p:cxnSp>
         <p:nvCxnSpPr>
-          <p:cNvPr id="18" name="Connecteur droit 17"/>
+          <p:cNvPr id="34" name="Connecteur droit 33"/>
           <p:cNvCxnSpPr>
-            <a:stCxn id="9" idx="5"/>
-            <a:endCxn id="13" idx="0"/>
+            <a:stCxn id="25" idx="5"/>
+            <a:endCxn id="29" idx="0"/>
           </p:cNvCxnSpPr>
           <p:nvPr/>
         </p:nvCxnSpPr>
         <p:spPr>
           <a:xfrm>
-            <a:off x="6285427" y="4033256"/>
+            <a:off x="6356302" y="4031482"/>
             <a:ext cx="160654" cy="411613"/>
           </a:xfrm>
           <a:prstGeom prst="line">
@@ -39234,50 +39222,16 @@
       </p:cxnSp>
       <p:cxnSp>
         <p:nvCxnSpPr>
-          <p:cNvPr id="19" name="Connecteur droit 18"/>
+          <p:cNvPr id="35" name="Connecteur droit 34"/>
           <p:cNvCxnSpPr>
-            <a:stCxn id="9" idx="3"/>
-            <a:endCxn id="12" idx="0"/>
-          </p:cNvCxnSpPr>
-          <p:nvPr/>
-        </p:nvCxnSpPr>
-        <p:spPr>
-          <a:xfrm flipH="1">
-            <a:off x="5708638" y="4033256"/>
-            <a:ext cx="273940" cy="988925"/>
-          </a:xfrm>
-          <a:prstGeom prst="line">
-            <a:avLst/>
-          </a:prstGeom>
-          <a:effectLst/>
-        </p:spPr>
-        <p:style>
-          <a:lnRef idx="2">
-            <a:schemeClr val="accent1"/>
-          </a:lnRef>
-          <a:fillRef idx="0">
-            <a:schemeClr val="accent1"/>
-          </a:fillRef>
-          <a:effectRef idx="1">
-            <a:schemeClr val="accent1"/>
-          </a:effectRef>
-          <a:fontRef idx="minor">
-            <a:schemeClr val="tx1"/>
-          </a:fontRef>
-        </p:style>
-      </p:cxnSp>
-      <p:cxnSp>
-        <p:nvCxnSpPr>
-          <p:cNvPr id="20" name="Connecteur droit 19"/>
-          <p:cNvCxnSpPr>
-            <a:stCxn id="12" idx="7"/>
-            <a:endCxn id="13" idx="3"/>
+            <a:stCxn id="28" idx="7"/>
+            <a:endCxn id="29" idx="3"/>
           </p:cNvCxnSpPr>
           <p:nvPr/>
         </p:nvCxnSpPr>
         <p:spPr>
           <a:xfrm flipV="1">
-            <a:off x="5860062" y="4792742"/>
+            <a:off x="5930937" y="4790968"/>
             <a:ext cx="434594" cy="289124"/>
           </a:xfrm>
           <a:prstGeom prst="line">
@@ -39302,16 +39256,16 @@
       </p:cxnSp>
       <p:cxnSp>
         <p:nvCxnSpPr>
-          <p:cNvPr id="21" name="Connecteur droit 20"/>
+          <p:cNvPr id="36" name="Connecteur droit 35"/>
           <p:cNvCxnSpPr>
-            <a:stCxn id="13" idx="6"/>
-            <a:endCxn id="14" idx="2"/>
+            <a:stCxn id="29" idx="6"/>
+            <a:endCxn id="30" idx="2"/>
           </p:cNvCxnSpPr>
           <p:nvPr/>
         </p:nvCxnSpPr>
         <p:spPr>
           <a:xfrm>
-            <a:off x="6660227" y="4648648"/>
+            <a:off x="6731102" y="4646874"/>
             <a:ext cx="664329" cy="306400"/>
           </a:xfrm>
           <a:prstGeom prst="line">
@@ -39336,49 +39290,15 @@
       </p:cxnSp>
       <p:cxnSp>
         <p:nvCxnSpPr>
-          <p:cNvPr id="22" name="Connecteur droit 21"/>
+          <p:cNvPr id="37" name="Connecteur droit 36"/>
           <p:cNvCxnSpPr>
-            <a:stCxn id="10" idx="2"/>
-            <a:endCxn id="11" idx="6"/>
-          </p:cNvCxnSpPr>
-          <p:nvPr/>
-        </p:nvCxnSpPr>
-        <p:spPr>
-          <a:xfrm flipH="1" flipV="1">
-            <a:off x="5600764" y="3145684"/>
-            <a:ext cx="782595" cy="240925"/>
-          </a:xfrm>
-          <a:prstGeom prst="line">
-            <a:avLst/>
-          </a:prstGeom>
-          <a:effectLst/>
-        </p:spPr>
-        <p:style>
-          <a:lnRef idx="2">
-            <a:schemeClr val="accent1"/>
-          </a:lnRef>
-          <a:fillRef idx="0">
-            <a:schemeClr val="accent1"/>
-          </a:fillRef>
-          <a:effectRef idx="1">
-            <a:schemeClr val="accent1"/>
-          </a:effectRef>
-          <a:fontRef idx="minor">
-            <a:schemeClr val="tx1"/>
-          </a:fontRef>
-        </p:style>
-      </p:cxnSp>
-      <p:cxnSp>
-        <p:nvCxnSpPr>
-          <p:cNvPr id="23" name="Connecteur droit 22"/>
-          <p:cNvCxnSpPr>
-            <a:endCxn id="15" idx="1"/>
+            <a:endCxn id="31" idx="1"/>
           </p:cNvCxnSpPr>
           <p:nvPr/>
         </p:nvCxnSpPr>
         <p:spPr>
           <a:xfrm>
-            <a:off x="7690127" y="5093545"/>
+            <a:off x="7761002" y="5091771"/>
             <a:ext cx="388479" cy="395879"/>
           </a:xfrm>
           <a:prstGeom prst="line">
@@ -39401,6 +39321,75 @@
           </a:fontRef>
         </p:style>
       </p:cxnSp>
+      <p:cxnSp>
+        <p:nvCxnSpPr>
+          <p:cNvPr id="38" name="Connecteur droit 37"/>
+          <p:cNvCxnSpPr>
+            <a:stCxn id="29" idx="4"/>
+            <a:endCxn id="24" idx="4"/>
+          </p:cNvCxnSpPr>
+          <p:nvPr/>
+        </p:nvCxnSpPr>
+        <p:spPr>
+          <a:xfrm>
+            <a:off x="6516956" y="4850653"/>
+            <a:ext cx="0" cy="1907283"/>
+          </a:xfrm>
+          <a:prstGeom prst="line">
+            <a:avLst/>
+          </a:prstGeom>
+          <a:effectLst/>
+        </p:spPr>
+        <p:style>
+          <a:lnRef idx="2">
+            <a:schemeClr val="accent1"/>
+          </a:lnRef>
+          <a:fillRef idx="0">
+            <a:schemeClr val="accent1"/>
+          </a:fillRef>
+          <a:effectRef idx="1">
+            <a:schemeClr val="accent1"/>
+          </a:effectRef>
+          <a:fontRef idx="minor">
+            <a:schemeClr val="tx1"/>
+          </a:fontRef>
+        </p:style>
+      </p:cxnSp>
+      <p:sp>
+        <p:nvSpPr>
+          <p:cNvPr id="39" name="ZoneTexte 38"/>
+          <p:cNvSpPr txBox="1"/>
+          <p:nvPr/>
+        </p:nvSpPr>
+        <p:spPr>
+          <a:xfrm>
+            <a:off x="6587831" y="5992196"/>
+            <a:ext cx="589392" cy="369332"/>
+          </a:xfrm>
+          <a:prstGeom prst="rect">
+            <a:avLst/>
+          </a:prstGeom>
+          <a:noFill/>
+          <a:effectLst/>
+        </p:spPr>
+        <p:txBody>
+          <a:bodyPr wrap="none" rtlCol="0">
+            <a:spAutoFit/>
+          </a:bodyPr>
+          <a:lstStyle/>
+          <a:p>
+            <a:r>
+              <a:rPr lang="fr-FR" dirty="0" err="1"/>
+              <a:t>R</a:t>
+            </a:r>
+            <a:r>
+              <a:rPr lang="fr-FR" baseline="-25000" dirty="0" err="1"/>
+              <a:t>opt</a:t>
+            </a:r>
+            <a:endParaRPr lang="fr-FR" dirty="0" smtClean="0"/>
+          </a:p>
+        </p:txBody>
+      </p:sp>
     </p:spTree>
     <p:extLst>
       <p:ext uri="{BB962C8B-B14F-4D97-AF65-F5344CB8AC3E}">
@@ -39423,6 +39412,9 @@
                     <p:cTn id="3" fill="hold">
                       <p:stCondLst>
                         <p:cond delay="indefinite"/>
+                        <p:cond evt="onBegin" delay="0">
+                          <p:tn val="2"/>
+                        </p:cond>
                       </p:stCondLst>
                       <p:childTnLst>
                         <p:par>
@@ -39432,7 +39424,7 @@
                             </p:stCondLst>
                             <p:childTnLst>
                               <p:par>
-                                <p:cTn id="5" presetID="31" presetClass="entr" presetSubtype="0" fill="hold" grpId="0" nodeType="clickEffect">
+                                <p:cTn id="5" presetID="10" presetClass="entr" presetSubtype="0" fill="hold" nodeType="withEffect">
                                   <p:stCondLst>
                                     <p:cond delay="0"/>
                                   </p:stCondLst>
@@ -39445,7 +39437,7 @@
                                           </p:stCondLst>
                                         </p:cTn>
                                         <p:tgtEl>
-                                          <p:spTgt spid="8"/>
+                                          <p:spTgt spid="38"/>
                                         </p:tgtEl>
                                         <p:attrNameLst>
                                           <p:attrName>style.visibility</p:attrName>
@@ -39455,83 +39447,468 @@
                                         <p:strVal val="visible"/>
                                       </p:to>
                                     </p:set>
-                                    <p:anim calcmode="lin" valueType="num">
-                                      <p:cBhvr>
-                                        <p:cTn id="7" dur="1000" fill="hold"/>
-                                        <p:tgtEl>
-                                          <p:spTgt spid="8"/>
-                                        </p:tgtEl>
-                                        <p:attrNameLst>
-                                          <p:attrName>ppt_w</p:attrName>
-                                        </p:attrNameLst>
-                                      </p:cBhvr>
-                                      <p:tavLst>
-                                        <p:tav tm="0">
-                                          <p:val>
-                                            <p:fltVal val="0"/>
-                                          </p:val>
-                                        </p:tav>
-                                        <p:tav tm="100000">
-                                          <p:val>
-                                            <p:strVal val="#ppt_w"/>
-                                          </p:val>
-                                        </p:tav>
-                                      </p:tavLst>
-                                    </p:anim>
-                                    <p:anim calcmode="lin" valueType="num">
-                                      <p:cBhvr>
-                                        <p:cTn id="8" dur="1000" fill="hold"/>
-                                        <p:tgtEl>
-                                          <p:spTgt spid="8"/>
-                                        </p:tgtEl>
-                                        <p:attrNameLst>
-                                          <p:attrName>ppt_h</p:attrName>
-                                        </p:attrNameLst>
-                                      </p:cBhvr>
-                                      <p:tavLst>
-                                        <p:tav tm="0">
-                                          <p:val>
-                                            <p:fltVal val="0"/>
-                                          </p:val>
-                                        </p:tav>
-                                        <p:tav tm="100000">
-                                          <p:val>
-                                            <p:strVal val="#ppt_h"/>
-                                          </p:val>
-                                        </p:tav>
-                                      </p:tavLst>
-                                    </p:anim>
-                                    <p:anim calcmode="lin" valueType="num">
-                                      <p:cBhvr>
-                                        <p:cTn id="9" dur="1000" fill="hold"/>
-                                        <p:tgtEl>
-                                          <p:spTgt spid="8"/>
-                                        </p:tgtEl>
-                                        <p:attrNameLst>
-                                          <p:attrName>style.rotation</p:attrName>
-                                        </p:attrNameLst>
-                                      </p:cBhvr>
-                                      <p:tavLst>
-                                        <p:tav tm="0">
-                                          <p:val>
-                                            <p:fltVal val="90"/>
-                                          </p:val>
-                                        </p:tav>
-                                        <p:tav tm="100000">
-                                          <p:val>
-                                            <p:fltVal val="0"/>
-                                          </p:val>
-                                        </p:tav>
-                                      </p:tavLst>
-                                    </p:anim>
                                     <p:animEffect transition="in" filter="fade">
                                       <p:cBhvr>
-                                        <p:cTn id="10" dur="1000"/>
+                                        <p:cTn id="7" dur="500"/>
                                         <p:tgtEl>
-                                          <p:spTgt spid="8"/>
+                                          <p:spTgt spid="38"/>
                                         </p:tgtEl>
                                       </p:cBhvr>
                                     </p:animEffect>
+                                  </p:childTnLst>
+                                </p:cTn>
+                              </p:par>
+                              <p:par>
+                                <p:cTn id="8" presetID="10" presetClass="entr" presetSubtype="0" fill="hold" grpId="0" nodeType="withEffect">
+                                  <p:stCondLst>
+                                    <p:cond delay="0"/>
+                                  </p:stCondLst>
+                                  <p:childTnLst>
+                                    <p:set>
+                                      <p:cBhvr>
+                                        <p:cTn id="9" dur="1" fill="hold">
+                                          <p:stCondLst>
+                                            <p:cond delay="0"/>
+                                          </p:stCondLst>
+                                        </p:cTn>
+                                        <p:tgtEl>
+                                          <p:spTgt spid="24"/>
+                                        </p:tgtEl>
+                                        <p:attrNameLst>
+                                          <p:attrName>style.visibility</p:attrName>
+                                        </p:attrNameLst>
+                                      </p:cBhvr>
+                                      <p:to>
+                                        <p:strVal val="visible"/>
+                                      </p:to>
+                                    </p:set>
+                                    <p:animEffect transition="in" filter="fade">
+                                      <p:cBhvr>
+                                        <p:cTn id="10" dur="500"/>
+                                        <p:tgtEl>
+                                          <p:spTgt spid="24"/>
+                                        </p:tgtEl>
+                                      </p:cBhvr>
+                                    </p:animEffect>
+                                  </p:childTnLst>
+                                </p:cTn>
+                              </p:par>
+                              <p:par>
+                                <p:cTn id="11" presetID="10" presetClass="entr" presetSubtype="0" fill="hold" grpId="0" nodeType="withEffect">
+                                  <p:stCondLst>
+                                    <p:cond delay="0"/>
+                                  </p:stCondLst>
+                                  <p:childTnLst>
+                                    <p:set>
+                                      <p:cBhvr>
+                                        <p:cTn id="12" dur="1" fill="hold">
+                                          <p:stCondLst>
+                                            <p:cond delay="0"/>
+                                          </p:stCondLst>
+                                        </p:cTn>
+                                        <p:tgtEl>
+                                          <p:spTgt spid="39"/>
+                                        </p:tgtEl>
+                                        <p:attrNameLst>
+                                          <p:attrName>style.visibility</p:attrName>
+                                        </p:attrNameLst>
+                                      </p:cBhvr>
+                                      <p:to>
+                                        <p:strVal val="visible"/>
+                                      </p:to>
+                                    </p:set>
+                                    <p:animEffect transition="in" filter="fade">
+                                      <p:cBhvr>
+                                        <p:cTn id="13" dur="500"/>
+                                        <p:tgtEl>
+                                          <p:spTgt spid="39"/>
+                                        </p:tgtEl>
+                                      </p:cBhvr>
+                                    </p:animEffect>
+                                  </p:childTnLst>
+                                </p:cTn>
+                              </p:par>
+                            </p:childTnLst>
+                          </p:cTn>
+                        </p:par>
+                      </p:childTnLst>
+                    </p:cTn>
+                  </p:par>
+                  <p:par>
+                    <p:cTn id="14" fill="hold">
+                      <p:stCondLst>
+                        <p:cond delay="indefinite"/>
+                      </p:stCondLst>
+                      <p:childTnLst>
+                        <p:par>
+                          <p:cTn id="15" fill="hold">
+                            <p:stCondLst>
+                              <p:cond delay="0"/>
+                            </p:stCondLst>
+                            <p:childTnLst>
+                              <p:par>
+                                <p:cTn id="16" presetID="1" presetClass="exit" presetSubtype="0" fill="hold" nodeType="clickEffect">
+                                  <p:stCondLst>
+                                    <p:cond delay="0"/>
+                                  </p:stCondLst>
+                                  <p:childTnLst>
+                                    <p:set>
+                                      <p:cBhvr>
+                                        <p:cTn id="17" dur="1" fill="hold">
+                                          <p:stCondLst>
+                                            <p:cond delay="0"/>
+                                          </p:stCondLst>
+                                        </p:cTn>
+                                        <p:tgtEl>
+                                          <p:spTgt spid="38"/>
+                                        </p:tgtEl>
+                                        <p:attrNameLst>
+                                          <p:attrName>style.visibility</p:attrName>
+                                        </p:attrNameLst>
+                                      </p:cBhvr>
+                                      <p:to>
+                                        <p:strVal val="hidden"/>
+                                      </p:to>
+                                    </p:set>
+                                  </p:childTnLst>
+                                </p:cTn>
+                              </p:par>
+                              <p:par>
+                                <p:cTn id="18" presetID="1" presetClass="exit" presetSubtype="0" fill="hold" grpId="1" nodeType="withEffect">
+                                  <p:stCondLst>
+                                    <p:cond delay="0"/>
+                                  </p:stCondLst>
+                                  <p:childTnLst>
+                                    <p:set>
+                                      <p:cBhvr>
+                                        <p:cTn id="19" dur="1" fill="hold">
+                                          <p:stCondLst>
+                                            <p:cond delay="0"/>
+                                          </p:stCondLst>
+                                        </p:cTn>
+                                        <p:tgtEl>
+                                          <p:spTgt spid="24"/>
+                                        </p:tgtEl>
+                                        <p:attrNameLst>
+                                          <p:attrName>style.visibility</p:attrName>
+                                        </p:attrNameLst>
+                                      </p:cBhvr>
+                                      <p:to>
+                                        <p:strVal val="hidden"/>
+                                      </p:to>
+                                    </p:set>
+                                  </p:childTnLst>
+                                </p:cTn>
+                              </p:par>
+                              <p:par>
+                                <p:cTn id="20" presetID="1" presetClass="exit" presetSubtype="0" fill="hold" grpId="1" nodeType="withEffect">
+                                  <p:stCondLst>
+                                    <p:cond delay="0"/>
+                                  </p:stCondLst>
+                                  <p:childTnLst>
+                                    <p:set>
+                                      <p:cBhvr>
+                                        <p:cTn id="21" dur="1" fill="hold">
+                                          <p:stCondLst>
+                                            <p:cond delay="0"/>
+                                          </p:stCondLst>
+                                        </p:cTn>
+                                        <p:tgtEl>
+                                          <p:spTgt spid="39"/>
+                                        </p:tgtEl>
+                                        <p:attrNameLst>
+                                          <p:attrName>style.visibility</p:attrName>
+                                        </p:attrNameLst>
+                                      </p:cBhvr>
+                                      <p:to>
+                                        <p:strVal val="hidden"/>
+                                      </p:to>
+                                    </p:set>
+                                  </p:childTnLst>
+                                </p:cTn>
+                              </p:par>
+                            </p:childTnLst>
+                          </p:cTn>
+                        </p:par>
+                      </p:childTnLst>
+                    </p:cTn>
+                  </p:par>
+                  <p:par>
+                    <p:cTn id="22" fill="hold">
+                      <p:stCondLst>
+                        <p:cond delay="indefinite"/>
+                      </p:stCondLst>
+                      <p:childTnLst>
+                        <p:par>
+                          <p:cTn id="23" fill="hold">
+                            <p:stCondLst>
+                              <p:cond delay="0"/>
+                            </p:stCondLst>
+                            <p:childTnLst>
+                              <p:par>
+                                <p:cTn id="24" presetID="7" presetClass="emph" presetSubtype="2" fill="hold" nodeType="clickEffect">
+                                  <p:stCondLst>
+                                    <p:cond delay="0"/>
+                                  </p:stCondLst>
+                                  <p:childTnLst>
+                                    <p:animClr clrSpc="rgb" dir="cw">
+                                      <p:cBhvr>
+                                        <p:cTn id="25" dur="2000" fill="hold"/>
+                                        <p:tgtEl>
+                                          <p:spTgt spid="34"/>
+                                        </p:tgtEl>
+                                        <p:attrNameLst>
+                                          <p:attrName>stroke.color</p:attrName>
+                                        </p:attrNameLst>
+                                      </p:cBhvr>
+                                      <p:to>
+                                        <a:srgbClr val="FF0000"/>
+                                      </p:to>
+                                    </p:animClr>
+                                    <p:set>
+                                      <p:cBhvr>
+                                        <p:cTn id="26" dur="2000" fill="hold"/>
+                                        <p:tgtEl>
+                                          <p:spTgt spid="34"/>
+                                        </p:tgtEl>
+                                        <p:attrNameLst>
+                                          <p:attrName>stroke.on</p:attrName>
+                                        </p:attrNameLst>
+                                      </p:cBhvr>
+                                      <p:to>
+                                        <p:strVal val="true"/>
+                                      </p:to>
+                                    </p:set>
+                                  </p:childTnLst>
+                                </p:cTn>
+                              </p:par>
+                            </p:childTnLst>
+                          </p:cTn>
+                        </p:par>
+                        <p:par>
+                          <p:cTn id="27" fill="hold">
+                            <p:stCondLst>
+                              <p:cond delay="2000"/>
+                            </p:stCondLst>
+                            <p:childTnLst>
+                              <p:par>
+                                <p:cTn id="28" presetID="7" presetClass="emph" presetSubtype="2" fill="hold" nodeType="afterEffect">
+                                  <p:stCondLst>
+                                    <p:cond delay="0"/>
+                                  </p:stCondLst>
+                                  <p:childTnLst>
+                                    <p:animClr clrSpc="rgb" dir="cw">
+                                      <p:cBhvr>
+                                        <p:cTn id="29" dur="2000" fill="hold"/>
+                                        <p:tgtEl>
+                                          <p:spTgt spid="35"/>
+                                        </p:tgtEl>
+                                        <p:attrNameLst>
+                                          <p:attrName>stroke.color</p:attrName>
+                                        </p:attrNameLst>
+                                      </p:cBhvr>
+                                      <p:to>
+                                        <a:srgbClr val="FF0000"/>
+                                      </p:to>
+                                    </p:animClr>
+                                    <p:set>
+                                      <p:cBhvr>
+                                        <p:cTn id="30" dur="2000" fill="hold"/>
+                                        <p:tgtEl>
+                                          <p:spTgt spid="35"/>
+                                        </p:tgtEl>
+                                        <p:attrNameLst>
+                                          <p:attrName>stroke.on</p:attrName>
+                                        </p:attrNameLst>
+                                      </p:cBhvr>
+                                      <p:to>
+                                        <p:strVal val="true"/>
+                                      </p:to>
+                                    </p:set>
+                                  </p:childTnLst>
+                                </p:cTn>
+                              </p:par>
+                            </p:childTnLst>
+                          </p:cTn>
+                        </p:par>
+                        <p:par>
+                          <p:cTn id="31" fill="hold">
+                            <p:stCondLst>
+                              <p:cond delay="4000"/>
+                            </p:stCondLst>
+                            <p:childTnLst>
+                              <p:par>
+                                <p:cTn id="32" presetID="7" presetClass="emph" presetSubtype="2" fill="hold" nodeType="afterEffect">
+                                  <p:stCondLst>
+                                    <p:cond delay="0"/>
+                                  </p:stCondLst>
+                                  <p:childTnLst>
+                                    <p:animClr clrSpc="rgb" dir="cw">
+                                      <p:cBhvr>
+                                        <p:cTn id="33" dur="2000" fill="hold"/>
+                                        <p:tgtEl>
+                                          <p:spTgt spid="36"/>
+                                        </p:tgtEl>
+                                        <p:attrNameLst>
+                                          <p:attrName>stroke.color</p:attrName>
+                                        </p:attrNameLst>
+                                      </p:cBhvr>
+                                      <p:to>
+                                        <a:srgbClr val="FF0000"/>
+                                      </p:to>
+                                    </p:animClr>
+                                    <p:set>
+                                      <p:cBhvr>
+                                        <p:cTn id="34" dur="2000" fill="hold"/>
+                                        <p:tgtEl>
+                                          <p:spTgt spid="36"/>
+                                        </p:tgtEl>
+                                        <p:attrNameLst>
+                                          <p:attrName>stroke.on</p:attrName>
+                                        </p:attrNameLst>
+                                      </p:cBhvr>
+                                      <p:to>
+                                        <p:strVal val="true"/>
+                                      </p:to>
+                                    </p:set>
+                                  </p:childTnLst>
+                                </p:cTn>
+                              </p:par>
+                            </p:childTnLst>
+                          </p:cTn>
+                        </p:par>
+                        <p:par>
+                          <p:cTn id="35" fill="hold">
+                            <p:stCondLst>
+                              <p:cond delay="6000"/>
+                            </p:stCondLst>
+                            <p:childTnLst>
+                              <p:par>
+                                <p:cTn id="36" presetID="7" presetClass="emph" presetSubtype="2" fill="hold" nodeType="afterEffect">
+                                  <p:stCondLst>
+                                    <p:cond delay="0"/>
+                                  </p:stCondLst>
+                                  <p:childTnLst>
+                                    <p:animClr clrSpc="rgb" dir="cw">
+                                      <p:cBhvr>
+                                        <p:cTn id="37" dur="2000" fill="hold"/>
+                                        <p:tgtEl>
+                                          <p:spTgt spid="33"/>
+                                        </p:tgtEl>
+                                        <p:attrNameLst>
+                                          <p:attrName>stroke.color</p:attrName>
+                                        </p:attrNameLst>
+                                      </p:cBhvr>
+                                      <p:to>
+                                        <a:srgbClr val="FF0000"/>
+                                      </p:to>
+                                    </p:animClr>
+                                    <p:set>
+                                      <p:cBhvr>
+                                        <p:cTn id="38" dur="2000" fill="hold"/>
+                                        <p:tgtEl>
+                                          <p:spTgt spid="33"/>
+                                        </p:tgtEl>
+                                        <p:attrNameLst>
+                                          <p:attrName>stroke.on</p:attrName>
+                                        </p:attrNameLst>
+                                      </p:cBhvr>
+                                      <p:to>
+                                        <p:strVal val="true"/>
+                                      </p:to>
+                                    </p:set>
+                                  </p:childTnLst>
+                                </p:cTn>
+                              </p:par>
+                            </p:childTnLst>
+                          </p:cTn>
+                        </p:par>
+                        <p:par>
+                          <p:cTn id="39" fill="hold">
+                            <p:stCondLst>
+                              <p:cond delay="8000"/>
+                            </p:stCondLst>
+                            <p:childTnLst>
+                              <p:par>
+                                <p:cTn id="40" presetID="7" presetClass="emph" presetSubtype="2" fill="hold" nodeType="afterEffect">
+                                  <p:stCondLst>
+                                    <p:cond delay="0"/>
+                                  </p:stCondLst>
+                                  <p:childTnLst>
+                                    <p:animClr clrSpc="rgb" dir="cw">
+                                      <p:cBhvr>
+                                        <p:cTn id="41" dur="2000" fill="hold"/>
+                                        <p:tgtEl>
+                                          <p:spTgt spid="32"/>
+                                        </p:tgtEl>
+                                        <p:attrNameLst>
+                                          <p:attrName>stroke.color</p:attrName>
+                                        </p:attrNameLst>
+                                      </p:cBhvr>
+                                      <p:to>
+                                        <a:srgbClr val="FF0000"/>
+                                      </p:to>
+                                    </p:animClr>
+                                    <p:set>
+                                      <p:cBhvr>
+                                        <p:cTn id="42" dur="2000" fill="hold"/>
+                                        <p:tgtEl>
+                                          <p:spTgt spid="32"/>
+                                        </p:tgtEl>
+                                        <p:attrNameLst>
+                                          <p:attrName>stroke.on</p:attrName>
+                                        </p:attrNameLst>
+                                      </p:cBhvr>
+                                      <p:to>
+                                        <p:strVal val="true"/>
+                                      </p:to>
+                                    </p:set>
+                                  </p:childTnLst>
+                                </p:cTn>
+                              </p:par>
+                            </p:childTnLst>
+                          </p:cTn>
+                        </p:par>
+                        <p:par>
+                          <p:cTn id="43" fill="hold">
+                            <p:stCondLst>
+                              <p:cond delay="10000"/>
+                            </p:stCondLst>
+                            <p:childTnLst>
+                              <p:par>
+                                <p:cTn id="44" presetID="7" presetClass="emph" presetSubtype="2" fill="hold" nodeType="afterEffect">
+                                  <p:stCondLst>
+                                    <p:cond delay="0"/>
+                                  </p:stCondLst>
+                                  <p:childTnLst>
+                                    <p:animClr clrSpc="rgb" dir="cw">
+                                      <p:cBhvr>
+                                        <p:cTn id="45" dur="2000" fill="hold"/>
+                                        <p:tgtEl>
+                                          <p:spTgt spid="37"/>
+                                        </p:tgtEl>
+                                        <p:attrNameLst>
+                                          <p:attrName>stroke.color</p:attrName>
+                                        </p:attrNameLst>
+                                      </p:cBhvr>
+                                      <p:to>
+                                        <a:srgbClr val="FF0000"/>
+                                      </p:to>
+                                    </p:animClr>
+                                    <p:set>
+                                      <p:cBhvr>
+                                        <p:cTn id="46" dur="2000" fill="hold"/>
+                                        <p:tgtEl>
+                                          <p:spTgt spid="37"/>
+                                        </p:tgtEl>
+                                        <p:attrNameLst>
+                                          <p:attrName>stroke.on</p:attrName>
+                                        </p:attrNameLst>
+                                      </p:cBhvr>
+                                      <p:to>
+                                        <p:strVal val="true"/>
+                                      </p:to>
+                                    </p:set>
                                   </p:childTnLst>
                                 </p:cTn>
                               </p:par>
@@ -39563,7 +39940,10 @@
       </p:par>
     </p:tnLst>
     <p:bldLst>
-      <p:bldP spid="8" grpId="0" animBg="1"/>
+      <p:bldP spid="24" grpId="0" animBg="1"/>
+      <p:bldP spid="24" grpId="1" animBg="1"/>
+      <p:bldP spid="39" grpId="0"/>
+      <p:bldP spid="39" grpId="1"/>
     </p:bldLst>
   </p:timing>
 </p:sld>
@@ -39849,14 +40229,13 @@
               <a:rPr lang="fr-FR" dirty="0"/>
               <a:t>&gt;</a:t>
             </a:r>
+          </a:p>
+          <a:p>
+            <a:r>
+              <a:rPr lang="fr-FR" dirty="0"/>
+              <a:t>Tous les nœuds couverts</a:t>
+            </a:r>
             <a:endParaRPr lang="fr-FR" dirty="0" smtClean="0"/>
-          </a:p>
-          <a:p>
-            <a:pPr marL="0" indent="0">
-              <a:buFont typeface="Arial"/>
-              <a:buNone/>
-            </a:pPr>
-            <a:endParaRPr lang="fr-FR" dirty="0"/>
           </a:p>
         </p:txBody>
       </p:sp>
@@ -40866,7 +41245,6 @@
               <a:rPr lang="fr-FR"/>
               <a:t>TR-LBOP</a:t>
             </a:r>
-            <a:endParaRPr lang="fr-FR"/>
           </a:p>
         </p:txBody>
       </p:sp>
@@ -45838,7 +46216,7 @@
                   <a:t>Constantes </a:t>
                 </a:r>
                 <a14:m>
-                  <m:oMath xmlns:m="http://schemas.openxmlformats.org/officeDocument/2006/math" xmlns="">
+                  <m:oMath xmlns="" xmlns:m="http://schemas.openxmlformats.org/officeDocument/2006/math">
                     <m:r>
                       <a:rPr lang="el-GR" i="1" dirty="0" smtClean="0">
                         <a:latin typeface="Cambria Math"/>
@@ -45858,7 +46236,7 @@
                   <a:t>  et </a:t>
                 </a:r>
                 <a14:m>
-                  <m:oMath xmlns:m="http://schemas.openxmlformats.org/officeDocument/2006/math" xmlns="">
+                  <m:oMath xmlns="" xmlns:m="http://schemas.openxmlformats.org/officeDocument/2006/math">
                     <m:r>
                       <a:rPr lang="fr-FR" i="1" dirty="0" smtClean="0">
                         <a:latin typeface="Cambria Math"/>
@@ -45881,7 +46259,7 @@
                   <a:t>Temps de Simulation : </a:t>
                 </a:r>
                 <a14:m>
-                  <m:oMath xmlns:m="http://schemas.openxmlformats.org/officeDocument/2006/math" xmlns="">
+                  <m:oMath xmlns="" xmlns:m="http://schemas.openxmlformats.org/officeDocument/2006/math">
                     <m:r>
                       <a:rPr lang="fr-FR" i="1" dirty="0" smtClean="0">
                         <a:latin typeface="Cambria Math"/>
@@ -45904,7 +46282,7 @@
                   <a:t>Énergie Initial : </a:t>
                 </a:r>
                 <a14:m>
-                  <m:oMath xmlns:m="http://schemas.openxmlformats.org/officeDocument/2006/math" xmlns="">
+                  <m:oMath xmlns="" xmlns:m="http://schemas.openxmlformats.org/officeDocument/2006/math">
                     <m:r>
                       <a:rPr lang="fr-FR" i="1" dirty="0" smtClean="0">
                         <a:latin typeface="Cambria Math"/>
@@ -45921,7 +46299,7 @@
                   <a:t>Période de génération des évènement: </a:t>
                 </a:r>
                 <a14:m>
-                  <m:oMath xmlns:m="http://schemas.openxmlformats.org/officeDocument/2006/math" xmlns="">
+                  <m:oMath xmlns="" xmlns:m="http://schemas.openxmlformats.org/officeDocument/2006/math">
                     <m:r>
                       <a:rPr lang="fr-FR" i="1" dirty="0" smtClean="0">
                         <a:latin typeface="Cambria Math"/>
@@ -45944,7 +46322,7 @@
                   <a:t>La portée d’un Nœud : </a:t>
                 </a:r>
                 <a14:m>
-                  <m:oMath xmlns:m="http://schemas.openxmlformats.org/officeDocument/2006/math" xmlns="">
+                  <m:oMath xmlns="" xmlns:m="http://schemas.openxmlformats.org/officeDocument/2006/math">
                     <m:r>
                       <a:rPr lang="fr-FR" i="1" dirty="0" smtClean="0">
                         <a:latin typeface="Cambria Math"/>
@@ -45967,7 +46345,7 @@
                   <a:t>La taille de la topologie </a:t>
                 </a:r>
                 <a14:m>
-                  <m:oMath xmlns:m="http://schemas.openxmlformats.org/officeDocument/2006/math" xmlns="">
+                  <m:oMath xmlns="" xmlns:m="http://schemas.openxmlformats.org/officeDocument/2006/math">
                     <m:r>
                       <a:rPr lang="fr-FR" i="1" dirty="0" smtClean="0">
                         <a:latin typeface="Cambria Math"/>
@@ -48561,11 +48939,11 @@
   <p:clrMapOvr>
     <a:masterClrMapping/>
   </p:clrMapOvr>
-  <mc:AlternateContent xmlns:mc="http://schemas.openxmlformats.org/markup-compatibility/2006">
-    <mc:Choice xmlns:p14="http://schemas.microsoft.com/office/powerpoint/2010/main" Requires="p14">
+  <mc:AlternateContent xmlns:mc="http://schemas.openxmlformats.org/markup-compatibility/2006" xmlns:p14="http://schemas.microsoft.com/office/powerpoint/2010/main">
+    <mc:Choice Requires="p14">
       <p:transition p14:dur="0"/>
     </mc:Choice>
-    <mc:Fallback>
+    <mc:Fallback xmlns="">
       <p:transition xmlns:p14="http://schemas.microsoft.com/office/powerpoint/2010/main"/>
     </mc:Fallback>
   </mc:AlternateContent>
@@ -49329,7 +49707,7 @@
                   <a:t>Constantes </a:t>
                 </a:r>
                 <a14:m>
-                  <m:oMath xmlns:m="http://schemas.openxmlformats.org/officeDocument/2006/math" xmlns="">
+                  <m:oMath xmlns="" xmlns:m="http://schemas.openxmlformats.org/officeDocument/2006/math">
                     <m:r>
                       <a:rPr lang="el-GR" i="1" dirty="0" smtClean="0">
                         <a:latin typeface="Cambria Math"/>
@@ -49349,7 +49727,7 @@
                   <a:t>et </a:t>
                 </a:r>
                 <a14:m>
-                  <m:oMath xmlns:m="http://schemas.openxmlformats.org/officeDocument/2006/math" xmlns="">
+                  <m:oMath xmlns="" xmlns:m="http://schemas.openxmlformats.org/officeDocument/2006/math">
                     <m:r>
                       <a:rPr lang="fr-FR" i="1" dirty="0" smtClean="0">
                         <a:latin typeface="Cambria Math"/>
@@ -49369,7 +49747,7 @@
                   <a:t> </a:t>
                 </a:r>
                 <a14:m>
-                  <m:oMath xmlns:m="http://schemas.openxmlformats.org/officeDocument/2006/math" xmlns="">
+                  <m:oMath xmlns="" xmlns:m="http://schemas.openxmlformats.org/officeDocument/2006/math">
                     <m:sSup>
                       <m:sSupPr>
                         <m:ctrlPr>
@@ -49405,7 +49783,7 @@
                   <a:t>Temps de Simulation : </a:t>
                 </a:r>
                 <a14:m>
-                  <m:oMath xmlns:m="http://schemas.openxmlformats.org/officeDocument/2006/math" xmlns="">
+                  <m:oMath xmlns="" xmlns:m="http://schemas.openxmlformats.org/officeDocument/2006/math">
                     <m:r>
                       <a:rPr lang="fr-FR" i="1" dirty="0" smtClean="0">
                         <a:latin typeface="Cambria Math"/>
@@ -49434,7 +49812,7 @@
                   <a:t>Énergie Initial : </a:t>
                 </a:r>
                 <a14:m>
-                  <m:oMath xmlns:m="http://schemas.openxmlformats.org/officeDocument/2006/math" xmlns="">
+                  <m:oMath xmlns="" xmlns:m="http://schemas.openxmlformats.org/officeDocument/2006/math">
                     <m:r>
                       <a:rPr lang="fr-FR" i="1" dirty="0" smtClean="0">
                         <a:latin typeface="Cambria Math"/>
@@ -49451,7 +49829,7 @@
                   <a:t>Période de génération des évènement: </a:t>
                 </a:r>
                 <a14:m>
-                  <m:oMath xmlns:m="http://schemas.openxmlformats.org/officeDocument/2006/math" xmlns="">
+                  <m:oMath xmlns="" xmlns:m="http://schemas.openxmlformats.org/officeDocument/2006/math">
                     <m:r>
                       <a:rPr lang="fr-FR" i="1" dirty="0" smtClean="0">
                         <a:latin typeface="Cambria Math"/>
@@ -49474,7 +49852,7 @@
                   <a:t>La portée d’un Nœud : </a:t>
                 </a:r>
                 <a14:m>
-                  <m:oMath xmlns:m="http://schemas.openxmlformats.org/officeDocument/2006/math" xmlns="">
+                  <m:oMath xmlns="" xmlns:m="http://schemas.openxmlformats.org/officeDocument/2006/math">
                     <m:r>
                       <a:rPr lang="fr-FR" i="1" dirty="0" smtClean="0">
                         <a:latin typeface="Cambria Math"/>
@@ -49497,7 +49875,7 @@
                   <a:t>La taille de la topologie </a:t>
                 </a:r>
                 <a14:m>
-                  <m:oMath xmlns:m="http://schemas.openxmlformats.org/officeDocument/2006/math" xmlns="">
+                  <m:oMath xmlns="" xmlns:m="http://schemas.openxmlformats.org/officeDocument/2006/math">
                     <m:r>
                       <a:rPr lang="fr-FR" i="1" dirty="0" smtClean="0">
                         <a:latin typeface="Cambria Math"/>
@@ -50271,7 +50649,6 @@
               <a:rPr lang="fr-FR"/>
               <a:t>Capacités</a:t>
             </a:r>
-            <a:endParaRPr lang="fr-FR"/>
           </a:p>
         </p:txBody>
       </p:sp>
@@ -50763,11 +51140,11 @@
   <p:clrMapOvr>
     <a:masterClrMapping/>
   </p:clrMapOvr>
-  <mc:AlternateContent xmlns:mc="http://schemas.openxmlformats.org/markup-compatibility/2006">
-    <mc:Choice xmlns:p14="http://schemas.microsoft.com/office/powerpoint/2010/main" Requires="p14">
+  <mc:AlternateContent xmlns:mc="http://schemas.openxmlformats.org/markup-compatibility/2006" xmlns:p14="http://schemas.microsoft.com/office/powerpoint/2010/main">
+    <mc:Choice Requires="p14">
       <p:transition p14:dur="0"/>
     </mc:Choice>
-    <mc:Fallback>
+    <mc:Fallback xmlns="">
       <p:transition xmlns:p14="http://schemas.microsoft.com/office/powerpoint/2010/main"/>
     </mc:Fallback>
   </mc:AlternateContent>

--- a/Redaction/Presentation/pres.pptx
+++ b/Redaction/Presentation/pres.pptx
@@ -37,7 +37,7 @@
     <p:sldId id="283" r:id="rId25"/>
     <p:sldId id="288" r:id="rId26"/>
     <p:sldId id="289" r:id="rId27"/>
-    <p:sldId id="315" r:id="rId28"/>
+    <p:sldId id="324" r:id="rId28"/>
     <p:sldId id="316" r:id="rId29"/>
     <p:sldId id="317" r:id="rId30"/>
     <p:sldId id="318" r:id="rId31"/>
@@ -193,7 +193,7 @@
           <p14:sldIdLst>
             <p14:sldId id="288"/>
             <p14:sldId id="289"/>
-            <p14:sldId id="315"/>
+            <p14:sldId id="324"/>
             <p14:sldId id="316"/>
             <p14:sldId id="317"/>
             <p14:sldId id="318"/>
@@ -8300,184 +8300,6 @@
           <a:bodyPr/>
           <a:lstStyle/>
           <a:p>
-            <a:pPr marL="171450" indent="-171450">
-              <a:buFont typeface="Arial" charset="0"/>
-              <a:buChar char="•"/>
-            </a:pPr>
-            <a:r>
-              <a:rPr lang="fr-FR" dirty="0" smtClean="0"/>
-              <a:t>0 :  Bip</a:t>
-            </a:r>
-            <a:r>
-              <a:rPr lang="fr-FR" baseline="0" dirty="0" smtClean="0"/>
-              <a:t> le Meilleur , FLOOD le pire</a:t>
-            </a:r>
-          </a:p>
-          <a:p>
-            <a:pPr marL="171450" indent="-171450">
-              <a:buFont typeface="Arial" charset="0"/>
-              <a:buChar char="•"/>
-            </a:pPr>
-            <a:r>
-              <a:rPr lang="fr-FR" baseline="0" dirty="0" smtClean="0"/>
-              <a:t>1 :  au </a:t>
-            </a:r>
-            <a:r>
-              <a:rPr lang="fr-FR" baseline="0" dirty="0" err="1" smtClean="0"/>
-              <a:t>debut</a:t>
-            </a:r>
-            <a:r>
-              <a:rPr lang="fr-FR" baseline="0" dirty="0" smtClean="0"/>
-              <a:t> RBOP a cause de l’</a:t>
-            </a:r>
-            <a:r>
-              <a:rPr lang="fr-FR" baseline="0" dirty="0" err="1" smtClean="0"/>
-              <a:t>etape</a:t>
-            </a:r>
-            <a:r>
-              <a:rPr lang="fr-FR" baseline="0" dirty="0" smtClean="0"/>
-              <a:t> d’</a:t>
-            </a:r>
-            <a:r>
-              <a:rPr lang="fr-FR" baseline="0" dirty="0" err="1" smtClean="0"/>
-              <a:t>intialisation</a:t>
-            </a:r>
-            <a:r>
-              <a:rPr lang="fr-FR" baseline="0" dirty="0" smtClean="0"/>
-              <a:t> LMST et presque le </a:t>
-            </a:r>
-            <a:r>
-              <a:rPr lang="fr-FR" baseline="0" dirty="0" err="1" smtClean="0"/>
-              <a:t>meme</a:t>
-            </a:r>
-            <a:r>
-              <a:rPr lang="fr-FR" baseline="0" dirty="0" smtClean="0"/>
-              <a:t> graph (graph peu dense)</a:t>
-            </a:r>
-          </a:p>
-          <a:p>
-            <a:pPr marL="628650" marR="0" lvl="1" indent="-171450" algn="l" defTabSz="914400" rtl="0" eaLnBrk="1" fontAlgn="auto" latinLnBrk="0" hangingPunct="1">
-              <a:lnSpc>
-                <a:spcPct val="100000"/>
-              </a:lnSpc>
-              <a:spcBef>
-                <a:spcPts val="0"/>
-              </a:spcBef>
-              <a:spcAft>
-                <a:spcPts val="0"/>
-              </a:spcAft>
-              <a:buClrTx/>
-              <a:buSzTx/>
-              <a:buFont typeface="Arial" charset="0"/>
-              <a:buChar char="•"/>
-              <a:tabLst/>
-              <a:defRPr/>
-            </a:pPr>
-            <a:r>
-              <a:rPr lang="fr-FR" baseline="0" dirty="0" smtClean="0"/>
-              <a:t>L’amélioration de LBOP dans les graph a grand densité</a:t>
-            </a:r>
-          </a:p>
-          <a:p>
-            <a:pPr marL="628650" marR="0" lvl="1" indent="-171450" algn="l" defTabSz="914400" rtl="0" eaLnBrk="1" fontAlgn="auto" latinLnBrk="0" hangingPunct="1">
-              <a:lnSpc>
-                <a:spcPct val="100000"/>
-              </a:lnSpc>
-              <a:spcBef>
-                <a:spcPts val="0"/>
-              </a:spcBef>
-              <a:spcAft>
-                <a:spcPts val="0"/>
-              </a:spcAft>
-              <a:buClrTx/>
-              <a:buSzTx/>
-              <a:buFont typeface="Arial" charset="0"/>
-              <a:buChar char="•"/>
-              <a:tabLst/>
-              <a:defRPr/>
-            </a:pPr>
-            <a:endParaRPr lang="fr-FR" baseline="0" dirty="0" smtClean="0"/>
-          </a:p>
-          <a:p>
-            <a:pPr marL="628650" marR="0" lvl="1" indent="-171450" algn="l" defTabSz="914400" rtl="0" eaLnBrk="1" fontAlgn="auto" latinLnBrk="0" hangingPunct="1">
-              <a:lnSpc>
-                <a:spcPct val="100000"/>
-              </a:lnSpc>
-              <a:spcBef>
-                <a:spcPts val="0"/>
-              </a:spcBef>
-              <a:spcAft>
-                <a:spcPts val="0"/>
-              </a:spcAft>
-              <a:buClrTx/>
-              <a:buSzTx/>
-              <a:buFont typeface="Arial" charset="0"/>
-              <a:buChar char="•"/>
-              <a:tabLst/>
-              <a:defRPr/>
-            </a:pPr>
-            <a:endParaRPr lang="fr-FR" baseline="0" dirty="0" smtClean="0"/>
-          </a:p>
-          <a:p>
-            <a:pPr marL="171450" indent="-171450">
-              <a:buFont typeface="Arial" charset="0"/>
-              <a:buChar char="•"/>
-            </a:pPr>
-            <a:r>
-              <a:rPr lang="fr-FR" dirty="0" smtClean="0"/>
-              <a:t>2: DLBIP qui</a:t>
-            </a:r>
-            <a:r>
-              <a:rPr lang="fr-FR" baseline="0" dirty="0" smtClean="0"/>
-              <a:t> est une version de LBIP amélioré tjrs meilleur</a:t>
-            </a:r>
-          </a:p>
-          <a:p>
-            <a:pPr marL="171450" indent="-171450">
-              <a:buFont typeface="Arial" charset="0"/>
-              <a:buChar char="•"/>
-            </a:pPr>
-            <a:endParaRPr lang="fr-FR" baseline="0" dirty="0" smtClean="0"/>
-          </a:p>
-          <a:p>
-            <a:pPr marL="171450" indent="-171450">
-              <a:buFont typeface="Arial" charset="0"/>
-              <a:buChar char="•"/>
-            </a:pPr>
-            <a:r>
-              <a:rPr lang="fr-FR" baseline="0" dirty="0" smtClean="0"/>
-              <a:t>4: DLBIP est meilleur que LBOP parce (petit densité) l’</a:t>
-            </a:r>
-            <a:r>
-              <a:rPr lang="fr-FR" baseline="0" dirty="0" err="1" smtClean="0"/>
-              <a:t>algo</a:t>
-            </a:r>
-            <a:r>
-              <a:rPr lang="fr-FR" baseline="0" dirty="0" smtClean="0"/>
-              <a:t> de Bip</a:t>
-            </a:r>
-          </a:p>
-          <a:p>
-            <a:pPr marL="628650" lvl="1" indent="-171450">
-              <a:buFont typeface="Arial" charset="0"/>
-              <a:buChar char="•"/>
-            </a:pPr>
-            <a:r>
-              <a:rPr lang="fr-FR" baseline="0" dirty="0" smtClean="0"/>
-              <a:t>A chaque fois qu’on augmente la densité, le rayon de transmission </a:t>
-            </a:r>
-            <a:r>
-              <a:rPr lang="fr-FR" baseline="0" dirty="0" err="1" smtClean="0"/>
-              <a:t>devien</a:t>
-            </a:r>
-            <a:r>
-              <a:rPr lang="fr-FR" baseline="0" dirty="0" smtClean="0"/>
-              <a:t> plus petit dans LBOP et pour cela que LBOP est meilleur que BIP.  </a:t>
-            </a:r>
-            <a:r>
-              <a:rPr lang="fr-FR" dirty="0" smtClean="0"/>
-              <a:t> </a:t>
-            </a:r>
             <a:endParaRPr lang="fr-FR" dirty="0"/>
           </a:p>
         </p:txBody>
@@ -8499,7 +8321,7 @@
           <a:p>
             <a:fld id="{36721C9E-25B0-41BA-8E29-060F4F48B751}" type="slidenum">
               <a:rPr lang="fr-FR" smtClean="0"/>
-              <a:t>28</a:t>
+              <a:t>27</a:t>
             </a:fld>
             <a:endParaRPr lang="fr-FR"/>
           </a:p>
@@ -8508,7 +8330,7 @@
     </p:spTree>
     <p:extLst>
       <p:ext uri="{BB962C8B-B14F-4D97-AF65-F5344CB8AC3E}">
-        <p14:creationId xmlns:p14="http://schemas.microsoft.com/office/powerpoint/2010/main" val="2738453689"/>
+        <p14:creationId xmlns:p14="http://schemas.microsoft.com/office/powerpoint/2010/main" val="1213518519"/>
       </p:ext>
     </p:extLst>
   </p:cSld>
@@ -8562,7 +8384,63 @@
           <a:bodyPr/>
           <a:lstStyle/>
           <a:p>
-            <a:pPr marL="171450" marR="0" indent="-171450" algn="l" defTabSz="914400" rtl="0" eaLnBrk="1" fontAlgn="auto" latinLnBrk="0" hangingPunct="1">
+            <a:pPr marL="171450" indent="-171450">
+              <a:buFont typeface="Arial" charset="0"/>
+              <a:buChar char="•"/>
+            </a:pPr>
+            <a:r>
+              <a:rPr lang="fr-FR" dirty="0" smtClean="0"/>
+              <a:t>0 :  Bip</a:t>
+            </a:r>
+            <a:r>
+              <a:rPr lang="fr-FR" baseline="0" dirty="0" smtClean="0"/>
+              <a:t> le Meilleur , FLOOD le pire</a:t>
+            </a:r>
+          </a:p>
+          <a:p>
+            <a:pPr marL="171450" indent="-171450">
+              <a:buFont typeface="Arial" charset="0"/>
+              <a:buChar char="•"/>
+            </a:pPr>
+            <a:r>
+              <a:rPr lang="fr-FR" baseline="0" dirty="0" smtClean="0"/>
+              <a:t>1 :  au </a:t>
+            </a:r>
+            <a:r>
+              <a:rPr lang="fr-FR" baseline="0" dirty="0" err="1" smtClean="0"/>
+              <a:t>debut</a:t>
+            </a:r>
+            <a:r>
+              <a:rPr lang="fr-FR" baseline="0" dirty="0" smtClean="0"/>
+              <a:t> RBOP a cause de l’</a:t>
+            </a:r>
+            <a:r>
+              <a:rPr lang="fr-FR" baseline="0" dirty="0" err="1" smtClean="0"/>
+              <a:t>etape</a:t>
+            </a:r>
+            <a:r>
+              <a:rPr lang="fr-FR" baseline="0" dirty="0" smtClean="0"/>
+              <a:t> d’</a:t>
+            </a:r>
+            <a:r>
+              <a:rPr lang="fr-FR" baseline="0" dirty="0" err="1" smtClean="0"/>
+              <a:t>intialisation</a:t>
+            </a:r>
+            <a:r>
+              <a:rPr lang="fr-FR" baseline="0" dirty="0" smtClean="0"/>
+              <a:t> LMST et presque le </a:t>
+            </a:r>
+            <a:r>
+              <a:rPr lang="fr-FR" baseline="0" dirty="0" err="1" smtClean="0"/>
+              <a:t>meme</a:t>
+            </a:r>
+            <a:r>
+              <a:rPr lang="fr-FR" baseline="0" dirty="0" smtClean="0"/>
+              <a:t> graph (graph peu dense)</a:t>
+            </a:r>
+          </a:p>
+          <a:p>
+            <a:pPr marL="628650" marR="0" lvl="1" indent="-171450" algn="l" defTabSz="914400" rtl="0" eaLnBrk="1" fontAlgn="auto" latinLnBrk="0" hangingPunct="1">
               <a:lnSpc>
                 <a:spcPct val="100000"/>
               </a:lnSpc>
@@ -8581,96 +8459,11 @@
             </a:pPr>
             <a:r>
               <a:rPr lang="fr-FR" baseline="0" dirty="0" smtClean="0"/>
-              <a:t>0:</a:t>
+              <a:t>L’amélioration de LBOP dans les graph a grand densité</a:t>
             </a:r>
-            <a:r>
-              <a:rPr lang="fr-FR" dirty="0" smtClean="0"/>
-              <a:t>  Bip</a:t>
-            </a:r>
-            <a:r>
-              <a:rPr lang="fr-FR" baseline="0" dirty="0" smtClean="0"/>
-              <a:t> le Meilleur , FLOOD le pire</a:t>
-            </a:r>
-          </a:p>
-          <a:p>
-            <a:pPr marL="171450" marR="0" indent="-171450" algn="l" defTabSz="914400" rtl="0" eaLnBrk="1" fontAlgn="auto" latinLnBrk="0" hangingPunct="1">
-              <a:lnSpc>
-                <a:spcPct val="100000"/>
-              </a:lnSpc>
-              <a:spcBef>
-                <a:spcPts val="0"/>
-              </a:spcBef>
-              <a:spcAft>
-                <a:spcPts val="0"/>
-              </a:spcAft>
-              <a:buClrTx/>
-              <a:buSzTx/>
-              <a:buFont typeface="Arial" charset="0"/>
-              <a:buChar char="•"/>
-              <a:tabLst/>
-              <a:defRPr/>
-            </a:pPr>
-            <a:r>
-              <a:rPr lang="fr-FR" baseline="0" dirty="0" smtClean="0"/>
-              <a:t>1:LBOP est meilleur que RBOP (rayon choisi =&gt; graph initial)</a:t>
-            </a:r>
-          </a:p>
-          <a:p>
-            <a:pPr marL="171450" marR="0" indent="-171450" algn="l" defTabSz="914400" rtl="0" eaLnBrk="1" fontAlgn="auto" latinLnBrk="0" hangingPunct="1">
-              <a:lnSpc>
-                <a:spcPct val="100000"/>
-              </a:lnSpc>
-              <a:spcBef>
-                <a:spcPts val="0"/>
-              </a:spcBef>
-              <a:spcAft>
-                <a:spcPts val="0"/>
-              </a:spcAft>
-              <a:buClrTx/>
-              <a:buSzTx/>
-              <a:buFont typeface="Arial" charset="0"/>
-              <a:buChar char="•"/>
-              <a:tabLst/>
-              <a:defRPr/>
-            </a:pPr>
-            <a:r>
-              <a:rPr lang="fr-FR" baseline="0" dirty="0" smtClean="0"/>
-              <a:t>2: DLBIP </a:t>
-            </a:r>
-            <a:r>
-              <a:rPr lang="fr-FR" baseline="0" dirty="0" err="1" smtClean="0"/>
-              <a:t>tjr</a:t>
-            </a:r>
-            <a:r>
-              <a:rPr lang="fr-FR" baseline="0" dirty="0" smtClean="0"/>
-              <a:t> meilleur que LBIP</a:t>
-            </a:r>
-          </a:p>
-          <a:p>
-            <a:pPr marL="171450" marR="0" indent="-171450" algn="l" defTabSz="914400" rtl="0" eaLnBrk="1" fontAlgn="auto" latinLnBrk="0" hangingPunct="1">
-              <a:lnSpc>
-                <a:spcPct val="100000"/>
-              </a:lnSpc>
-              <a:spcBef>
-                <a:spcPts val="0"/>
-              </a:spcBef>
-              <a:spcAft>
-                <a:spcPts val="0"/>
-              </a:spcAft>
-              <a:buClrTx/>
-              <a:buSzTx/>
-              <a:buFont typeface="Arial" charset="0"/>
-              <a:buChar char="•"/>
-              <a:tabLst/>
-              <a:defRPr/>
-            </a:pPr>
-            <a:r>
-              <a:rPr lang="fr-FR" baseline="0" dirty="0" smtClean="0"/>
-              <a:t>3: DLBIP est Meilleur que LBOP dans la majorité des simulations</a:t>
-            </a:r>
-          </a:p>
-          <a:p>
-            <a:pPr marL="171450" marR="0" indent="-171450" algn="l" defTabSz="914400" rtl="0" eaLnBrk="1" fontAlgn="auto" latinLnBrk="0" hangingPunct="1">
+          </a:p>
+          <a:p>
+            <a:pPr marL="628650" marR="0" lvl="1" indent="-171450" algn="l" defTabSz="914400" rtl="0" eaLnBrk="1" fontAlgn="auto" latinLnBrk="0" hangingPunct="1">
               <a:lnSpc>
                 <a:spcPct val="100000"/>
               </a:lnSpc>
@@ -8690,7 +8483,7 @@
             <a:endParaRPr lang="fr-FR" baseline="0" dirty="0" smtClean="0"/>
           </a:p>
           <a:p>
-            <a:pPr marL="171450" marR="0" indent="-171450" algn="l" defTabSz="914400" rtl="0" eaLnBrk="1" fontAlgn="auto" latinLnBrk="0" hangingPunct="1">
+            <a:pPr marL="628650" marR="0" lvl="1" indent="-171450" algn="l" defTabSz="914400" rtl="0" eaLnBrk="1" fontAlgn="auto" latinLnBrk="0" hangingPunct="1">
               <a:lnSpc>
                 <a:spcPct val="100000"/>
               </a:lnSpc>
@@ -8709,6 +8502,68 @@
             </a:pPr>
             <a:endParaRPr lang="fr-FR" baseline="0" dirty="0" smtClean="0"/>
           </a:p>
+          <a:p>
+            <a:pPr marL="171450" indent="-171450">
+              <a:buFont typeface="Arial" charset="0"/>
+              <a:buChar char="•"/>
+            </a:pPr>
+            <a:r>
+              <a:rPr lang="fr-FR" dirty="0" smtClean="0"/>
+              <a:t>2: DLBIP qui</a:t>
+            </a:r>
+            <a:r>
+              <a:rPr lang="fr-FR" baseline="0" dirty="0" smtClean="0"/>
+              <a:t> est une version de LBIP amélioré tjrs meilleur</a:t>
+            </a:r>
+          </a:p>
+          <a:p>
+            <a:pPr marL="171450" indent="-171450">
+              <a:buFont typeface="Arial" charset="0"/>
+              <a:buChar char="•"/>
+            </a:pPr>
+            <a:endParaRPr lang="fr-FR" baseline="0" dirty="0" smtClean="0"/>
+          </a:p>
+          <a:p>
+            <a:pPr marL="171450" indent="-171450">
+              <a:buFont typeface="Arial" charset="0"/>
+              <a:buChar char="•"/>
+            </a:pPr>
+            <a:r>
+              <a:rPr lang="fr-FR" baseline="0" dirty="0" smtClean="0"/>
+              <a:t>4: DLBIP est meilleur que LBOP parce (petit densité) l’</a:t>
+            </a:r>
+            <a:r>
+              <a:rPr lang="fr-FR" baseline="0" dirty="0" err="1" smtClean="0"/>
+              <a:t>algo</a:t>
+            </a:r>
+            <a:r>
+              <a:rPr lang="fr-FR" baseline="0" dirty="0" smtClean="0"/>
+              <a:t> de Bip</a:t>
+            </a:r>
+          </a:p>
+          <a:p>
+            <a:pPr marL="628650" lvl="1" indent="-171450">
+              <a:buFont typeface="Arial" charset="0"/>
+              <a:buChar char="•"/>
+            </a:pPr>
+            <a:r>
+              <a:rPr lang="fr-FR" baseline="0" dirty="0" smtClean="0"/>
+              <a:t>A chaque fois qu’on augmente la densité, le rayon de transmission </a:t>
+            </a:r>
+            <a:r>
+              <a:rPr lang="fr-FR" baseline="0" dirty="0" err="1" smtClean="0"/>
+              <a:t>devien</a:t>
+            </a:r>
+            <a:r>
+              <a:rPr lang="fr-FR" baseline="0" dirty="0" smtClean="0"/>
+              <a:t> plus petit dans LBOP et pour cela que LBOP est meilleur que BIP.  </a:t>
+            </a:r>
+            <a:r>
+              <a:rPr lang="fr-FR" dirty="0" smtClean="0"/>
+              <a:t> </a:t>
+            </a:r>
+            <a:endParaRPr lang="fr-FR" dirty="0"/>
+          </a:p>
         </p:txBody>
       </p:sp>
       <p:sp>
@@ -8728,7 +8583,7 @@
           <a:p>
             <a:fld id="{36721C9E-25B0-41BA-8E29-060F4F48B751}" type="slidenum">
               <a:rPr lang="fr-FR" smtClean="0"/>
-              <a:t>29</a:t>
+              <a:t>28</a:t>
             </a:fld>
             <a:endParaRPr lang="fr-FR"/>
           </a:p>
@@ -8737,7 +8592,7 @@
     </p:spTree>
     <p:extLst>
       <p:ext uri="{BB962C8B-B14F-4D97-AF65-F5344CB8AC3E}">
-        <p14:creationId xmlns:p14="http://schemas.microsoft.com/office/powerpoint/2010/main" val="3331465244"/>
+        <p14:creationId xmlns:p14="http://schemas.microsoft.com/office/powerpoint/2010/main" val="2738453689"/>
       </p:ext>
     </p:extLst>
   </p:cSld>
@@ -8791,6 +8646,235 @@
           <a:bodyPr/>
           <a:lstStyle/>
           <a:p>
+            <a:pPr marL="171450" marR="0" indent="-171450" algn="l" defTabSz="914400" rtl="0" eaLnBrk="1" fontAlgn="auto" latinLnBrk="0" hangingPunct="1">
+              <a:lnSpc>
+                <a:spcPct val="100000"/>
+              </a:lnSpc>
+              <a:spcBef>
+                <a:spcPts val="0"/>
+              </a:spcBef>
+              <a:spcAft>
+                <a:spcPts val="0"/>
+              </a:spcAft>
+              <a:buClrTx/>
+              <a:buSzTx/>
+              <a:buFont typeface="Arial" charset="0"/>
+              <a:buChar char="•"/>
+              <a:tabLst/>
+              <a:defRPr/>
+            </a:pPr>
+            <a:r>
+              <a:rPr lang="fr-FR" baseline="0" dirty="0" smtClean="0"/>
+              <a:t>0:</a:t>
+            </a:r>
+            <a:r>
+              <a:rPr lang="fr-FR" dirty="0" smtClean="0"/>
+              <a:t>  Bip</a:t>
+            </a:r>
+            <a:r>
+              <a:rPr lang="fr-FR" baseline="0" dirty="0" smtClean="0"/>
+              <a:t> le Meilleur , FLOOD le pire</a:t>
+            </a:r>
+          </a:p>
+          <a:p>
+            <a:pPr marL="171450" marR="0" indent="-171450" algn="l" defTabSz="914400" rtl="0" eaLnBrk="1" fontAlgn="auto" latinLnBrk="0" hangingPunct="1">
+              <a:lnSpc>
+                <a:spcPct val="100000"/>
+              </a:lnSpc>
+              <a:spcBef>
+                <a:spcPts val="0"/>
+              </a:spcBef>
+              <a:spcAft>
+                <a:spcPts val="0"/>
+              </a:spcAft>
+              <a:buClrTx/>
+              <a:buSzTx/>
+              <a:buFont typeface="Arial" charset="0"/>
+              <a:buChar char="•"/>
+              <a:tabLst/>
+              <a:defRPr/>
+            </a:pPr>
+            <a:r>
+              <a:rPr lang="fr-FR" baseline="0" dirty="0" smtClean="0"/>
+              <a:t>1:LBOP est meilleur que RBOP (rayon choisi =&gt; graph initial)</a:t>
+            </a:r>
+          </a:p>
+          <a:p>
+            <a:pPr marL="171450" marR="0" indent="-171450" algn="l" defTabSz="914400" rtl="0" eaLnBrk="1" fontAlgn="auto" latinLnBrk="0" hangingPunct="1">
+              <a:lnSpc>
+                <a:spcPct val="100000"/>
+              </a:lnSpc>
+              <a:spcBef>
+                <a:spcPts val="0"/>
+              </a:spcBef>
+              <a:spcAft>
+                <a:spcPts val="0"/>
+              </a:spcAft>
+              <a:buClrTx/>
+              <a:buSzTx/>
+              <a:buFont typeface="Arial" charset="0"/>
+              <a:buChar char="•"/>
+              <a:tabLst/>
+              <a:defRPr/>
+            </a:pPr>
+            <a:r>
+              <a:rPr lang="fr-FR" baseline="0" dirty="0" smtClean="0"/>
+              <a:t>2: DLBIP </a:t>
+            </a:r>
+            <a:r>
+              <a:rPr lang="fr-FR" baseline="0" dirty="0" err="1" smtClean="0"/>
+              <a:t>tjr</a:t>
+            </a:r>
+            <a:r>
+              <a:rPr lang="fr-FR" baseline="0" dirty="0" smtClean="0"/>
+              <a:t> meilleur que LBIP</a:t>
+            </a:r>
+          </a:p>
+          <a:p>
+            <a:pPr marL="171450" marR="0" indent="-171450" algn="l" defTabSz="914400" rtl="0" eaLnBrk="1" fontAlgn="auto" latinLnBrk="0" hangingPunct="1">
+              <a:lnSpc>
+                <a:spcPct val="100000"/>
+              </a:lnSpc>
+              <a:spcBef>
+                <a:spcPts val="0"/>
+              </a:spcBef>
+              <a:spcAft>
+                <a:spcPts val="0"/>
+              </a:spcAft>
+              <a:buClrTx/>
+              <a:buSzTx/>
+              <a:buFont typeface="Arial" charset="0"/>
+              <a:buChar char="•"/>
+              <a:tabLst/>
+              <a:defRPr/>
+            </a:pPr>
+            <a:r>
+              <a:rPr lang="fr-FR" baseline="0" dirty="0" smtClean="0"/>
+              <a:t>3: DLBIP est Meilleur que LBOP dans la majorité des simulations</a:t>
+            </a:r>
+          </a:p>
+          <a:p>
+            <a:pPr marL="171450" marR="0" indent="-171450" algn="l" defTabSz="914400" rtl="0" eaLnBrk="1" fontAlgn="auto" latinLnBrk="0" hangingPunct="1">
+              <a:lnSpc>
+                <a:spcPct val="100000"/>
+              </a:lnSpc>
+              <a:spcBef>
+                <a:spcPts val="0"/>
+              </a:spcBef>
+              <a:spcAft>
+                <a:spcPts val="0"/>
+              </a:spcAft>
+              <a:buClrTx/>
+              <a:buSzTx/>
+              <a:buFont typeface="Arial" charset="0"/>
+              <a:buChar char="•"/>
+              <a:tabLst/>
+              <a:defRPr/>
+            </a:pPr>
+            <a:endParaRPr lang="fr-FR" baseline="0" dirty="0" smtClean="0"/>
+          </a:p>
+          <a:p>
+            <a:pPr marL="171450" marR="0" indent="-171450" algn="l" defTabSz="914400" rtl="0" eaLnBrk="1" fontAlgn="auto" latinLnBrk="0" hangingPunct="1">
+              <a:lnSpc>
+                <a:spcPct val="100000"/>
+              </a:lnSpc>
+              <a:spcBef>
+                <a:spcPts val="0"/>
+              </a:spcBef>
+              <a:spcAft>
+                <a:spcPts val="0"/>
+              </a:spcAft>
+              <a:buClrTx/>
+              <a:buSzTx/>
+              <a:buFont typeface="Arial" charset="0"/>
+              <a:buChar char="•"/>
+              <a:tabLst/>
+              <a:defRPr/>
+            </a:pPr>
+            <a:endParaRPr lang="fr-FR" baseline="0" dirty="0" smtClean="0"/>
+          </a:p>
+        </p:txBody>
+      </p:sp>
+      <p:sp>
+        <p:nvSpPr>
+          <p:cNvPr id="4" name="Espace réservé du numéro de diapositive 3"/>
+          <p:cNvSpPr>
+            <a:spLocks noGrp="1"/>
+          </p:cNvSpPr>
+          <p:nvPr>
+            <p:ph type="sldNum" sz="quarter" idx="10"/>
+          </p:nvPr>
+        </p:nvSpPr>
+        <p:spPr/>
+        <p:txBody>
+          <a:bodyPr/>
+          <a:lstStyle/>
+          <a:p>
+            <a:fld id="{36721C9E-25B0-41BA-8E29-060F4F48B751}" type="slidenum">
+              <a:rPr lang="fr-FR" smtClean="0"/>
+              <a:t>29</a:t>
+            </a:fld>
+            <a:endParaRPr lang="fr-FR"/>
+          </a:p>
+        </p:txBody>
+      </p:sp>
+    </p:spTree>
+    <p:extLst>
+      <p:ext uri="{BB962C8B-B14F-4D97-AF65-F5344CB8AC3E}">
+        <p14:creationId xmlns:p14="http://schemas.microsoft.com/office/powerpoint/2010/main" val="3331465244"/>
+      </p:ext>
+    </p:extLst>
+  </p:cSld>
+  <p:clrMapOvr>
+    <a:masterClrMapping/>
+  </p:clrMapOvr>
+</p:notes>
+</file>
+
+<file path=ppt/notesSlides/notesSlide6.xml><?xml version="1.0" encoding="utf-8"?>
+<p:notes xmlns:a="http://schemas.openxmlformats.org/drawingml/2006/main" xmlns:r="http://schemas.openxmlformats.org/officeDocument/2006/relationships" xmlns:p="http://schemas.openxmlformats.org/presentationml/2006/main">
+  <p:cSld>
+    <p:spTree>
+      <p:nvGrpSpPr>
+        <p:cNvPr id="1" name=""/>
+        <p:cNvGrpSpPr/>
+        <p:nvPr/>
+      </p:nvGrpSpPr>
+      <p:grpSpPr>
+        <a:xfrm>
+          <a:off x="0" y="0"/>
+          <a:ext cx="0" cy="0"/>
+          <a:chOff x="0" y="0"/>
+          <a:chExt cx="0" cy="0"/>
+        </a:xfrm>
+      </p:grpSpPr>
+      <p:sp>
+        <p:nvSpPr>
+          <p:cNvPr id="2" name="Espace réservé de l'image des diapositives 1"/>
+          <p:cNvSpPr>
+            <a:spLocks noGrp="1" noRot="1" noChangeAspect="1"/>
+          </p:cNvSpPr>
+          <p:nvPr>
+            <p:ph type="sldImg"/>
+          </p:nvPr>
+        </p:nvSpPr>
+        <p:spPr/>
+      </p:sp>
+      <p:sp>
+        <p:nvSpPr>
+          <p:cNvPr id="3" name="Espace réservé des commentaires 2"/>
+          <p:cNvSpPr>
+            <a:spLocks noGrp="1"/>
+          </p:cNvSpPr>
+          <p:nvPr>
+            <p:ph type="body" idx="1"/>
+          </p:nvPr>
+        </p:nvSpPr>
+        <p:spPr/>
+        <p:txBody>
+          <a:bodyPr/>
+          <a:lstStyle/>
+          <a:p>
             <a:r>
               <a:rPr lang="fr-FR" dirty="0" smtClean="0"/>
               <a:t>On</a:t>
@@ -8915,7 +8999,7 @@
 </p:notes>
 </file>
 
-<file path=ppt/notesSlides/notesSlide6.xml><?xml version="1.0" encoding="utf-8"?>
+<file path=ppt/notesSlides/notesSlide7.xml><?xml version="1.0" encoding="utf-8"?>
 <p:notes xmlns:a="http://schemas.openxmlformats.org/drawingml/2006/main" xmlns:r="http://schemas.openxmlformats.org/officeDocument/2006/relationships" xmlns:p="http://schemas.openxmlformats.org/presentationml/2006/main">
   <p:cSld>
     <p:spTree>
@@ -45939,7 +46023,7 @@
           <a:p>
             <a:r>
               <a:rPr lang="fr-FR"/>
-              <a:t>simulation et résulats</a:t>
+              <a:t>simulations et résulats</a:t>
             </a:r>
           </a:p>
         </p:txBody>
@@ -46129,7 +46213,7 @@
           <a:p>
             <a:r>
               <a:rPr lang="fr-FR"/>
-              <a:t>simulation et résulats</a:t>
+              <a:t>Simulations et résultats</a:t>
             </a:r>
           </a:p>
         </p:txBody>
@@ -46194,205 +46278,6 @@
           </a:p>
         </p:txBody>
       </p:sp>
-      <mc:AlternateContent xmlns:mc="http://schemas.openxmlformats.org/markup-compatibility/2006" xmlns:a14="http://schemas.microsoft.com/office/drawing/2010/main">
-        <mc:Choice Requires="a14">
-          <p:sp>
-            <p:nvSpPr>
-              <p:cNvPr id="3" name="Espace réservé du contenu 2"/>
-              <p:cNvSpPr>
-                <a:spLocks noGrp="1"/>
-              </p:cNvSpPr>
-              <p:nvPr>
-                <p:ph idx="1"/>
-              </p:nvPr>
-            </p:nvSpPr>
-            <p:spPr/>
-            <p:txBody>
-              <a:bodyPr/>
-              <a:lstStyle/>
-              <a:p>
-                <a:r>
-                  <a:rPr lang="fr-FR" dirty="0" smtClean="0"/>
-                  <a:t>Constantes </a:t>
-                </a:r>
-                <a14:m>
-                  <m:oMath xmlns="" xmlns:m="http://schemas.openxmlformats.org/officeDocument/2006/math">
-                    <m:r>
-                      <a:rPr lang="el-GR" i="1" dirty="0" smtClean="0">
-                        <a:latin typeface="Cambria Math"/>
-                      </a:rPr>
-                      <m:t>𝛼</m:t>
-                    </m:r>
-                    <m:r>
-                      <a:rPr lang="fr-FR" i="1" dirty="0" smtClean="0">
-                        <a:latin typeface="Cambria Math"/>
-                      </a:rPr>
-                      <m:t> = 2</m:t>
-                    </m:r>
-                  </m:oMath>
-                </a14:m>
-                <a:r>
-                  <a:rPr lang="fr-FR" dirty="0" smtClean="0"/>
-                  <a:t>  et </a:t>
-                </a:r>
-                <a14:m>
-                  <m:oMath xmlns="" xmlns:m="http://schemas.openxmlformats.org/officeDocument/2006/math">
-                    <m:r>
-                      <a:rPr lang="fr-FR" i="1" dirty="0" smtClean="0">
-                        <a:latin typeface="Cambria Math"/>
-                      </a:rPr>
-                      <m:t>𝑐</m:t>
-                    </m:r>
-                    <m:r>
-                      <a:rPr lang="fr-FR" i="1" dirty="0" smtClean="0">
-                        <a:latin typeface="Cambria Math"/>
-                      </a:rPr>
-                      <m:t> = 0</m:t>
-                    </m:r>
-                  </m:oMath>
-                </a14:m>
-                <a:endParaRPr lang="fr-FR" dirty="0" smtClean="0"/>
-              </a:p>
-              <a:p>
-                <a:r>
-                  <a:rPr lang="fr-FR" dirty="0" smtClean="0"/>
-                  <a:t>Temps de Simulation : </a:t>
-                </a:r>
-                <a14:m>
-                  <m:oMath xmlns="" xmlns:m="http://schemas.openxmlformats.org/officeDocument/2006/math">
-                    <m:r>
-                      <a:rPr lang="fr-FR" i="1" dirty="0" smtClean="0">
-                        <a:latin typeface="Cambria Math"/>
-                      </a:rPr>
-                      <m:t>10 000</m:t>
-                    </m:r>
-                    <m:r>
-                      <a:rPr lang="fr-FR" i="1" dirty="0" smtClean="0">
-                        <a:latin typeface="Cambria Math"/>
-                      </a:rPr>
-                      <m:t>𝑠</m:t>
-                    </m:r>
-                  </m:oMath>
-                </a14:m>
-                <a:endParaRPr lang="fr-FR" dirty="0" smtClean="0"/>
-              </a:p>
-              <a:p>
-                <a:r>
-                  <a:rPr lang="fr-FR" dirty="0" smtClean="0"/>
-                  <a:t>Énergie Initial : </a:t>
-                </a:r>
-                <a14:m>
-                  <m:oMath xmlns="" xmlns:m="http://schemas.openxmlformats.org/officeDocument/2006/math">
-                    <m:r>
-                      <a:rPr lang="fr-FR" i="1" dirty="0" smtClean="0">
-                        <a:latin typeface="Cambria Math"/>
-                      </a:rPr>
-                      <m:t>200 000,0</m:t>
-                    </m:r>
-                  </m:oMath>
-                </a14:m>
-                <a:endParaRPr lang="fr-FR" dirty="0" smtClean="0"/>
-              </a:p>
-              <a:p>
-                <a:r>
-                  <a:rPr lang="fr-FR" dirty="0" smtClean="0"/>
-                  <a:t>Période de génération des évènement: </a:t>
-                </a:r>
-                <a14:m>
-                  <m:oMath xmlns="" xmlns:m="http://schemas.openxmlformats.org/officeDocument/2006/math">
-                    <m:r>
-                      <a:rPr lang="fr-FR" i="1" dirty="0" smtClean="0">
-                        <a:latin typeface="Cambria Math"/>
-                      </a:rPr>
-                      <m:t>2</m:t>
-                    </m:r>
-                    <m:r>
-                      <a:rPr lang="fr-FR" i="1" dirty="0" smtClean="0">
-                        <a:latin typeface="Cambria Math"/>
-                      </a:rPr>
-                      <m:t>𝑠</m:t>
-                    </m:r>
-                  </m:oMath>
-                </a14:m>
-                <a:endParaRPr lang="fr-FR" dirty="0" smtClean="0"/>
-              </a:p>
-              <a:p>
-                <a:r>
-                  <a:rPr lang="fr-FR" dirty="0" smtClean="0"/>
-                  <a:t>La portée d’un Nœud : </a:t>
-                </a:r>
-                <a14:m>
-                  <m:oMath xmlns="" xmlns:m="http://schemas.openxmlformats.org/officeDocument/2006/math">
-                    <m:r>
-                      <a:rPr lang="fr-FR" i="1" dirty="0" smtClean="0">
-                        <a:latin typeface="Cambria Math"/>
-                      </a:rPr>
-                      <m:t>30 </m:t>
-                    </m:r>
-                    <m:r>
-                      <a:rPr lang="fr-FR" i="1" dirty="0" smtClean="0">
-                        <a:latin typeface="Cambria Math"/>
-                      </a:rPr>
-                      <m:t>𝑚</m:t>
-                    </m:r>
-                  </m:oMath>
-                </a14:m>
-                <a:endParaRPr lang="fr-FR" dirty="0" smtClean="0"/>
-              </a:p>
-              <a:p>
-                <a:r>
-                  <a:rPr lang="fr-FR" dirty="0" smtClean="0"/>
-                  <a:t>La taille de la topologie </a:t>
-                </a:r>
-                <a14:m>
-                  <m:oMath xmlns="" xmlns:m="http://schemas.openxmlformats.org/officeDocument/2006/math">
-                    <m:r>
-                      <a:rPr lang="fr-FR" i="1" dirty="0" smtClean="0">
-                        <a:latin typeface="Cambria Math"/>
-                      </a:rPr>
-                      <m:t>1000∗1000.</m:t>
-                    </m:r>
-                  </m:oMath>
-                </a14:m>
-                <a:endParaRPr lang="fr-FR" dirty="0"/>
-              </a:p>
-            </p:txBody>
-          </p:sp>
-        </mc:Choice>
-        <mc:Fallback xmlns="">
-          <p:sp>
-            <p:nvSpPr>
-              <p:cNvPr id="3" name="Espace réservé du contenu 2"/>
-              <p:cNvSpPr>
-                <a:spLocks noGrp="1" noRot="1" noChangeAspect="1" noMove="1" noResize="1" noEditPoints="1" noAdjustHandles="1" noChangeArrowheads="1" noChangeShapeType="1" noTextEdit="1"/>
-              </p:cNvSpPr>
-              <p:nvPr>
-                <p:ph idx="1"/>
-              </p:nvPr>
-            </p:nvSpPr>
-            <p:spPr>
-              <a:blipFill rotWithShape="1">
-                <a:blip r:embed="rId2"/>
-                <a:stretch>
-                  <a:fillRect l="-1630" t="-1617"/>
-                </a:stretch>
-              </a:blipFill>
-            </p:spPr>
-            <p:txBody>
-              <a:bodyPr/>
-              <a:lstStyle/>
-              <a:p>
-                <a:r>
-                  <a:rPr lang="fr-FR">
-                    <a:noFill/>
-                  </a:rPr>
-                  <a:t> </a:t>
-                </a:r>
-              </a:p>
-            </p:txBody>
-          </p:sp>
-        </mc:Fallback>
-      </mc:AlternateContent>
       <p:sp>
         <p:nvSpPr>
           <p:cNvPr id="4" name="Espace réservé du texte 3"/>
@@ -46412,15 +46297,102 @@
           <a:p>
             <a:r>
               <a:rPr lang="fr-FR"/>
-              <a:t>simulation et résulats</a:t>
+              <a:t>Simulations et résultats</a:t>
             </a:r>
+          </a:p>
+        </p:txBody>
+      </p:sp>
+      <p:sp>
+        <p:nvSpPr>
+          <p:cNvPr id="5" name="ZoneTexte 4"/>
+          <p:cNvSpPr txBox="1"/>
+          <p:nvPr/>
+        </p:nvSpPr>
+        <p:spPr>
+          <a:xfrm>
+            <a:off x="-1030941" y="2241176"/>
+            <a:ext cx="184666" cy="369332"/>
+          </a:xfrm>
+          <a:prstGeom prst="rect">
+            <a:avLst/>
+          </a:prstGeom>
+          <a:noFill/>
+        </p:spPr>
+        <p:txBody>
+          <a:bodyPr wrap="none" rtlCol="0">
+            <a:spAutoFit/>
+          </a:bodyPr>
+          <a:lstStyle/>
+          <a:p>
+            <a:endParaRPr lang="fr-FR"/>
+          </a:p>
+        </p:txBody>
+      </p:sp>
+      <p:sp>
+        <p:nvSpPr>
+          <p:cNvPr id="9" name="Espace réservé du contenu 8"/>
+          <p:cNvSpPr>
+            <a:spLocks noGrp="1"/>
+          </p:cNvSpPr>
+          <p:nvPr>
+            <p:ph idx="1"/>
+          </p:nvPr>
+        </p:nvSpPr>
+        <p:spPr/>
+        <p:txBody>
+          <a:bodyPr/>
+          <a:lstStyle/>
+          <a:p>
+            <a:r>
+              <a:rPr lang="fr-FR" kern="0" dirty="0"/>
+              <a:t>Constantes α= 4 et c = 10</a:t>
+            </a:r>
+            <a:r>
+              <a:rPr lang="fr-FR" kern="0" baseline="30000" dirty="0"/>
+              <a:t>6</a:t>
+            </a:r>
+          </a:p>
+          <a:p>
+            <a:r>
+              <a:rPr lang="fr-FR" kern="0" dirty="0"/>
+              <a:t>Temps de simulation : 10 000s</a:t>
+            </a:r>
+          </a:p>
+          <a:p>
+            <a:r>
+              <a:rPr lang="fr-FR" kern="0" dirty="0"/>
+              <a:t>Énergie initiale : 200 000</a:t>
+            </a:r>
+          </a:p>
+          <a:p>
+            <a:r>
+              <a:rPr lang="fr-FR" kern="0" dirty="0"/>
+              <a:t>Période de génération des évènements : 2s</a:t>
+            </a:r>
+          </a:p>
+          <a:p>
+            <a:r>
+              <a:rPr lang="fr-FR" kern="0" dirty="0"/>
+              <a:t>La portée d’un nœud : 30m</a:t>
+            </a:r>
+          </a:p>
+          <a:p>
+            <a:r>
+              <a:rPr lang="fr-FR" kern="0" dirty="0"/>
+              <a:t>La taille de la zone de simulation : 1000m</a:t>
+            </a:r>
+            <a:r>
+              <a:rPr lang="fr-FR" kern="0" baseline="30000" dirty="0"/>
+              <a:t>2</a:t>
+            </a:r>
+            <a:endParaRPr lang="fr-FR" kern="0" baseline="30000" dirty="0"/>
           </a:p>
         </p:txBody>
       </p:sp>
     </p:spTree>
     <p:extLst>
       <p:ext uri="{BB962C8B-B14F-4D97-AF65-F5344CB8AC3E}">
-        <p14:creationId xmlns:p14="http://schemas.microsoft.com/office/powerpoint/2010/main" val="2076842413"/>
+        <p14:creationId xmlns:p14="http://schemas.microsoft.com/office/powerpoint/2010/main" val="3627820170"/>
       </p:ext>
     </p:extLst>
   </p:cSld>
@@ -46523,7 +46495,7 @@
           <a:p>
             <a:r>
               <a:rPr lang="fr-FR"/>
-              <a:t>simulation et résulats</a:t>
+              <a:t>Simulations et résultats</a:t>
             </a:r>
           </a:p>
         </p:txBody>
@@ -47735,7 +47707,7 @@
           <a:p>
             <a:r>
               <a:rPr lang="fr-FR"/>
-              <a:t>simulation et résulats</a:t>
+              <a:t>Simulations et résultats</a:t>
             </a:r>
           </a:p>
         </p:txBody>
@@ -49041,7 +49013,7 @@
           <a:p>
             <a:r>
               <a:rPr lang="fr-FR"/>
-              <a:t>simulation et résulats</a:t>
+              <a:t>Simulations et résultats</a:t>
             </a:r>
           </a:p>
         </p:txBody>
@@ -49685,244 +49657,6 @@
           </a:p>
         </p:txBody>
       </p:sp>
-      <mc:AlternateContent xmlns:mc="http://schemas.openxmlformats.org/markup-compatibility/2006" xmlns:a14="http://schemas.microsoft.com/office/drawing/2010/main">
-        <mc:Choice Requires="a14">
-          <p:sp>
-            <p:nvSpPr>
-              <p:cNvPr id="3" name="Espace réservé du contenu 2"/>
-              <p:cNvSpPr>
-                <a:spLocks noGrp="1"/>
-              </p:cNvSpPr>
-              <p:nvPr>
-                <p:ph idx="1"/>
-              </p:nvPr>
-            </p:nvSpPr>
-            <p:spPr/>
-            <p:txBody>
-              <a:bodyPr/>
-              <a:lstStyle/>
-              <a:p>
-                <a:r>
-                  <a:rPr lang="fr-FR" dirty="0" smtClean="0"/>
-                  <a:t>Constantes </a:t>
-                </a:r>
-                <a14:m>
-                  <m:oMath xmlns="" xmlns:m="http://schemas.openxmlformats.org/officeDocument/2006/math">
-                    <m:r>
-                      <a:rPr lang="el-GR" i="1" dirty="0" smtClean="0">
-                        <a:latin typeface="Cambria Math"/>
-                      </a:rPr>
-                      <m:t>𝛼</m:t>
-                    </m:r>
-                    <m:r>
-                      <a:rPr lang="fr-FR" i="1" dirty="0" smtClean="0">
-                        <a:latin typeface="Cambria Math"/>
-                      </a:rPr>
-                      <m:t> = 4  </m:t>
-                    </m:r>
-                  </m:oMath>
-                </a14:m>
-                <a:r>
-                  <a:rPr lang="fr-FR" dirty="0" smtClean="0"/>
-                  <a:t>et </a:t>
-                </a:r>
-                <a14:m>
-                  <m:oMath xmlns="" xmlns:m="http://schemas.openxmlformats.org/officeDocument/2006/math">
-                    <m:r>
-                      <a:rPr lang="fr-FR" i="1" dirty="0" smtClean="0">
-                        <a:latin typeface="Cambria Math"/>
-                      </a:rPr>
-                      <m:t>𝑐</m:t>
-                    </m:r>
-                    <m:r>
-                      <a:rPr lang="fr-FR" i="1" dirty="0" smtClean="0">
-                        <a:latin typeface="Cambria Math"/>
-                      </a:rPr>
-                      <m:t> =</m:t>
-                    </m:r>
-                  </m:oMath>
-                </a14:m>
-                <a:r>
-                  <a:rPr lang="fr-FR" dirty="0" smtClean="0"/>
-                  <a:t> </a:t>
-                </a:r>
-                <a14:m>
-                  <m:oMath xmlns="" xmlns:m="http://schemas.openxmlformats.org/officeDocument/2006/math">
-                    <m:sSup>
-                      <m:sSupPr>
-                        <m:ctrlPr>
-                          <a:rPr lang="fr-FR" i="1" smtClean="0">
-                            <a:latin typeface="Cambria Math"/>
-                          </a:rPr>
-                        </m:ctrlPr>
-                      </m:sSupPr>
-                      <m:e>
-                        <m:r>
-                          <a:rPr lang="fr-FR" b="0" i="1" smtClean="0">
-                            <a:latin typeface="Cambria Math"/>
-                          </a:rPr>
-                          <m:t>10</m:t>
-                        </m:r>
-                      </m:e>
-                      <m:sup>
-                        <m:r>
-                          <a:rPr lang="fr-FR" b="0" i="1" smtClean="0">
-                            <a:latin typeface="Cambria Math"/>
-                          </a:rPr>
-                          <m:t>6</m:t>
-                        </m:r>
-                      </m:sup>
-                    </m:sSup>
-                  </m:oMath>
-                </a14:m>
-                <a:endParaRPr lang="fr-FR" dirty="0" smtClean="0"/>
-              </a:p>
-              <a:p>
-                <a:r>
-                  <a:rPr lang="fr-FR" dirty="0" smtClean="0"/>
-                  <a:t>Temps de Simulation : </a:t>
-                </a:r>
-                <a14:m>
-                  <m:oMath xmlns="" xmlns:m="http://schemas.openxmlformats.org/officeDocument/2006/math">
-                    <m:r>
-                      <a:rPr lang="fr-FR" i="1" dirty="0" smtClean="0">
-                        <a:latin typeface="Cambria Math"/>
-                      </a:rPr>
-                      <m:t>10 000</m:t>
-                    </m:r>
-                    <m:r>
-                      <a:rPr lang="fr-FR" b="0" i="1" dirty="0" smtClean="0">
-                        <a:latin typeface="Cambria Math"/>
-                      </a:rPr>
-                      <m:t> </m:t>
-                    </m:r>
-                    <m:r>
-                      <a:rPr lang="fr-FR" i="1" dirty="0" smtClean="0">
-                        <a:latin typeface="Cambria Math"/>
-                      </a:rPr>
-                      <m:t>𝑠</m:t>
-                    </m:r>
-                  </m:oMath>
-                </a14:m>
-                <a:endParaRPr lang="fr-FR" dirty="0" smtClean="0"/>
-              </a:p>
-              <a:p>
-                <a:r>
-                  <a:rPr lang="fr-FR" dirty="0" smtClean="0"/>
-                  <a:t>Énergie Initial : </a:t>
-                </a:r>
-                <a14:m>
-                  <m:oMath xmlns="" xmlns:m="http://schemas.openxmlformats.org/officeDocument/2006/math">
-                    <m:r>
-                      <a:rPr lang="fr-FR" i="1" dirty="0" smtClean="0">
-                        <a:latin typeface="Cambria Math"/>
-                      </a:rPr>
-                      <m:t>200 000,0</m:t>
-                    </m:r>
-                  </m:oMath>
-                </a14:m>
-                <a:endParaRPr lang="fr-FR" dirty="0" smtClean="0"/>
-              </a:p>
-              <a:p>
-                <a:r>
-                  <a:rPr lang="fr-FR" dirty="0" smtClean="0"/>
-                  <a:t>Période de génération des évènement: </a:t>
-                </a:r>
-                <a14:m>
-                  <m:oMath xmlns="" xmlns:m="http://schemas.openxmlformats.org/officeDocument/2006/math">
-                    <m:r>
-                      <a:rPr lang="fr-FR" i="1" dirty="0" smtClean="0">
-                        <a:latin typeface="Cambria Math"/>
-                      </a:rPr>
-                      <m:t>2</m:t>
-                    </m:r>
-                    <m:r>
-                      <a:rPr lang="fr-FR" i="1" dirty="0" smtClean="0">
-                        <a:latin typeface="Cambria Math"/>
-                      </a:rPr>
-                      <m:t>𝑠</m:t>
-                    </m:r>
-                  </m:oMath>
-                </a14:m>
-                <a:endParaRPr lang="fr-FR" dirty="0" smtClean="0"/>
-              </a:p>
-              <a:p>
-                <a:r>
-                  <a:rPr lang="fr-FR" dirty="0" smtClean="0"/>
-                  <a:t>La portée d’un Nœud : </a:t>
-                </a:r>
-                <a14:m>
-                  <m:oMath xmlns="" xmlns:m="http://schemas.openxmlformats.org/officeDocument/2006/math">
-                    <m:r>
-                      <a:rPr lang="fr-FR" i="1" dirty="0" smtClean="0">
-                        <a:latin typeface="Cambria Math"/>
-                      </a:rPr>
-                      <m:t>30 </m:t>
-                    </m:r>
-                    <m:r>
-                      <a:rPr lang="fr-FR" i="1" dirty="0" smtClean="0">
-                        <a:latin typeface="Cambria Math"/>
-                      </a:rPr>
-                      <m:t>𝑚</m:t>
-                    </m:r>
-                  </m:oMath>
-                </a14:m>
-                <a:endParaRPr lang="fr-FR" dirty="0" smtClean="0"/>
-              </a:p>
-              <a:p>
-                <a:r>
-                  <a:rPr lang="fr-FR" dirty="0" smtClean="0"/>
-                  <a:t>La taille de la topologie </a:t>
-                </a:r>
-                <a14:m>
-                  <m:oMath xmlns="" xmlns:m="http://schemas.openxmlformats.org/officeDocument/2006/math">
-                    <m:r>
-                      <a:rPr lang="fr-FR" i="1" dirty="0" smtClean="0">
-                        <a:latin typeface="Cambria Math"/>
-                      </a:rPr>
-                      <m:t>1000∗1000.</m:t>
-                    </m:r>
-                  </m:oMath>
-                </a14:m>
-                <a:endParaRPr lang="fr-FR" dirty="0"/>
-              </a:p>
-            </p:txBody>
-          </p:sp>
-        </mc:Choice>
-        <mc:Fallback xmlns="">
-          <p:sp>
-            <p:nvSpPr>
-              <p:cNvPr id="3" name="Espace réservé du contenu 2"/>
-              <p:cNvSpPr>
-                <a:spLocks noGrp="1" noRot="1" noChangeAspect="1" noMove="1" noResize="1" noEditPoints="1" noAdjustHandles="1" noChangeArrowheads="1" noChangeShapeType="1" noTextEdit="1"/>
-              </p:cNvSpPr>
-              <p:nvPr>
-                <p:ph idx="1"/>
-              </p:nvPr>
-            </p:nvSpPr>
-            <p:spPr>
-              <a:blipFill rotWithShape="1">
-                <a:blip r:embed="rId3"/>
-                <a:stretch>
-                  <a:fillRect l="-1630" t="-1617"/>
-                </a:stretch>
-              </a:blipFill>
-            </p:spPr>
-            <p:txBody>
-              <a:bodyPr/>
-              <a:lstStyle/>
-              <a:p>
-                <a:r>
-                  <a:rPr lang="fr-FR">
-                    <a:noFill/>
-                  </a:rPr>
-                  <a:t> </a:t>
-                </a:r>
-              </a:p>
-            </p:txBody>
-          </p:sp>
-        </mc:Fallback>
-      </mc:AlternateContent>
       <p:sp>
         <p:nvSpPr>
           <p:cNvPr id="4" name="Espace réservé du texte 3"/>
@@ -49942,7 +49676,67 @@
           <a:p>
             <a:r>
               <a:rPr lang="fr-FR"/>
-              <a:t>simulation et résulats</a:t>
+              <a:t>Simulations et résultats</a:t>
+            </a:r>
+          </a:p>
+        </p:txBody>
+      </p:sp>
+      <p:sp>
+        <p:nvSpPr>
+          <p:cNvPr id="6" name="Espace réservé du contenu 5"/>
+          <p:cNvSpPr>
+            <a:spLocks noGrp="1"/>
+          </p:cNvSpPr>
+          <p:nvPr>
+            <p:ph idx="1"/>
+          </p:nvPr>
+        </p:nvSpPr>
+        <p:spPr/>
+        <p:txBody>
+          <a:bodyPr/>
+          <a:lstStyle/>
+          <a:p>
+            <a:r>
+              <a:rPr lang="fr-FR" kern="0" dirty="0"/>
+              <a:t>Constantes α= 4 et c = 10</a:t>
+            </a:r>
+            <a:r>
+              <a:rPr lang="fr-FR" kern="0" baseline="30000" dirty="0"/>
+              <a:t>6</a:t>
+            </a:r>
+          </a:p>
+          <a:p>
+            <a:r>
+              <a:rPr lang="fr-FR" kern="0" dirty="0"/>
+              <a:t>Temps de simulation : 10 000s</a:t>
+            </a:r>
+          </a:p>
+          <a:p>
+            <a:r>
+              <a:rPr lang="fr-FR" kern="0" dirty="0"/>
+              <a:t>Énergie initiale : 200 000</a:t>
+            </a:r>
+          </a:p>
+          <a:p>
+            <a:r>
+              <a:rPr lang="fr-FR" kern="0" dirty="0"/>
+              <a:t>Période de génération des évènements : 2s</a:t>
+            </a:r>
+          </a:p>
+          <a:p>
+            <a:r>
+              <a:rPr lang="fr-FR" kern="0" dirty="0"/>
+              <a:t>La portée d’un nœud : 30m</a:t>
+            </a:r>
+          </a:p>
+          <a:p>
+            <a:r>
+              <a:rPr lang="fr-FR" kern="0" dirty="0"/>
+              <a:t>La taille de la zone de simulation : 1000m</a:t>
+            </a:r>
+            <a:r>
+              <a:rPr lang="fr-FR" kern="0" baseline="30000" dirty="0"/>
+              <a:t>2</a:t>
             </a:r>
           </a:p>
         </p:txBody>
@@ -50053,7 +49847,7 @@
           <a:p>
             <a:r>
               <a:rPr lang="fr-FR"/>
-              <a:t>simulation et résulats</a:t>
+              <a:t>Simulations et résultats</a:t>
             </a:r>
           </a:p>
         </p:txBody>
@@ -50164,7 +49958,7 @@
           <a:p>
             <a:r>
               <a:rPr lang="fr-FR"/>
-              <a:t>simulation et résulats</a:t>
+              <a:t>Simulations et résultats</a:t>
             </a:r>
           </a:p>
         </p:txBody>
@@ -50268,7 +50062,7 @@
           <a:p>
             <a:r>
               <a:rPr lang="fr-FR"/>
-              <a:t>simulation et résulats</a:t>
+              <a:t>Simulations et résultats</a:t>
             </a:r>
           </a:p>
         </p:txBody>

--- a/Redaction/Presentation/pres.pptx
+++ b/Redaction/Presentation/pres.pptx
@@ -31004,10 +31004,7 @@
             <a:r>
               <a:rPr lang="fr-FR" dirty="0" err="1">
                 <a:solidFill>
-                  <a:schemeClr val="tx1">
-                    <a:lumMod val="75000"/>
-                    <a:lumOff val="25000"/>
-                  </a:schemeClr>
+                  <a:srgbClr val="000000"/>
                 </a:solidFill>
               </a:rPr>
               <a:t>LMST</a:t>
@@ -31015,10 +31012,7 @@
             <a:r>
               <a:rPr lang="fr-FR" dirty="0">
                 <a:solidFill>
-                  <a:schemeClr val="tx1">
-                    <a:lumMod val="75000"/>
-                    <a:lumOff val="25000"/>
-                  </a:schemeClr>
+                  <a:srgbClr val="000000"/>
                 </a:solidFill>
               </a:rPr>
               <a:t> Broadcast Oriented Protocol (LBOP)</a:t>
@@ -31028,10 +31022,7 @@
             <a:r>
               <a:rPr lang="fr-FR" dirty="0" err="1">
                 <a:solidFill>
-                  <a:schemeClr val="tx1">
-                    <a:lumMod val="75000"/>
-                    <a:lumOff val="25000"/>
-                  </a:schemeClr>
+                  <a:srgbClr val="000000"/>
                 </a:solidFill>
               </a:rPr>
               <a:t>RNG</a:t>
@@ -31039,10 +31030,7 @@
             <a:r>
               <a:rPr lang="fr-FR" dirty="0">
                 <a:solidFill>
-                  <a:schemeClr val="tx1">
-                    <a:lumMod val="75000"/>
-                    <a:lumOff val="25000"/>
-                  </a:schemeClr>
+                  <a:srgbClr val="000000"/>
                 </a:solidFill>
               </a:rPr>
               <a:t> Broadcast Oriented Protocol (RBOP)</a:t>
@@ -31052,10 +31040,7 @@
             <a:r>
               <a:rPr lang="fr-FR" dirty="0">
                 <a:solidFill>
-                  <a:schemeClr val="tx1">
-                    <a:lumMod val="75000"/>
-                    <a:lumOff val="25000"/>
-                  </a:schemeClr>
+                  <a:srgbClr val="000000"/>
                 </a:solidFill>
               </a:rPr>
               <a:t>Phases d’initialisation : arbres couvrants</a:t>
@@ -31066,10 +31051,7 @@
             <a:r>
               <a:rPr lang="fr-FR" dirty="0">
                 <a:solidFill>
-                  <a:schemeClr val="tx1">
-                    <a:lumMod val="75000"/>
-                    <a:lumOff val="25000"/>
-                  </a:schemeClr>
+                  <a:srgbClr val="000000"/>
                 </a:solidFill>
               </a:rPr>
               <a:t>Local Minimal Spanning Tree</a:t>
@@ -31078,7 +31060,11 @@
           <a:p>
             <a:pPr lvl="1"/>
             <a:r>
-              <a:rPr lang="fr-FR"/>
+              <a:rPr lang="fr-FR">
+                <a:solidFill>
+                  <a:srgbClr val="000000"/>
+                </a:solidFill>
+              </a:rPr>
               <a:t>Relative Neighborhood Graph</a:t>
             </a:r>
           </a:p>
